--- a/python_training.pptx
+++ b/python_training.pptx
@@ -314,7 +314,7 @@
             <a:fld id="{DE7F393C-6EC8-45EA-8A7B-CAE425F76153}" type="datetimeFigureOut">
               <a:rPr lang="nl-NL" smtClean="0"/>
               <a:pPr/>
-              <a:t>29-09-2025</a:t>
+              <a:t>30-09-2025</a:t>
             </a:fld>
             <a:endParaRPr lang="nl-NL" dirty="0"/>
           </a:p>
@@ -481,7 +481,7 @@
             <a:fld id="{7CAC0B33-3943-42F1-973C-9CDD51C76BBD}" type="datetimeFigureOut">
               <a:rPr lang="nl-NL" smtClean="0"/>
               <a:pPr/>
-              <a:t>29-09-2025</a:t>
+              <a:t>30-09-2025</a:t>
             </a:fld>
             <a:endParaRPr lang="nl-NL" dirty="0"/>
           </a:p>
@@ -3115,7 +3115,7 @@
           <a:p>
             <a:fld id="{1FEA0735-A13F-3740-81A5-6F7760FA6F86}" type="datetime1">
               <a:rPr lang="nl-NL" smtClean="0"/>
-              <a:t>29-09-2025</a:t>
+              <a:t>30-09-2025</a:t>
             </a:fld>
             <a:endParaRPr lang="nl-NL" dirty="0"/>
           </a:p>
@@ -3215,7 +3215,7 @@
           <a:p>
             <a:fld id="{FA626ECE-4E9A-2445-89CC-59E5AEA471FB}" type="datetime1">
               <a:rPr lang="nl-NL" smtClean="0"/>
-              <a:t>29-09-2025</a:t>
+              <a:t>30-09-2025</a:t>
             </a:fld>
             <a:endParaRPr lang="nl-NL" dirty="0"/>
           </a:p>
@@ -3394,7 +3394,7 @@
           <a:p>
             <a:fld id="{9839CB03-DCF2-B749-ACCB-57353B868F10}" type="datetime1">
               <a:rPr lang="nl-NL" smtClean="0"/>
-              <a:t>29-09-2025</a:t>
+              <a:t>30-09-2025</a:t>
             </a:fld>
             <a:endParaRPr lang="nl-NL" dirty="0"/>
           </a:p>
@@ -8149,7 +8149,7 @@
           <a:p>
             <a:fld id="{BED4F09C-BF30-3C43-B96A-CD345CB1A3FE}" type="datetime1">
               <a:rPr lang="nl-NL" smtClean="0"/>
-              <a:t>29-09-2025</a:t>
+              <a:t>30-09-2025</a:t>
             </a:fld>
             <a:endParaRPr lang="nl-NL" dirty="0"/>
           </a:p>
@@ -8337,7 +8337,7 @@
           <a:p>
             <a:fld id="{096FFC3B-5CFB-474C-81EA-59B1FBACC21A}" type="datetime1">
               <a:rPr lang="nl-NL" smtClean="0"/>
-              <a:t>29-09-2025</a:t>
+              <a:t>30-09-2025</a:t>
             </a:fld>
             <a:endParaRPr lang="nl-NL" dirty="0"/>
           </a:p>
@@ -9232,7 +9232,7 @@
           <a:p>
             <a:fld id="{9D03F2BE-35A0-5446-85B8-E1133D43A555}" type="datetime1">
               <a:rPr lang="nl-NL" smtClean="0"/>
-              <a:t>29-09-2025</a:t>
+              <a:t>30-09-2025</a:t>
             </a:fld>
             <a:endParaRPr lang="nl-NL" dirty="0"/>
           </a:p>
@@ -10193,7 +10193,7 @@
           <a:p>
             <a:fld id="{9839CB03-DCF2-B749-ACCB-57353B868F10}" type="datetime1">
               <a:rPr lang="nl-NL" smtClean="0"/>
-              <a:t>29-09-2025</a:t>
+              <a:t>30-09-2025</a:t>
             </a:fld>
             <a:endParaRPr lang="nl-NL" dirty="0"/>
           </a:p>
@@ -10670,7 +10670,7 @@
           <a:p>
             <a:fld id="{A5595819-24CA-7745-A855-E53B1CFFEB90}" type="datetime1">
               <a:rPr lang="nl-NL" smtClean="0"/>
-              <a:t>29-09-2025</a:t>
+              <a:t>30-09-2025</a:t>
             </a:fld>
             <a:endParaRPr lang="nl-NL" dirty="0"/>
           </a:p>
@@ -10735,7 +10735,7 @@
           <a:p>
             <a:fld id="{9839CB03-DCF2-B749-ACCB-57353B868F10}" type="datetime1">
               <a:rPr lang="nl-NL" smtClean="0"/>
-              <a:t>29-09-2025</a:t>
+              <a:t>30-09-2025</a:t>
             </a:fld>
             <a:endParaRPr lang="nl-NL" dirty="0"/>
           </a:p>
@@ -11502,7 +11502,7 @@
           <a:p>
             <a:fld id="{9839CB03-DCF2-B749-ACCB-57353B868F10}" type="datetime1">
               <a:rPr lang="nl-NL" smtClean="0"/>
-              <a:t>29-09-2025</a:t>
+              <a:t>30-09-2025</a:t>
             </a:fld>
             <a:endParaRPr lang="nl-NL" dirty="0"/>
           </a:p>
@@ -11733,7 +11733,7 @@
           <a:p>
             <a:fld id="{9839CB03-DCF2-B749-ACCB-57353B868F10}" type="datetime1">
               <a:rPr lang="nl-NL" smtClean="0"/>
-              <a:t>29-09-2025</a:t>
+              <a:t>30-09-2025</a:t>
             </a:fld>
             <a:endParaRPr lang="nl-NL" dirty="0"/>
           </a:p>
@@ -12062,7 +12062,7 @@
           <a:p>
             <a:fld id="{9839CB03-DCF2-B749-ACCB-57353B868F10}" type="datetime1">
               <a:rPr lang="nl-NL" smtClean="0"/>
-              <a:t>29-09-2025</a:t>
+              <a:t>30-09-2025</a:t>
             </a:fld>
             <a:endParaRPr lang="nl-NL" dirty="0"/>
           </a:p>
@@ -12287,7 +12287,7 @@
           <a:p>
             <a:fld id="{9839CB03-DCF2-B749-ACCB-57353B868F10}" type="datetime1">
               <a:rPr lang="nl-NL" smtClean="0"/>
-              <a:t>29-09-2025</a:t>
+              <a:t>30-09-2025</a:t>
             </a:fld>
             <a:endParaRPr lang="nl-NL" dirty="0"/>
           </a:p>
@@ -12524,7 +12524,7 @@
           <a:p>
             <a:fld id="{9839CB03-DCF2-B749-ACCB-57353B868F10}" type="datetime1">
               <a:rPr lang="nl-NL" smtClean="0"/>
-              <a:t>29-09-2025</a:t>
+              <a:t>30-09-2025</a:t>
             </a:fld>
             <a:endParaRPr lang="nl-NL" dirty="0"/>
           </a:p>
@@ -12753,7 +12753,7 @@
           <a:p>
             <a:fld id="{9839CB03-DCF2-B749-ACCB-57353B868F10}" type="datetime1">
               <a:rPr lang="nl-NL" smtClean="0"/>
-              <a:t>29-09-2025</a:t>
+              <a:t>30-09-2025</a:t>
             </a:fld>
             <a:endParaRPr lang="nl-NL" dirty="0"/>
           </a:p>
@@ -12990,7 +12990,7 @@
           <a:p>
             <a:fld id="{9839CB03-DCF2-B749-ACCB-57353B868F10}" type="datetime1">
               <a:rPr lang="nl-NL" smtClean="0"/>
-              <a:t>29-09-2025</a:t>
+              <a:t>30-09-2025</a:t>
             </a:fld>
             <a:endParaRPr lang="nl-NL" dirty="0"/>
           </a:p>
@@ -13240,7 +13240,7 @@
           <a:p>
             <a:fld id="{9839CB03-DCF2-B749-ACCB-57353B868F10}" type="datetime1">
               <a:rPr lang="nl-NL" smtClean="0"/>
-              <a:t>29-09-2025</a:t>
+              <a:t>30-09-2025</a:t>
             </a:fld>
             <a:endParaRPr lang="nl-NL" dirty="0"/>
           </a:p>
@@ -13469,7 +13469,7 @@
           <a:p>
             <a:fld id="{9839CB03-DCF2-B749-ACCB-57353B868F10}" type="datetime1">
               <a:rPr lang="nl-NL" smtClean="0"/>
-              <a:t>29-09-2025</a:t>
+              <a:t>30-09-2025</a:t>
             </a:fld>
             <a:endParaRPr lang="nl-NL" dirty="0"/>
           </a:p>
@@ -13898,7 +13898,7 @@
           <a:p>
             <a:fld id="{9839CB03-DCF2-B749-ACCB-57353B868F10}" type="datetime1">
               <a:rPr lang="nl-NL" smtClean="0"/>
-              <a:t>29-09-2025</a:t>
+              <a:t>30-09-2025</a:t>
             </a:fld>
             <a:endParaRPr lang="nl-NL" dirty="0"/>
           </a:p>
@@ -14057,7 +14057,7 @@
           <a:p>
             <a:fld id="{9839CB03-DCF2-B749-ACCB-57353B868F10}" type="datetime1">
               <a:rPr lang="nl-NL" smtClean="0"/>
-              <a:t>29-09-2025</a:t>
+              <a:t>30-09-2025</a:t>
             </a:fld>
             <a:endParaRPr lang="nl-NL" dirty="0"/>
           </a:p>
@@ -14976,7 +14976,7 @@
           <a:p>
             <a:fld id="{9839CB03-DCF2-B749-ACCB-57353B868F10}" type="datetime1">
               <a:rPr lang="nl-NL" smtClean="0"/>
-              <a:t>29-09-2025</a:t>
+              <a:t>30-09-2025</a:t>
             </a:fld>
             <a:endParaRPr lang="nl-NL" dirty="0"/>
           </a:p>
@@ -15203,7 +15203,7 @@
           <a:p>
             <a:fld id="{9839CB03-DCF2-B749-ACCB-57353B868F10}" type="datetime1">
               <a:rPr lang="nl-NL" smtClean="0"/>
-              <a:t>29-09-2025</a:t>
+              <a:t>30-09-2025</a:t>
             </a:fld>
             <a:endParaRPr lang="nl-NL" dirty="0"/>
           </a:p>
@@ -16781,7 +16781,7 @@
           <a:p>
             <a:fld id="{9839CB03-DCF2-B749-ACCB-57353B868F10}" type="datetime1">
               <a:rPr lang="nl-NL" smtClean="0"/>
-              <a:t>29-09-2025</a:t>
+              <a:t>30-09-2025</a:t>
             </a:fld>
             <a:endParaRPr lang="nl-NL" dirty="0"/>
           </a:p>
@@ -17003,7 +17003,7 @@
           <a:p>
             <a:fld id="{9839CB03-DCF2-B749-ACCB-57353B868F10}" type="datetime1">
               <a:rPr lang="nl-NL" smtClean="0"/>
-              <a:t>29-09-2025</a:t>
+              <a:t>30-09-2025</a:t>
             </a:fld>
             <a:endParaRPr lang="nl-NL" dirty="0"/>
           </a:p>
@@ -17910,7 +17910,7 @@
           <a:p>
             <a:fld id="{9839CB03-DCF2-B749-ACCB-57353B868F10}" type="datetime1">
               <a:rPr lang="nl-NL" smtClean="0"/>
-              <a:t>29-09-2025</a:t>
+              <a:t>30-09-2025</a:t>
             </a:fld>
             <a:endParaRPr lang="nl-NL" dirty="0"/>
           </a:p>
@@ -18411,7 +18411,7 @@
           <a:p>
             <a:fld id="{9839CB03-DCF2-B749-ACCB-57353B868F10}" type="datetime1">
               <a:rPr lang="nl-NL" smtClean="0"/>
-              <a:t>29-09-2025</a:t>
+              <a:t>30-09-2025</a:t>
             </a:fld>
             <a:endParaRPr lang="nl-NL" dirty="0"/>
           </a:p>
@@ -18633,7 +18633,7 @@
           <a:p>
             <a:fld id="{9839CB03-DCF2-B749-ACCB-57353B868F10}" type="datetime1">
               <a:rPr lang="nl-NL" smtClean="0"/>
-              <a:t>29-09-2025</a:t>
+              <a:t>30-09-2025</a:t>
             </a:fld>
             <a:endParaRPr lang="nl-NL" dirty="0"/>
           </a:p>
@@ -19243,7 +19243,7 @@
           <a:p>
             <a:fld id="{9839CB03-DCF2-B749-ACCB-57353B868F10}" type="datetime1">
               <a:rPr lang="nl-NL" smtClean="0"/>
-              <a:t>29-09-2025</a:t>
+              <a:t>30-09-2025</a:t>
             </a:fld>
             <a:endParaRPr lang="nl-NL" dirty="0"/>
           </a:p>
@@ -19645,7 +19645,7 @@
           <a:p>
             <a:fld id="{A5595819-24CA-7745-A855-E53B1CFFEB90}" type="datetime1">
               <a:rPr lang="nl-NL" smtClean="0"/>
-              <a:t>29-09-2025</a:t>
+              <a:t>30-09-2025</a:t>
             </a:fld>
             <a:endParaRPr lang="nl-NL" dirty="0"/>
           </a:p>
@@ -19743,7 +19743,7 @@
           <a:p>
             <a:fld id="{9839CB03-DCF2-B749-ACCB-57353B868F10}" type="datetime1">
               <a:rPr lang="nl-NL" smtClean="0"/>
-              <a:t>29-09-2025</a:t>
+              <a:t>30-09-2025</a:t>
             </a:fld>
             <a:endParaRPr lang="nl-NL" dirty="0"/>
           </a:p>
@@ -19983,7 +19983,7 @@
           <a:p>
             <a:fld id="{9839CB03-DCF2-B749-ACCB-57353B868F10}" type="datetime1">
               <a:rPr lang="nl-NL" smtClean="0"/>
-              <a:t>29-09-2025</a:t>
+              <a:t>30-09-2025</a:t>
             </a:fld>
             <a:endParaRPr lang="nl-NL" dirty="0"/>
           </a:p>
@@ -21116,7 +21116,7 @@
           <a:p>
             <a:fld id="{9839CB03-DCF2-B749-ACCB-57353B868F10}" type="datetime1">
               <a:rPr lang="nl-NL" smtClean="0"/>
-              <a:t>29-09-2025</a:t>
+              <a:t>30-09-2025</a:t>
             </a:fld>
             <a:endParaRPr lang="nl-NL" dirty="0"/>
           </a:p>
@@ -21363,7 +21363,7 @@
           <a:p>
             <a:fld id="{9839CB03-DCF2-B749-ACCB-57353B868F10}" type="datetime1">
               <a:rPr lang="nl-NL" smtClean="0"/>
-              <a:t>29-09-2025</a:t>
+              <a:t>30-09-2025</a:t>
             </a:fld>
             <a:endParaRPr lang="nl-NL" dirty="0"/>
           </a:p>
@@ -21639,7 +21639,7 @@
           <a:p>
             <a:fld id="{9839CB03-DCF2-B749-ACCB-57353B868F10}" type="datetime1">
               <a:rPr lang="nl-NL" smtClean="0"/>
-              <a:t>29-09-2025</a:t>
+              <a:t>30-09-2025</a:t>
             </a:fld>
             <a:endParaRPr lang="nl-NL" dirty="0"/>
           </a:p>
@@ -21806,7 +21806,7 @@
           <a:p>
             <a:fld id="{A5595819-24CA-7745-A855-E53B1CFFEB90}" type="datetime1">
               <a:rPr lang="nl-NL" smtClean="0"/>
-              <a:t>29-09-2025</a:t>
+              <a:t>30-09-2025</a:t>
             </a:fld>
             <a:endParaRPr lang="nl-NL" dirty="0"/>
           </a:p>
@@ -21904,7 +21904,7 @@
           <a:p>
             <a:fld id="{9839CB03-DCF2-B749-ACCB-57353B868F10}" type="datetime1">
               <a:rPr lang="nl-NL" smtClean="0"/>
-              <a:t>29-09-2025</a:t>
+              <a:t>30-09-2025</a:t>
             </a:fld>
             <a:endParaRPr lang="nl-NL" dirty="0"/>
           </a:p>
@@ -22293,7 +22293,7 @@
           <a:p>
             <a:fld id="{9839CB03-DCF2-B749-ACCB-57353B868F10}" type="datetime1">
               <a:rPr lang="nl-NL" smtClean="0"/>
-              <a:t>29-09-2025</a:t>
+              <a:t>30-09-2025</a:t>
             </a:fld>
             <a:endParaRPr lang="nl-NL" dirty="0"/>
           </a:p>
@@ -22485,7 +22485,7 @@
           <a:p>
             <a:fld id="{9839CB03-DCF2-B749-ACCB-57353B868F10}" type="datetime1">
               <a:rPr lang="nl-NL" smtClean="0"/>
-              <a:t>29-09-2025</a:t>
+              <a:t>30-09-2025</a:t>
             </a:fld>
             <a:endParaRPr lang="nl-NL" dirty="0"/>
           </a:p>
@@ -22677,7 +22677,7 @@
           <a:p>
             <a:fld id="{9839CB03-DCF2-B749-ACCB-57353B868F10}" type="datetime1">
               <a:rPr lang="nl-NL" smtClean="0"/>
-              <a:t>29-09-2025</a:t>
+              <a:t>30-09-2025</a:t>
             </a:fld>
             <a:endParaRPr lang="nl-NL" dirty="0"/>
           </a:p>
@@ -23681,7 +23681,7 @@
           <a:p>
             <a:fld id="{9839CB03-DCF2-B749-ACCB-57353B868F10}" type="datetime1">
               <a:rPr lang="nl-NL" smtClean="0"/>
-              <a:t>29-09-2025</a:t>
+              <a:t>30-09-2025</a:t>
             </a:fld>
             <a:endParaRPr lang="nl-NL" dirty="0"/>
           </a:p>
@@ -24088,7 +24088,7 @@
           <a:p>
             <a:fld id="{9839CB03-DCF2-B749-ACCB-57353B868F10}" type="datetime1">
               <a:rPr lang="nl-NL" smtClean="0"/>
-              <a:t>29-09-2025</a:t>
+              <a:t>30-09-2025</a:t>
             </a:fld>
             <a:endParaRPr lang="nl-NL" dirty="0"/>
           </a:p>
@@ -24310,7 +24310,7 @@
           <a:p>
             <a:fld id="{9839CB03-DCF2-B749-ACCB-57353B868F10}" type="datetime1">
               <a:rPr lang="nl-NL" smtClean="0"/>
-              <a:t>29-09-2025</a:t>
+              <a:t>30-09-2025</a:t>
             </a:fld>
             <a:endParaRPr lang="nl-NL" dirty="0"/>
           </a:p>
@@ -25031,7 +25031,7 @@
           <a:p>
             <a:fld id="{9839CB03-DCF2-B749-ACCB-57353B868F10}" type="datetime1">
               <a:rPr lang="nl-NL" smtClean="0"/>
-              <a:t>29-09-2025</a:t>
+              <a:t>30-09-2025</a:t>
             </a:fld>
             <a:endParaRPr lang="nl-NL" dirty="0"/>
           </a:p>
@@ -25458,7 +25458,7 @@
           <a:p>
             <a:fld id="{9839CB03-DCF2-B749-ACCB-57353B868F10}" type="datetime1">
               <a:rPr lang="nl-NL" smtClean="0"/>
-              <a:t>29-09-2025</a:t>
+              <a:t>30-09-2025</a:t>
             </a:fld>
             <a:endParaRPr lang="nl-NL" dirty="0"/>
           </a:p>
@@ -25680,7 +25680,7 @@
           <a:p>
             <a:fld id="{9839CB03-DCF2-B749-ACCB-57353B868F10}" type="datetime1">
               <a:rPr lang="nl-NL" smtClean="0"/>
-              <a:t>29-09-2025</a:t>
+              <a:t>30-09-2025</a:t>
             </a:fld>
             <a:endParaRPr lang="nl-NL" dirty="0"/>
           </a:p>
@@ -26399,7 +26399,7 @@
           <a:p>
             <a:fld id="{9839CB03-DCF2-B749-ACCB-57353B868F10}" type="datetime1">
               <a:rPr lang="nl-NL" smtClean="0"/>
-              <a:t>29-09-2025</a:t>
+              <a:t>30-09-2025</a:t>
             </a:fld>
             <a:endParaRPr lang="nl-NL" dirty="0"/>
           </a:p>
@@ -26826,7 +26826,7 @@
           <a:p>
             <a:fld id="{9839CB03-DCF2-B749-ACCB-57353B868F10}" type="datetime1">
               <a:rPr lang="nl-NL" smtClean="0"/>
-              <a:t>29-09-2025</a:t>
+              <a:t>30-09-2025</a:t>
             </a:fld>
             <a:endParaRPr lang="nl-NL" dirty="0"/>
           </a:p>
@@ -27018,7 +27018,7 @@
           <a:p>
             <a:fld id="{9839CB03-DCF2-B749-ACCB-57353B868F10}" type="datetime1">
               <a:rPr lang="nl-NL" smtClean="0"/>
-              <a:t>29-09-2025</a:t>
+              <a:t>30-09-2025</a:t>
             </a:fld>
             <a:endParaRPr lang="nl-NL" dirty="0"/>
           </a:p>
@@ -28042,7 +28042,7 @@
           <a:p>
             <a:fld id="{9839CB03-DCF2-B749-ACCB-57353B868F10}" type="datetime1">
               <a:rPr lang="nl-NL" smtClean="0"/>
-              <a:t>29-09-2025</a:t>
+              <a:t>30-09-2025</a:t>
             </a:fld>
             <a:endParaRPr lang="nl-NL" dirty="0"/>
           </a:p>
@@ -28981,7 +28981,7 @@
           <a:p>
             <a:fld id="{9839CB03-DCF2-B749-ACCB-57353B868F10}" type="datetime1">
               <a:rPr lang="nl-NL" smtClean="0"/>
-              <a:t>29-09-2025</a:t>
+              <a:t>30-09-2025</a:t>
             </a:fld>
             <a:endParaRPr lang="nl-NL" dirty="0"/>
           </a:p>
@@ -29309,7 +29309,7 @@
           <a:p>
             <a:fld id="{9839CB03-DCF2-B749-ACCB-57353B868F10}" type="datetime1">
               <a:rPr lang="nl-NL" smtClean="0"/>
-              <a:t>29-09-2025</a:t>
+              <a:t>30-09-2025</a:t>
             </a:fld>
             <a:endParaRPr lang="nl-NL" dirty="0"/>
           </a:p>
@@ -29865,7 +29865,7 @@
           <a:p>
             <a:fld id="{9839CB03-DCF2-B749-ACCB-57353B868F10}" type="datetime1">
               <a:rPr lang="nl-NL" smtClean="0"/>
-              <a:t>29-09-2025</a:t>
+              <a:t>30-09-2025</a:t>
             </a:fld>
             <a:endParaRPr lang="nl-NL" dirty="0"/>
           </a:p>
@@ -30499,7 +30499,7 @@
           <a:p>
             <a:fld id="{9839CB03-DCF2-B749-ACCB-57353B868F10}" type="datetime1">
               <a:rPr lang="nl-NL" smtClean="0"/>
-              <a:t>29-09-2025</a:t>
+              <a:t>30-09-2025</a:t>
             </a:fld>
             <a:endParaRPr lang="nl-NL" dirty="0"/>
           </a:p>
@@ -30841,7 +30841,7 @@
           <a:p>
             <a:fld id="{9839CB03-DCF2-B749-ACCB-57353B868F10}" type="datetime1">
               <a:rPr lang="nl-NL" smtClean="0"/>
-              <a:t>29-09-2025</a:t>
+              <a:t>30-09-2025</a:t>
             </a:fld>
             <a:endParaRPr lang="nl-NL" dirty="0"/>
           </a:p>
@@ -31092,7 +31092,7 @@
           <a:p>
             <a:fld id="{9839CB03-DCF2-B749-ACCB-57353B868F10}" type="datetime1">
               <a:rPr lang="nl-NL" smtClean="0"/>
-              <a:t>29-09-2025</a:t>
+              <a:t>30-09-2025</a:t>
             </a:fld>
             <a:endParaRPr lang="nl-NL" dirty="0"/>
           </a:p>
@@ -31454,7 +31454,7 @@
           <a:p>
             <a:fld id="{9839CB03-DCF2-B749-ACCB-57353B868F10}" type="datetime1">
               <a:rPr lang="nl-NL" smtClean="0"/>
-              <a:t>29-09-2025</a:t>
+              <a:t>30-09-2025</a:t>
             </a:fld>
             <a:endParaRPr lang="nl-NL" dirty="0"/>
           </a:p>
@@ -31627,7 +31627,7 @@
           <a:p>
             <a:fld id="{9839CB03-DCF2-B749-ACCB-57353B868F10}" type="datetime1">
               <a:rPr lang="nl-NL" smtClean="0"/>
-              <a:t>29-09-2025</a:t>
+              <a:t>30-09-2025</a:t>
             </a:fld>
             <a:endParaRPr lang="nl-NL" dirty="0"/>
           </a:p>
@@ -31750,7 +31750,7 @@
           <a:p>
             <a:fld id="{9839CB03-DCF2-B749-ACCB-57353B868F10}" type="datetime1">
               <a:rPr lang="nl-NL" smtClean="0"/>
-              <a:t>29-09-2025</a:t>
+              <a:t>30-09-2025</a:t>
             </a:fld>
             <a:endParaRPr lang="nl-NL" dirty="0"/>
           </a:p>
@@ -32441,7 +32441,7 @@
           <a:p>
             <a:fld id="{9839CB03-DCF2-B749-ACCB-57353B868F10}" type="datetime1">
               <a:rPr lang="nl-NL" smtClean="0"/>
-              <a:t>29-09-2025</a:t>
+              <a:t>30-09-2025</a:t>
             </a:fld>
             <a:endParaRPr lang="nl-NL" dirty="0"/>
           </a:p>
@@ -33082,7 +33082,7 @@
           <a:p>
             <a:fld id="{9839CB03-DCF2-B749-ACCB-57353B868F10}" type="datetime1">
               <a:rPr lang="nl-NL" smtClean="0"/>
-              <a:t>29-09-2025</a:t>
+              <a:t>30-09-2025</a:t>
             </a:fld>
             <a:endParaRPr lang="nl-NL" dirty="0"/>
           </a:p>
@@ -33629,7 +33629,7 @@
           <a:p>
             <a:fld id="{9839CB03-DCF2-B749-ACCB-57353B868F10}" type="datetime1">
               <a:rPr lang="nl-NL" smtClean="0"/>
-              <a:t>29-09-2025</a:t>
+              <a:t>30-09-2025</a:t>
             </a:fld>
             <a:endParaRPr lang="nl-NL" dirty="0"/>
           </a:p>

--- a/python_training.pptx
+++ b/python_training.pptx
@@ -5,10 +5,10 @@
     <p:sldMasterId id="2147483717" r:id="rId1"/>
   </p:sldMasterIdLst>
   <p:notesMasterIdLst>
-    <p:notesMasterId r:id="rId59"/>
+    <p:notesMasterId r:id="rId63"/>
   </p:notesMasterIdLst>
   <p:handoutMasterIdLst>
-    <p:handoutMasterId r:id="rId60"/>
+    <p:handoutMasterId r:id="rId64"/>
   </p:handoutMasterIdLst>
   <p:sldIdLst>
     <p:sldId id="322" r:id="rId2"/>
@@ -20,54 +20,58 @@
     <p:sldId id="373" r:id="rId8"/>
     <p:sldId id="374" r:id="rId9"/>
     <p:sldId id="375" r:id="rId10"/>
-    <p:sldId id="376" r:id="rId11"/>
-    <p:sldId id="378" r:id="rId12"/>
-    <p:sldId id="379" r:id="rId13"/>
-    <p:sldId id="380" r:id="rId14"/>
-    <p:sldId id="381" r:id="rId15"/>
-    <p:sldId id="383" r:id="rId16"/>
-    <p:sldId id="385" r:id="rId17"/>
-    <p:sldId id="384" r:id="rId18"/>
-    <p:sldId id="386" r:id="rId19"/>
-    <p:sldId id="387" r:id="rId20"/>
-    <p:sldId id="388" r:id="rId21"/>
-    <p:sldId id="389" r:id="rId22"/>
-    <p:sldId id="390" r:id="rId23"/>
-    <p:sldId id="391" r:id="rId24"/>
-    <p:sldId id="392" r:id="rId25"/>
-    <p:sldId id="395" r:id="rId26"/>
-    <p:sldId id="393" r:id="rId27"/>
-    <p:sldId id="397" r:id="rId28"/>
-    <p:sldId id="398" r:id="rId29"/>
-    <p:sldId id="396" r:id="rId30"/>
-    <p:sldId id="400" r:id="rId31"/>
-    <p:sldId id="402" r:id="rId32"/>
-    <p:sldId id="418" r:id="rId33"/>
-    <p:sldId id="419" r:id="rId34"/>
-    <p:sldId id="401" r:id="rId35"/>
-    <p:sldId id="429" r:id="rId36"/>
-    <p:sldId id="404" r:id="rId37"/>
-    <p:sldId id="403" r:id="rId38"/>
-    <p:sldId id="405" r:id="rId39"/>
-    <p:sldId id="407" r:id="rId40"/>
-    <p:sldId id="410" r:id="rId41"/>
-    <p:sldId id="408" r:id="rId42"/>
-    <p:sldId id="409" r:id="rId43"/>
-    <p:sldId id="411" r:id="rId44"/>
-    <p:sldId id="412" r:id="rId45"/>
-    <p:sldId id="413" r:id="rId46"/>
-    <p:sldId id="414" r:id="rId47"/>
-    <p:sldId id="415" r:id="rId48"/>
-    <p:sldId id="416" r:id="rId49"/>
-    <p:sldId id="420" r:id="rId50"/>
-    <p:sldId id="421" r:id="rId51"/>
-    <p:sldId id="417" r:id="rId52"/>
-    <p:sldId id="426" r:id="rId53"/>
-    <p:sldId id="425" r:id="rId54"/>
-    <p:sldId id="428" r:id="rId55"/>
-    <p:sldId id="430" r:id="rId56"/>
-    <p:sldId id="427" r:id="rId57"/>
-    <p:sldId id="422" r:id="rId58"/>
+    <p:sldId id="433" r:id="rId11"/>
+    <p:sldId id="434" r:id="rId12"/>
+    <p:sldId id="376" r:id="rId13"/>
+    <p:sldId id="378" r:id="rId14"/>
+    <p:sldId id="379" r:id="rId15"/>
+    <p:sldId id="380" r:id="rId16"/>
+    <p:sldId id="381" r:id="rId17"/>
+    <p:sldId id="383" r:id="rId18"/>
+    <p:sldId id="385" r:id="rId19"/>
+    <p:sldId id="384" r:id="rId20"/>
+    <p:sldId id="386" r:id="rId21"/>
+    <p:sldId id="387" r:id="rId22"/>
+    <p:sldId id="388" r:id="rId23"/>
+    <p:sldId id="432" r:id="rId24"/>
+    <p:sldId id="389" r:id="rId25"/>
+    <p:sldId id="390" r:id="rId26"/>
+    <p:sldId id="391" r:id="rId27"/>
+    <p:sldId id="392" r:id="rId28"/>
+    <p:sldId id="395" r:id="rId29"/>
+    <p:sldId id="393" r:id="rId30"/>
+    <p:sldId id="397" r:id="rId31"/>
+    <p:sldId id="398" r:id="rId32"/>
+    <p:sldId id="396" r:id="rId33"/>
+    <p:sldId id="400" r:id="rId34"/>
+    <p:sldId id="402" r:id="rId35"/>
+    <p:sldId id="418" r:id="rId36"/>
+    <p:sldId id="419" r:id="rId37"/>
+    <p:sldId id="401" r:id="rId38"/>
+    <p:sldId id="429" r:id="rId39"/>
+    <p:sldId id="404" r:id="rId40"/>
+    <p:sldId id="403" r:id="rId41"/>
+    <p:sldId id="405" r:id="rId42"/>
+    <p:sldId id="407" r:id="rId43"/>
+    <p:sldId id="410" r:id="rId44"/>
+    <p:sldId id="408" r:id="rId45"/>
+    <p:sldId id="409" r:id="rId46"/>
+    <p:sldId id="411" r:id="rId47"/>
+    <p:sldId id="412" r:id="rId48"/>
+    <p:sldId id="413" r:id="rId49"/>
+    <p:sldId id="414" r:id="rId50"/>
+    <p:sldId id="415" r:id="rId51"/>
+    <p:sldId id="416" r:id="rId52"/>
+    <p:sldId id="420" r:id="rId53"/>
+    <p:sldId id="421" r:id="rId54"/>
+    <p:sldId id="417" r:id="rId55"/>
+    <p:sldId id="426" r:id="rId56"/>
+    <p:sldId id="425" r:id="rId57"/>
+    <p:sldId id="428" r:id="rId58"/>
+    <p:sldId id="430" r:id="rId59"/>
+    <p:sldId id="427" r:id="rId60"/>
+    <p:sldId id="431" r:id="rId61"/>
+    <p:sldId id="422" r:id="rId62"/>
   </p:sldIdLst>
   <p:sldSz cx="9144000" cy="5143500" type="screen16x9"/>
   <p:notesSz cx="6858000" cy="9144000"/>
@@ -749,6 +753,260 @@
     </a:lvl9pPr>
   </p:notesStyle>
 </p:notesMaster>
+</file>
+
+<file path=ppt/notesSlides/notesSlide1.xml><?xml version="1.0" encoding="utf-8"?>
+<p:notes xmlns:a="http://schemas.openxmlformats.org/drawingml/2006/main" xmlns:r="http://schemas.openxmlformats.org/officeDocument/2006/relationships" xmlns:p="http://schemas.openxmlformats.org/presentationml/2006/main">
+  <p:cSld>
+    <p:spTree>
+      <p:nvGrpSpPr>
+        <p:cNvPr id="1" name=""/>
+        <p:cNvGrpSpPr/>
+        <p:nvPr/>
+      </p:nvGrpSpPr>
+      <p:grpSpPr>
+        <a:xfrm>
+          <a:off x="0" y="0"/>
+          <a:ext cx="0" cy="0"/>
+          <a:chOff x="0" y="0"/>
+          <a:chExt cx="0" cy="0"/>
+        </a:xfrm>
+      </p:grpSpPr>
+      <p:sp>
+        <p:nvSpPr>
+          <p:cNvPr id="2" name="Slide Image Placeholder 1"/>
+          <p:cNvSpPr>
+            <a:spLocks noGrp="1" noRot="1" noChangeAspect="1"/>
+          </p:cNvSpPr>
+          <p:nvPr>
+            <p:ph type="sldImg"/>
+          </p:nvPr>
+        </p:nvSpPr>
+        <p:spPr/>
+      </p:sp>
+      <p:sp>
+        <p:nvSpPr>
+          <p:cNvPr id="3" name="Notes Placeholder 2"/>
+          <p:cNvSpPr>
+            <a:spLocks noGrp="1"/>
+          </p:cNvSpPr>
+          <p:nvPr>
+            <p:ph type="body" idx="1"/>
+          </p:nvPr>
+        </p:nvSpPr>
+        <p:spPr/>
+        <p:txBody>
+          <a:bodyPr/>
+          <a:lstStyle/>
+          <a:p>
+            <a:r>
+              <a:rPr lang="en-GB" dirty="0"/>
+              <a:t>https://</a:t>
+            </a:r>
+            <a:r>
+              <a:rPr lang="en-GB" dirty="0" err="1"/>
+              <a:t>github.com</a:t>
+            </a:r>
+            <a:r>
+              <a:rPr lang="en-GB" dirty="0"/>
+              <a:t>/</a:t>
+            </a:r>
+            <a:r>
+              <a:rPr lang="en-GB" dirty="0" err="1"/>
+              <a:t>ResultManagersWouter</a:t>
+            </a:r>
+            <a:r>
+              <a:rPr lang="en-GB" dirty="0"/>
+              <a:t>/</a:t>
+            </a:r>
+            <a:r>
+              <a:rPr lang="en-GB" dirty="0" err="1"/>
+              <a:t>python_training.git</a:t>
+            </a:r>
+            <a:endParaRPr lang="en-GB" dirty="0"/>
+          </a:p>
+          <a:p>
+            <a:endParaRPr lang="en-GB" dirty="0"/>
+          </a:p>
+          <a:p>
+            <a:endParaRPr lang="en-NL" dirty="0"/>
+          </a:p>
+        </p:txBody>
+      </p:sp>
+      <p:sp>
+        <p:nvSpPr>
+          <p:cNvPr id="4" name="Slide Number Placeholder 3"/>
+          <p:cNvSpPr>
+            <a:spLocks noGrp="1"/>
+          </p:cNvSpPr>
+          <p:nvPr>
+            <p:ph type="sldNum" sz="quarter" idx="5"/>
+          </p:nvPr>
+        </p:nvSpPr>
+        <p:spPr/>
+        <p:txBody>
+          <a:bodyPr/>
+          <a:lstStyle/>
+          <a:p>
+            <a:fld id="{697381A9-0C9E-4D3A-A28B-AC4E168A57BC}" type="slidenum">
+              <a:rPr lang="nl-NL" smtClean="0"/>
+              <a:pPr/>
+              <a:t>10</a:t>
+            </a:fld>
+            <a:endParaRPr lang="nl-NL" dirty="0"/>
+          </a:p>
+        </p:txBody>
+      </p:sp>
+    </p:spTree>
+    <p:extLst>
+      <p:ext uri="{BB962C8B-B14F-4D97-AF65-F5344CB8AC3E}">
+        <p14:creationId xmlns:p14="http://schemas.microsoft.com/office/powerpoint/2010/main" val="524445397"/>
+      </p:ext>
+    </p:extLst>
+  </p:cSld>
+  <p:clrMapOvr>
+    <a:masterClrMapping/>
+  </p:clrMapOvr>
+</p:notes>
+</file>
+
+<file path=ppt/notesSlides/notesSlide2.xml><?xml version="1.0" encoding="utf-8"?>
+<p:notes xmlns:a="http://schemas.openxmlformats.org/drawingml/2006/main" xmlns:r="http://schemas.openxmlformats.org/officeDocument/2006/relationships" xmlns:p="http://schemas.openxmlformats.org/presentationml/2006/main">
+  <p:cSld>
+    <p:spTree>
+      <p:nvGrpSpPr>
+        <p:cNvPr id="1" name="">
+          <a:extLst>
+            <a:ext uri="{FF2B5EF4-FFF2-40B4-BE49-F238E27FC236}">
+              <a16:creationId xmlns:a16="http://schemas.microsoft.com/office/drawing/2014/main" id="{8EABAC4E-FFD7-8271-FD15-1368CF75845E}"/>
+            </a:ext>
+          </a:extLst>
+        </p:cNvPr>
+        <p:cNvGrpSpPr/>
+        <p:nvPr/>
+      </p:nvGrpSpPr>
+      <p:grpSpPr>
+        <a:xfrm>
+          <a:off x="0" y="0"/>
+          <a:ext cx="0" cy="0"/>
+          <a:chOff x="0" y="0"/>
+          <a:chExt cx="0" cy="0"/>
+        </a:xfrm>
+      </p:grpSpPr>
+      <p:sp>
+        <p:nvSpPr>
+          <p:cNvPr id="2" name="Slide Image Placeholder 1">
+            <a:extLst>
+              <a:ext uri="{FF2B5EF4-FFF2-40B4-BE49-F238E27FC236}">
+                <a16:creationId xmlns:a16="http://schemas.microsoft.com/office/drawing/2014/main" id="{CE59F5CF-B9D5-FD9D-C3A0-EAFC37EF463C}"/>
+              </a:ext>
+            </a:extLst>
+          </p:cNvPr>
+          <p:cNvSpPr>
+            <a:spLocks noGrp="1" noRot="1" noChangeAspect="1"/>
+          </p:cNvSpPr>
+          <p:nvPr>
+            <p:ph type="sldImg"/>
+          </p:nvPr>
+        </p:nvSpPr>
+        <p:spPr/>
+      </p:sp>
+      <p:sp>
+        <p:nvSpPr>
+          <p:cNvPr id="3" name="Notes Placeholder 2">
+            <a:extLst>
+              <a:ext uri="{FF2B5EF4-FFF2-40B4-BE49-F238E27FC236}">
+                <a16:creationId xmlns:a16="http://schemas.microsoft.com/office/drawing/2014/main" id="{AFD1452F-0E96-8AA6-3C86-0F7BA1252A66}"/>
+              </a:ext>
+            </a:extLst>
+          </p:cNvPr>
+          <p:cNvSpPr>
+            <a:spLocks noGrp="1"/>
+          </p:cNvSpPr>
+          <p:nvPr>
+            <p:ph type="body" idx="1"/>
+          </p:nvPr>
+        </p:nvSpPr>
+        <p:spPr/>
+        <p:txBody>
+          <a:bodyPr/>
+          <a:lstStyle/>
+          <a:p>
+            <a:r>
+              <a:rPr lang="en-GB" dirty="0"/>
+              <a:t>https://</a:t>
+            </a:r>
+            <a:r>
+              <a:rPr lang="en-GB" dirty="0" err="1"/>
+              <a:t>github.com</a:t>
+            </a:r>
+            <a:r>
+              <a:rPr lang="en-GB" dirty="0"/>
+              <a:t>/</a:t>
+            </a:r>
+            <a:r>
+              <a:rPr lang="en-GB" dirty="0" err="1"/>
+              <a:t>ResultManagersWouter</a:t>
+            </a:r>
+            <a:r>
+              <a:rPr lang="en-GB" dirty="0"/>
+              <a:t>/</a:t>
+            </a:r>
+            <a:r>
+              <a:rPr lang="en-GB" dirty="0" err="1"/>
+              <a:t>python_training.git</a:t>
+            </a:r>
+            <a:endParaRPr lang="en-GB" dirty="0"/>
+          </a:p>
+          <a:p>
+            <a:endParaRPr lang="en-GB" dirty="0"/>
+          </a:p>
+          <a:p>
+            <a:endParaRPr lang="en-NL" dirty="0"/>
+          </a:p>
+        </p:txBody>
+      </p:sp>
+      <p:sp>
+        <p:nvSpPr>
+          <p:cNvPr id="4" name="Slide Number Placeholder 3">
+            <a:extLst>
+              <a:ext uri="{FF2B5EF4-FFF2-40B4-BE49-F238E27FC236}">
+                <a16:creationId xmlns:a16="http://schemas.microsoft.com/office/drawing/2014/main" id="{B7693934-06C3-2A12-9693-C19192F5A5EA}"/>
+              </a:ext>
+            </a:extLst>
+          </p:cNvPr>
+          <p:cNvSpPr>
+            <a:spLocks noGrp="1"/>
+          </p:cNvSpPr>
+          <p:nvPr>
+            <p:ph type="sldNum" sz="quarter" idx="5"/>
+          </p:nvPr>
+        </p:nvSpPr>
+        <p:spPr/>
+        <p:txBody>
+          <a:bodyPr/>
+          <a:lstStyle/>
+          <a:p>
+            <a:fld id="{697381A9-0C9E-4D3A-A28B-AC4E168A57BC}" type="slidenum">
+              <a:rPr lang="nl-NL" smtClean="0"/>
+              <a:pPr/>
+              <a:t>11</a:t>
+            </a:fld>
+            <a:endParaRPr lang="nl-NL" dirty="0"/>
+          </a:p>
+        </p:txBody>
+      </p:sp>
+    </p:spTree>
+    <p:extLst>
+      <p:ext uri="{BB962C8B-B14F-4D97-AF65-F5344CB8AC3E}">
+        <p14:creationId xmlns:p14="http://schemas.microsoft.com/office/powerpoint/2010/main" val="3909552973"/>
+      </p:ext>
+    </p:extLst>
+  </p:cSld>
+  <p:clrMapOvr>
+    <a:masterClrMapping/>
+  </p:clrMapOvr>
+</p:notes>
 </file>
 
 <file path=ppt/slideLayouts/slideLayout1.xml><?xml version="1.0" encoding="utf-8"?>
@@ -10697,6 +10955,1067 @@
         <p:cNvPr id="1" name="">
           <a:extLst>
             <a:ext uri="{FF2B5EF4-FFF2-40B4-BE49-F238E27FC236}">
+              <a16:creationId xmlns:a16="http://schemas.microsoft.com/office/drawing/2014/main" id="{597CF9F2-E0D6-7418-811C-C5E36B1AA9F9}"/>
+            </a:ext>
+          </a:extLst>
+        </p:cNvPr>
+        <p:cNvGrpSpPr/>
+        <p:nvPr/>
+      </p:nvGrpSpPr>
+      <p:grpSpPr>
+        <a:xfrm>
+          <a:off x="0" y="0"/>
+          <a:ext cx="0" cy="0"/>
+          <a:chOff x="0" y="0"/>
+          <a:chExt cx="0" cy="0"/>
+        </a:xfrm>
+      </p:grpSpPr>
+      <p:sp>
+        <p:nvSpPr>
+          <p:cNvPr id="2" name="Title 1">
+            <a:extLst>
+              <a:ext uri="{FF2B5EF4-FFF2-40B4-BE49-F238E27FC236}">
+                <a16:creationId xmlns:a16="http://schemas.microsoft.com/office/drawing/2014/main" id="{7E193779-8C92-7A39-256D-137F0748A132}"/>
+              </a:ext>
+            </a:extLst>
+          </p:cNvPr>
+          <p:cNvSpPr>
+            <a:spLocks noGrp="1"/>
+          </p:cNvSpPr>
+          <p:nvPr>
+            <p:ph type="title"/>
+          </p:nvPr>
+        </p:nvSpPr>
+        <p:spPr>
+          <a:xfrm>
+            <a:off x="705610" y="627534"/>
+            <a:ext cx="8100000" cy="972000"/>
+          </a:xfrm>
+        </p:spPr>
+        <p:txBody>
+          <a:bodyPr/>
+          <a:lstStyle/>
+          <a:p>
+            <a:r>
+              <a:rPr lang="en-NL" dirty="0"/>
+              <a:t>Version Control System</a:t>
+            </a:r>
+          </a:p>
+        </p:txBody>
+      </p:sp>
+      <p:sp>
+        <p:nvSpPr>
+          <p:cNvPr id="3" name="Content Placeholder 2">
+            <a:extLst>
+              <a:ext uri="{FF2B5EF4-FFF2-40B4-BE49-F238E27FC236}">
+                <a16:creationId xmlns:a16="http://schemas.microsoft.com/office/drawing/2014/main" id="{19579ADD-8E85-EE1C-36E7-684C9D36ADFD}"/>
+              </a:ext>
+            </a:extLst>
+          </p:cNvPr>
+          <p:cNvSpPr>
+            <a:spLocks noGrp="1"/>
+          </p:cNvSpPr>
+          <p:nvPr>
+            <p:ph idx="1"/>
+          </p:nvPr>
+        </p:nvSpPr>
+        <p:spPr>
+          <a:xfrm>
+            <a:off x="688916" y="1347614"/>
+            <a:ext cx="8100000" cy="2090381"/>
+          </a:xfrm>
+        </p:spPr>
+        <p:txBody>
+          <a:bodyPr/>
+          <a:lstStyle/>
+          <a:p>
+            <a:r>
+              <a:rPr lang="en-GB" b="1" dirty="0"/>
+              <a:t>Wat is VCS (Version Control System)?</a:t>
+            </a:r>
+            <a:endParaRPr lang="en-GB" dirty="0"/>
+          </a:p>
+          <a:p>
+            <a:pPr>
+              <a:buFont typeface="Arial" panose="020B0604020202020204" pitchFamily="34" charset="0"/>
+              <a:buChar char="•"/>
+            </a:pPr>
+            <a:r>
+              <a:rPr lang="en-GB" dirty="0" err="1"/>
+              <a:t>Houdt</a:t>
+            </a:r>
+            <a:r>
+              <a:rPr lang="en-GB" dirty="0"/>
+              <a:t> </a:t>
+            </a:r>
+            <a:r>
+              <a:rPr lang="en-GB" dirty="0" err="1"/>
+              <a:t>versies</a:t>
+            </a:r>
+            <a:r>
+              <a:rPr lang="en-GB" dirty="0"/>
+              <a:t> van </a:t>
+            </a:r>
+            <a:r>
+              <a:rPr lang="en-GB" dirty="0" err="1"/>
+              <a:t>bestanden</a:t>
+            </a:r>
+            <a:r>
+              <a:rPr lang="en-GB" dirty="0"/>
+              <a:t> </a:t>
+            </a:r>
+            <a:r>
+              <a:rPr lang="en-GB" dirty="0" err="1"/>
+              <a:t>en</a:t>
+            </a:r>
+            <a:r>
+              <a:rPr lang="en-GB" dirty="0"/>
+              <a:t> code </a:t>
+            </a:r>
+            <a:r>
+              <a:rPr lang="en-GB" dirty="0" err="1"/>
+              <a:t>bij</a:t>
+            </a:r>
+            <a:endParaRPr lang="en-GB" dirty="0"/>
+          </a:p>
+          <a:p>
+            <a:pPr>
+              <a:buFont typeface="Arial" panose="020B0604020202020204" pitchFamily="34" charset="0"/>
+              <a:buChar char="•"/>
+            </a:pPr>
+            <a:r>
+              <a:rPr lang="en-GB" dirty="0" err="1"/>
+              <a:t>Mogelijkheid</a:t>
+            </a:r>
+            <a:r>
+              <a:rPr lang="en-GB" dirty="0"/>
+              <a:t> om </a:t>
+            </a:r>
+            <a:r>
+              <a:rPr lang="en-GB" dirty="0" err="1"/>
+              <a:t>terug</a:t>
+            </a:r>
+            <a:r>
+              <a:rPr lang="en-GB" dirty="0"/>
+              <a:t> </a:t>
+            </a:r>
+            <a:r>
+              <a:rPr lang="en-GB" dirty="0" err="1"/>
+              <a:t>te</a:t>
+            </a:r>
+            <a:r>
+              <a:rPr lang="en-GB" dirty="0"/>
+              <a:t> </a:t>
+            </a:r>
+            <a:r>
+              <a:rPr lang="en-GB" dirty="0" err="1"/>
+              <a:t>gaan</a:t>
+            </a:r>
+            <a:r>
+              <a:rPr lang="en-GB" dirty="0"/>
+              <a:t> </a:t>
+            </a:r>
+            <a:r>
+              <a:rPr lang="en-GB" dirty="0" err="1"/>
+              <a:t>naar</a:t>
+            </a:r>
+            <a:r>
+              <a:rPr lang="en-GB" dirty="0"/>
+              <a:t> </a:t>
+            </a:r>
+            <a:r>
+              <a:rPr lang="en-GB" dirty="0" err="1"/>
+              <a:t>oudere</a:t>
+            </a:r>
+            <a:r>
+              <a:rPr lang="en-GB" dirty="0"/>
+              <a:t> </a:t>
+            </a:r>
+            <a:r>
+              <a:rPr lang="en-GB" dirty="0" err="1"/>
+              <a:t>versies</a:t>
+            </a:r>
+            <a:endParaRPr lang="en-GB" dirty="0"/>
+          </a:p>
+          <a:p>
+            <a:pPr>
+              <a:buFont typeface="Arial" panose="020B0604020202020204" pitchFamily="34" charset="0"/>
+              <a:buChar char="•"/>
+            </a:pPr>
+            <a:r>
+              <a:rPr lang="en-GB" dirty="0" err="1"/>
+              <a:t>Ondersteunt</a:t>
+            </a:r>
+            <a:r>
+              <a:rPr lang="en-GB" dirty="0"/>
+              <a:t> branches → </a:t>
+            </a:r>
+            <a:r>
+              <a:rPr lang="en-GB" dirty="0" err="1"/>
+              <a:t>werken</a:t>
+            </a:r>
+            <a:r>
+              <a:rPr lang="en-GB" dirty="0"/>
+              <a:t> </a:t>
+            </a:r>
+            <a:r>
+              <a:rPr lang="en-GB" dirty="0" err="1"/>
+              <a:t>aan</a:t>
+            </a:r>
+            <a:r>
+              <a:rPr lang="en-GB" dirty="0"/>
+              <a:t> </a:t>
+            </a:r>
+            <a:r>
+              <a:rPr lang="en-GB" dirty="0" err="1"/>
+              <a:t>meerdere</a:t>
+            </a:r>
+            <a:r>
+              <a:rPr lang="en-GB" dirty="0"/>
+              <a:t> </a:t>
+            </a:r>
+            <a:r>
+              <a:rPr lang="en-GB" dirty="0" err="1"/>
+              <a:t>functies</a:t>
+            </a:r>
+            <a:r>
+              <a:rPr lang="en-GB" dirty="0"/>
+              <a:t> </a:t>
+            </a:r>
+            <a:r>
+              <a:rPr lang="en-GB" dirty="0" err="1"/>
+              <a:t>tegelijk</a:t>
+            </a:r>
+            <a:endParaRPr lang="en-GB" dirty="0"/>
+          </a:p>
+          <a:p>
+            <a:endParaRPr lang="en-GB" b="1" dirty="0"/>
+          </a:p>
+          <a:p>
+            <a:r>
+              <a:rPr lang="en-GB" b="1" dirty="0"/>
+              <a:t>Wat is Git?</a:t>
+            </a:r>
+            <a:endParaRPr lang="en-GB" dirty="0"/>
+          </a:p>
+          <a:p>
+            <a:pPr>
+              <a:buFont typeface="Arial" panose="020B0604020202020204" pitchFamily="34" charset="0"/>
+              <a:buChar char="•"/>
+            </a:pPr>
+            <a:r>
+              <a:rPr lang="en-GB" dirty="0"/>
+              <a:t>Het </a:t>
+            </a:r>
+            <a:r>
+              <a:rPr lang="en-GB" dirty="0" err="1"/>
+              <a:t>meest</a:t>
+            </a:r>
+            <a:r>
+              <a:rPr lang="en-GB" dirty="0"/>
+              <a:t> </a:t>
+            </a:r>
+            <a:r>
+              <a:rPr lang="en-GB" dirty="0" err="1"/>
+              <a:t>gebruikte</a:t>
+            </a:r>
+            <a:r>
+              <a:rPr lang="en-GB" dirty="0"/>
+              <a:t> VCS</a:t>
+            </a:r>
+          </a:p>
+          <a:p>
+            <a:pPr>
+              <a:buFont typeface="Arial" panose="020B0604020202020204" pitchFamily="34" charset="0"/>
+              <a:buChar char="•"/>
+            </a:pPr>
+            <a:r>
+              <a:rPr lang="en-GB" dirty="0" err="1"/>
+              <a:t>Draait</a:t>
+            </a:r>
+            <a:r>
+              <a:rPr lang="en-GB" dirty="0"/>
+              <a:t> </a:t>
+            </a:r>
+            <a:r>
+              <a:rPr lang="en-GB" dirty="0" err="1"/>
+              <a:t>lokaal</a:t>
+            </a:r>
+            <a:r>
+              <a:rPr lang="en-GB" dirty="0"/>
+              <a:t> op je computer</a:t>
+            </a:r>
+          </a:p>
+          <a:p>
+            <a:pPr>
+              <a:buFont typeface="Arial" panose="020B0604020202020204" pitchFamily="34" charset="0"/>
+              <a:buChar char="•"/>
+            </a:pPr>
+            <a:r>
+              <a:rPr lang="en-GB" dirty="0" err="1"/>
+              <a:t>Zorgt</a:t>
+            </a:r>
+            <a:r>
+              <a:rPr lang="en-GB" dirty="0"/>
+              <a:t> </a:t>
+            </a:r>
+            <a:r>
+              <a:rPr lang="en-GB" dirty="0" err="1"/>
+              <a:t>voor</a:t>
+            </a:r>
+            <a:r>
+              <a:rPr lang="en-GB" dirty="0"/>
+              <a:t> commit-</a:t>
+            </a:r>
+            <a:r>
+              <a:rPr lang="en-GB" dirty="0" err="1"/>
+              <a:t>geschiedenis</a:t>
+            </a:r>
+            <a:r>
+              <a:rPr lang="en-GB" dirty="0"/>
+              <a:t> </a:t>
+            </a:r>
+            <a:r>
+              <a:rPr lang="en-GB" dirty="0" err="1"/>
+              <a:t>en</a:t>
+            </a:r>
+            <a:r>
+              <a:rPr lang="en-GB" dirty="0"/>
+              <a:t> </a:t>
+            </a:r>
+            <a:r>
+              <a:rPr lang="en-GB" dirty="0" err="1"/>
+              <a:t>versiebeheer</a:t>
+            </a:r>
+            <a:endParaRPr lang="en-GB" dirty="0"/>
+          </a:p>
+        </p:txBody>
+      </p:sp>
+      <p:sp>
+        <p:nvSpPr>
+          <p:cNvPr id="4" name="Date Placeholder 3">
+            <a:extLst>
+              <a:ext uri="{FF2B5EF4-FFF2-40B4-BE49-F238E27FC236}">
+                <a16:creationId xmlns:a16="http://schemas.microsoft.com/office/drawing/2014/main" id="{6B33E979-AC12-CE5E-5660-35BEE25B63D4}"/>
+              </a:ext>
+            </a:extLst>
+          </p:cNvPr>
+          <p:cNvSpPr>
+            <a:spLocks noGrp="1"/>
+          </p:cNvSpPr>
+          <p:nvPr>
+            <p:ph type="dt" sz="half" idx="10"/>
+          </p:nvPr>
+        </p:nvSpPr>
+        <p:spPr/>
+        <p:txBody>
+          <a:bodyPr/>
+          <a:lstStyle/>
+          <a:p>
+            <a:fld id="{9839CB03-DCF2-B749-ACCB-57353B868F10}" type="datetime1">
+              <a:rPr lang="nl-NL" smtClean="0"/>
+              <a:t>30-09-2025</a:t>
+            </a:fld>
+            <a:endParaRPr lang="nl-NL" dirty="0"/>
+          </a:p>
+        </p:txBody>
+      </p:sp>
+      <p:sp>
+        <p:nvSpPr>
+          <p:cNvPr id="5" name="Footer Placeholder 4">
+            <a:extLst>
+              <a:ext uri="{FF2B5EF4-FFF2-40B4-BE49-F238E27FC236}">
+                <a16:creationId xmlns:a16="http://schemas.microsoft.com/office/drawing/2014/main" id="{38DBDC4B-E913-BB53-2AFF-B983943F3852}"/>
+              </a:ext>
+            </a:extLst>
+          </p:cNvPr>
+          <p:cNvSpPr>
+            <a:spLocks noGrp="1"/>
+          </p:cNvSpPr>
+          <p:nvPr>
+            <p:ph type="ftr" sz="quarter" idx="11"/>
+          </p:nvPr>
+        </p:nvSpPr>
+        <p:spPr/>
+        <p:txBody>
+          <a:bodyPr/>
+          <a:lstStyle/>
+          <a:p>
+            <a:r>
+              <a:rPr lang="nl-NL"/>
+              <a:t>Python training – sessie 1</a:t>
+            </a:r>
+            <a:endParaRPr lang="nl-NL" dirty="0"/>
+          </a:p>
+        </p:txBody>
+      </p:sp>
+      <p:sp>
+        <p:nvSpPr>
+          <p:cNvPr id="6" name="Slide Number Placeholder 5">
+            <a:extLst>
+              <a:ext uri="{FF2B5EF4-FFF2-40B4-BE49-F238E27FC236}">
+                <a16:creationId xmlns:a16="http://schemas.microsoft.com/office/drawing/2014/main" id="{7976E2C6-0FCF-8368-CE6C-48E62AEB0B77}"/>
+              </a:ext>
+            </a:extLst>
+          </p:cNvPr>
+          <p:cNvSpPr>
+            <a:spLocks noGrp="1"/>
+          </p:cNvSpPr>
+          <p:nvPr>
+            <p:ph type="sldNum" sz="quarter" idx="12"/>
+          </p:nvPr>
+        </p:nvSpPr>
+        <p:spPr/>
+        <p:txBody>
+          <a:bodyPr/>
+          <a:lstStyle/>
+          <a:p>
+            <a:pPr algn="l"/>
+            <a:r>
+              <a:rPr lang="nl-NL"/>
+              <a:t>| </a:t>
+            </a:r>
+            <a:fld id="{6C885DEC-5AE5-4403-A92E-278225061E43}" type="slidenum">
+              <a:rPr lang="nl-NL" smtClean="0"/>
+              <a:pPr algn="l"/>
+              <a:t>10</a:t>
+            </a:fld>
+            <a:endParaRPr lang="nl-NL" dirty="0"/>
+          </a:p>
+        </p:txBody>
+      </p:sp>
+      <p:pic>
+        <p:nvPicPr>
+          <p:cNvPr id="8" name="Picture 7">
+            <a:extLst>
+              <a:ext uri="{FF2B5EF4-FFF2-40B4-BE49-F238E27FC236}">
+                <a16:creationId xmlns:a16="http://schemas.microsoft.com/office/drawing/2014/main" id="{196ACEFB-B6A2-A854-B1A7-16AFD0954F64}"/>
+              </a:ext>
+            </a:extLst>
+          </p:cNvPr>
+          <p:cNvPicPr>
+            <a:picLocks noChangeAspect="1"/>
+          </p:cNvPicPr>
+          <p:nvPr/>
+        </p:nvPicPr>
+        <p:blipFill>
+          <a:blip r:embed="rId3"/>
+          <a:stretch>
+            <a:fillRect/>
+          </a:stretch>
+        </p:blipFill>
+        <p:spPr>
+          <a:xfrm>
+            <a:off x="3707904" y="987574"/>
+            <a:ext cx="4576972" cy="3751052"/>
+          </a:xfrm>
+          <a:prstGeom prst="rect">
+            <a:avLst/>
+          </a:prstGeom>
+        </p:spPr>
+      </p:pic>
+    </p:spTree>
+    <p:extLst>
+      <p:ext uri="{BB962C8B-B14F-4D97-AF65-F5344CB8AC3E}">
+        <p14:creationId xmlns:p14="http://schemas.microsoft.com/office/powerpoint/2010/main" val="170130580"/>
+      </p:ext>
+    </p:extLst>
+  </p:cSld>
+  <p:clrMapOvr>
+    <a:masterClrMapping/>
+  </p:clrMapOvr>
+  <p:timing>
+    <p:tnLst>
+      <p:par>
+        <p:cTn id="1" dur="indefinite" restart="never" nodeType="tmRoot">
+          <p:childTnLst>
+            <p:seq concurrent="1" nextAc="seek">
+              <p:cTn id="2" dur="indefinite" nodeType="mainSeq">
+                <p:childTnLst>
+                  <p:par>
+                    <p:cTn id="3" fill="hold">
+                      <p:stCondLst>
+                        <p:cond delay="indefinite"/>
+                      </p:stCondLst>
+                      <p:childTnLst>
+                        <p:par>
+                          <p:cTn id="4" fill="hold">
+                            <p:stCondLst>
+                              <p:cond delay="0"/>
+                            </p:stCondLst>
+                            <p:childTnLst>
+                              <p:par>
+                                <p:cTn id="5" presetID="1" presetClass="entr" presetSubtype="0" fill="hold" nodeType="clickEffect">
+                                  <p:stCondLst>
+                                    <p:cond delay="0"/>
+                                  </p:stCondLst>
+                                  <p:childTnLst>
+                                    <p:set>
+                                      <p:cBhvr>
+                                        <p:cTn id="6" dur="1" fill="hold">
+                                          <p:stCondLst>
+                                            <p:cond delay="0"/>
+                                          </p:stCondLst>
+                                        </p:cTn>
+                                        <p:tgtEl>
+                                          <p:spTgt spid="8"/>
+                                        </p:tgtEl>
+                                        <p:attrNameLst>
+                                          <p:attrName>style.visibility</p:attrName>
+                                        </p:attrNameLst>
+                                      </p:cBhvr>
+                                      <p:to>
+                                        <p:strVal val="visible"/>
+                                      </p:to>
+                                    </p:set>
+                                  </p:childTnLst>
+                                </p:cTn>
+                              </p:par>
+                            </p:childTnLst>
+                          </p:cTn>
+                        </p:par>
+                      </p:childTnLst>
+                    </p:cTn>
+                  </p:par>
+                </p:childTnLst>
+              </p:cTn>
+              <p:prevCondLst>
+                <p:cond evt="onPrev" delay="0">
+                  <p:tgtEl>
+                    <p:sldTgt/>
+                  </p:tgtEl>
+                </p:cond>
+              </p:prevCondLst>
+              <p:nextCondLst>
+                <p:cond evt="onNext" delay="0">
+                  <p:tgtEl>
+                    <p:sldTgt/>
+                  </p:tgtEl>
+                </p:cond>
+              </p:nextCondLst>
+            </p:seq>
+          </p:childTnLst>
+        </p:cTn>
+      </p:par>
+    </p:tnLst>
+  </p:timing>
+</p:sld>
+</file>
+
+<file path=ppt/slides/slide11.xml><?xml version="1.0" encoding="utf-8"?>
+<p:sld xmlns:a="http://schemas.openxmlformats.org/drawingml/2006/main" xmlns:r="http://schemas.openxmlformats.org/officeDocument/2006/relationships" xmlns:p="http://schemas.openxmlformats.org/presentationml/2006/main">
+  <p:cSld>
+    <p:spTree>
+      <p:nvGrpSpPr>
+        <p:cNvPr id="1" name="">
+          <a:extLst>
+            <a:ext uri="{FF2B5EF4-FFF2-40B4-BE49-F238E27FC236}">
+              <a16:creationId xmlns:a16="http://schemas.microsoft.com/office/drawing/2014/main" id="{F371F55D-BD0C-FBAD-6BE0-329F50C03DE8}"/>
+            </a:ext>
+          </a:extLst>
+        </p:cNvPr>
+        <p:cNvGrpSpPr/>
+        <p:nvPr/>
+      </p:nvGrpSpPr>
+      <p:grpSpPr>
+        <a:xfrm>
+          <a:off x="0" y="0"/>
+          <a:ext cx="0" cy="0"/>
+          <a:chOff x="0" y="0"/>
+          <a:chExt cx="0" cy="0"/>
+        </a:xfrm>
+      </p:grpSpPr>
+      <p:sp>
+        <p:nvSpPr>
+          <p:cNvPr id="2" name="Title 1">
+            <a:extLst>
+              <a:ext uri="{FF2B5EF4-FFF2-40B4-BE49-F238E27FC236}">
+                <a16:creationId xmlns:a16="http://schemas.microsoft.com/office/drawing/2014/main" id="{9076D8EC-FFB5-2D56-AB11-C84ECA119072}"/>
+              </a:ext>
+            </a:extLst>
+          </p:cNvPr>
+          <p:cNvSpPr>
+            <a:spLocks noGrp="1"/>
+          </p:cNvSpPr>
+          <p:nvPr>
+            <p:ph type="title"/>
+          </p:nvPr>
+        </p:nvSpPr>
+        <p:spPr>
+          <a:xfrm>
+            <a:off x="705610" y="627534"/>
+            <a:ext cx="8100000" cy="972000"/>
+          </a:xfrm>
+        </p:spPr>
+        <p:txBody>
+          <a:bodyPr/>
+          <a:lstStyle/>
+          <a:p>
+            <a:r>
+              <a:rPr lang="en-NL" dirty="0"/>
+              <a:t>Version Control System</a:t>
+            </a:r>
+          </a:p>
+        </p:txBody>
+      </p:sp>
+      <p:sp>
+        <p:nvSpPr>
+          <p:cNvPr id="3" name="Content Placeholder 2">
+            <a:extLst>
+              <a:ext uri="{FF2B5EF4-FFF2-40B4-BE49-F238E27FC236}">
+                <a16:creationId xmlns:a16="http://schemas.microsoft.com/office/drawing/2014/main" id="{0373BBA5-919C-D72C-2F0A-D48A938CA4F4}"/>
+              </a:ext>
+            </a:extLst>
+          </p:cNvPr>
+          <p:cNvSpPr>
+            <a:spLocks noGrp="1"/>
+          </p:cNvSpPr>
+          <p:nvPr>
+            <p:ph idx="1"/>
+          </p:nvPr>
+        </p:nvSpPr>
+        <p:spPr>
+          <a:xfrm>
+            <a:off x="688916" y="1347614"/>
+            <a:ext cx="8100000" cy="2090381"/>
+          </a:xfrm>
+        </p:spPr>
+        <p:txBody>
+          <a:bodyPr/>
+          <a:lstStyle/>
+          <a:p>
+            <a:r>
+              <a:rPr lang="en-GB" b="1" dirty="0"/>
+              <a:t>Get from VCS</a:t>
+            </a:r>
+            <a:r>
+              <a:rPr lang="en-GB" dirty="0"/>
+              <a:t> in PyCharm </a:t>
+            </a:r>
+            <a:r>
+              <a:rPr lang="en-GB" dirty="0" err="1"/>
+              <a:t>betekent</a:t>
+            </a:r>
+            <a:r>
+              <a:rPr lang="en-GB" dirty="0"/>
+              <a:t>:</a:t>
+            </a:r>
+            <a:br>
+              <a:rPr lang="en-GB" dirty="0"/>
+            </a:br>
+            <a:r>
+              <a:rPr lang="en-GB" dirty="0"/>
+              <a:t>Je </a:t>
+            </a:r>
+            <a:r>
+              <a:rPr lang="en-GB" dirty="0" err="1"/>
+              <a:t>haalt</a:t>
+            </a:r>
+            <a:r>
+              <a:rPr lang="en-GB" dirty="0"/>
+              <a:t> </a:t>
+            </a:r>
+            <a:r>
+              <a:rPr lang="en-GB" dirty="0" err="1"/>
+              <a:t>een</a:t>
+            </a:r>
+            <a:r>
+              <a:rPr lang="en-GB" dirty="0"/>
+              <a:t> project </a:t>
+            </a:r>
+            <a:r>
+              <a:rPr lang="en-GB" dirty="0" err="1"/>
+              <a:t>rechtstreeks</a:t>
+            </a:r>
+            <a:r>
+              <a:rPr lang="en-GB" dirty="0"/>
+              <a:t> </a:t>
+            </a:r>
+            <a:r>
+              <a:rPr lang="en-GB" dirty="0" err="1"/>
+              <a:t>binnen</a:t>
+            </a:r>
+            <a:r>
+              <a:rPr lang="en-GB" dirty="0"/>
+              <a:t> </a:t>
+            </a:r>
+            <a:r>
+              <a:rPr lang="en-GB" dirty="0" err="1"/>
+              <a:t>vanuit</a:t>
+            </a:r>
+            <a:r>
+              <a:rPr lang="en-GB" dirty="0"/>
+              <a:t> </a:t>
+            </a:r>
+            <a:r>
+              <a:rPr lang="en-GB" dirty="0" err="1"/>
+              <a:t>een</a:t>
+            </a:r>
+            <a:r>
+              <a:rPr lang="en-GB" dirty="0"/>
+              <a:t> </a:t>
+            </a:r>
+            <a:r>
+              <a:rPr lang="en-GB" b="1" dirty="0"/>
+              <a:t>Version Control System</a:t>
+            </a:r>
+            <a:r>
+              <a:rPr lang="en-GB" dirty="0"/>
+              <a:t> (</a:t>
+            </a:r>
+            <a:r>
+              <a:rPr lang="en-GB" dirty="0" err="1"/>
+              <a:t>zoals</a:t>
+            </a:r>
+            <a:r>
+              <a:rPr lang="en-GB" dirty="0"/>
+              <a:t> GitHub, GitLab of Bitbucket) door de repository-URL </a:t>
+            </a:r>
+            <a:r>
+              <a:rPr lang="en-GB" dirty="0" err="1"/>
+              <a:t>te</a:t>
+            </a:r>
+            <a:r>
+              <a:rPr lang="en-GB" dirty="0"/>
+              <a:t> </a:t>
+            </a:r>
+            <a:r>
+              <a:rPr lang="en-GB" dirty="0" err="1"/>
+              <a:t>geven</a:t>
+            </a:r>
+            <a:r>
+              <a:rPr lang="en-GB" dirty="0"/>
+              <a:t>.</a:t>
+            </a:r>
+          </a:p>
+          <a:p>
+            <a:r>
+              <a:rPr lang="en-GB" dirty="0"/>
+              <a:t>PyCharm </a:t>
+            </a:r>
+            <a:r>
+              <a:rPr lang="en-GB" dirty="0" err="1"/>
+              <a:t>kloont</a:t>
+            </a:r>
+            <a:r>
+              <a:rPr lang="en-GB" dirty="0"/>
+              <a:t> de repo → </a:t>
+            </a:r>
+            <a:r>
+              <a:rPr lang="en-GB" dirty="0" err="1"/>
+              <a:t>maakt</a:t>
+            </a:r>
+            <a:r>
+              <a:rPr lang="en-GB" dirty="0"/>
+              <a:t> er </a:t>
+            </a:r>
+            <a:r>
+              <a:rPr lang="en-GB" dirty="0" err="1"/>
+              <a:t>een</a:t>
+            </a:r>
+            <a:r>
+              <a:rPr lang="en-GB" dirty="0"/>
+              <a:t> </a:t>
+            </a:r>
+            <a:r>
+              <a:rPr lang="en-GB" dirty="0" err="1"/>
+              <a:t>nieuw</a:t>
+            </a:r>
+            <a:r>
+              <a:rPr lang="en-GB" dirty="0"/>
+              <a:t> project van → </a:t>
+            </a:r>
+            <a:r>
+              <a:rPr lang="en-GB" dirty="0" err="1"/>
+              <a:t>klaar</a:t>
+            </a:r>
+            <a:r>
+              <a:rPr lang="en-GB" dirty="0"/>
+              <a:t> om mee </a:t>
+            </a:r>
+            <a:r>
+              <a:rPr lang="en-GB" dirty="0" err="1"/>
+              <a:t>te</a:t>
+            </a:r>
+            <a:r>
+              <a:rPr lang="en-GB" dirty="0"/>
+              <a:t> </a:t>
+            </a:r>
+            <a:r>
+              <a:rPr lang="en-GB" dirty="0" err="1"/>
+              <a:t>werken</a:t>
+            </a:r>
+            <a:r>
+              <a:rPr lang="en-GB" dirty="0"/>
+              <a:t>.</a:t>
+            </a:r>
+          </a:p>
+          <a:p>
+            <a:r>
+              <a:rPr lang="en-GB" dirty="0" err="1"/>
+              <a:t>Pycharm</a:t>
+            </a:r>
+            <a:r>
+              <a:rPr lang="en-GB" dirty="0"/>
+              <a:t> Community </a:t>
+            </a:r>
+            <a:r>
+              <a:rPr lang="en-GB" dirty="0" err="1"/>
+              <a:t>Gericht</a:t>
+            </a:r>
+            <a:r>
+              <a:rPr lang="en-GB" dirty="0"/>
+              <a:t> op </a:t>
+            </a:r>
+            <a:r>
+              <a:rPr lang="en-GB" b="1" dirty="0"/>
+              <a:t>Python-only</a:t>
+            </a:r>
+            <a:r>
+              <a:rPr lang="en-GB" dirty="0"/>
+              <a:t> </a:t>
+            </a:r>
+            <a:r>
+              <a:rPr lang="en-GB" dirty="0" err="1"/>
+              <a:t>ontwikkeling</a:t>
+            </a:r>
+            <a:endParaRPr lang="en-GB" dirty="0"/>
+          </a:p>
+          <a:p>
+            <a:r>
+              <a:rPr lang="en-GB" dirty="0" err="1"/>
+              <a:t>Ondersteunt</a:t>
+            </a:r>
+            <a:r>
+              <a:rPr lang="en-GB" dirty="0"/>
+              <a:t> </a:t>
+            </a:r>
+            <a:r>
+              <a:rPr lang="en-GB" b="1" dirty="0" err="1"/>
+              <a:t>geen</a:t>
+            </a:r>
+            <a:r>
+              <a:rPr lang="en-GB" b="1" dirty="0"/>
+              <a:t> </a:t>
+            </a:r>
+            <a:r>
+              <a:rPr lang="en-GB" b="1" dirty="0" err="1"/>
+              <a:t>Jupyter</a:t>
+            </a:r>
+            <a:r>
+              <a:rPr lang="en-GB" b="1" dirty="0"/>
+              <a:t> notebooks</a:t>
+            </a:r>
+            <a:r>
+              <a:rPr lang="en-GB" dirty="0"/>
+              <a:t> </a:t>
+            </a:r>
+            <a:r>
+              <a:rPr lang="en-GB" dirty="0" err="1"/>
+              <a:t>en</a:t>
+            </a:r>
+            <a:r>
+              <a:rPr lang="en-GB" dirty="0"/>
+              <a:t> </a:t>
+            </a:r>
+            <a:r>
+              <a:rPr lang="en-GB" dirty="0" err="1"/>
+              <a:t>geen</a:t>
+            </a:r>
+            <a:r>
+              <a:rPr lang="en-GB" dirty="0"/>
+              <a:t> web-/data science plugins</a:t>
+            </a:r>
+          </a:p>
+          <a:p>
+            <a:r>
+              <a:rPr lang="en-GB" dirty="0" err="1"/>
+              <a:t>Voor</a:t>
+            </a:r>
+            <a:r>
+              <a:rPr lang="en-GB" dirty="0"/>
+              <a:t> notebooks </a:t>
+            </a:r>
+            <a:r>
+              <a:rPr lang="en-GB" dirty="0" err="1"/>
+              <a:t>gebruik</a:t>
+            </a:r>
+            <a:r>
+              <a:rPr lang="en-GB" dirty="0"/>
+              <a:t> je </a:t>
+            </a:r>
+            <a:r>
+              <a:rPr lang="en-GB" dirty="0" err="1"/>
+              <a:t>dus</a:t>
+            </a:r>
+            <a:r>
+              <a:rPr lang="en-GB" dirty="0"/>
+              <a:t> </a:t>
+            </a:r>
+            <a:r>
+              <a:rPr lang="en-GB" dirty="0" err="1"/>
+              <a:t>een</a:t>
+            </a:r>
+            <a:r>
+              <a:rPr lang="en-GB" dirty="0"/>
+              <a:t> </a:t>
+            </a:r>
+            <a:r>
+              <a:rPr lang="en-GB" b="1" dirty="0" err="1"/>
+              <a:t>aparte</a:t>
+            </a:r>
+            <a:r>
+              <a:rPr lang="en-GB" b="1" dirty="0"/>
+              <a:t> </a:t>
+            </a:r>
+            <a:r>
+              <a:rPr lang="en-GB" b="1" dirty="0" err="1"/>
+              <a:t>omgeving</a:t>
+            </a:r>
+            <a:r>
+              <a:rPr lang="en-GB" dirty="0"/>
+              <a:t> (</a:t>
+            </a:r>
+            <a:r>
+              <a:rPr lang="en-GB" dirty="0" err="1"/>
+              <a:t>bijv</a:t>
+            </a:r>
+            <a:r>
+              <a:rPr lang="en-GB" dirty="0"/>
+              <a:t>. </a:t>
+            </a:r>
+            <a:r>
+              <a:rPr lang="en-GB" dirty="0" err="1"/>
+              <a:t>Jupyter</a:t>
+            </a:r>
+            <a:r>
+              <a:rPr lang="en-GB" dirty="0"/>
+              <a:t> Lab of VS Code)</a:t>
+            </a:r>
+          </a:p>
+          <a:p>
+            <a:endParaRPr lang="en-GB" dirty="0"/>
+          </a:p>
+          <a:p>
+            <a:pPr lvl="1"/>
+            <a:endParaRPr lang="en-GB" dirty="0"/>
+          </a:p>
+        </p:txBody>
+      </p:sp>
+      <p:sp>
+        <p:nvSpPr>
+          <p:cNvPr id="4" name="Date Placeholder 3">
+            <a:extLst>
+              <a:ext uri="{FF2B5EF4-FFF2-40B4-BE49-F238E27FC236}">
+                <a16:creationId xmlns:a16="http://schemas.microsoft.com/office/drawing/2014/main" id="{B97BD353-397F-162A-6449-E5ADA29C29F5}"/>
+              </a:ext>
+            </a:extLst>
+          </p:cNvPr>
+          <p:cNvSpPr>
+            <a:spLocks noGrp="1"/>
+          </p:cNvSpPr>
+          <p:nvPr>
+            <p:ph type="dt" sz="half" idx="10"/>
+          </p:nvPr>
+        </p:nvSpPr>
+        <p:spPr/>
+        <p:txBody>
+          <a:bodyPr/>
+          <a:lstStyle/>
+          <a:p>
+            <a:fld id="{9839CB03-DCF2-B749-ACCB-57353B868F10}" type="datetime1">
+              <a:rPr lang="nl-NL" smtClean="0"/>
+              <a:t>01-10-2025</a:t>
+            </a:fld>
+            <a:endParaRPr lang="nl-NL" dirty="0"/>
+          </a:p>
+        </p:txBody>
+      </p:sp>
+      <p:sp>
+        <p:nvSpPr>
+          <p:cNvPr id="5" name="Footer Placeholder 4">
+            <a:extLst>
+              <a:ext uri="{FF2B5EF4-FFF2-40B4-BE49-F238E27FC236}">
+                <a16:creationId xmlns:a16="http://schemas.microsoft.com/office/drawing/2014/main" id="{57C0E9DB-2A6E-A023-169E-AB633F21AEB9}"/>
+              </a:ext>
+            </a:extLst>
+          </p:cNvPr>
+          <p:cNvSpPr>
+            <a:spLocks noGrp="1"/>
+          </p:cNvSpPr>
+          <p:nvPr>
+            <p:ph type="ftr" sz="quarter" idx="11"/>
+          </p:nvPr>
+        </p:nvSpPr>
+        <p:spPr/>
+        <p:txBody>
+          <a:bodyPr/>
+          <a:lstStyle/>
+          <a:p>
+            <a:r>
+              <a:rPr lang="nl-NL"/>
+              <a:t>Python training – sessie 1</a:t>
+            </a:r>
+            <a:endParaRPr lang="nl-NL" dirty="0"/>
+          </a:p>
+        </p:txBody>
+      </p:sp>
+      <p:sp>
+        <p:nvSpPr>
+          <p:cNvPr id="6" name="Slide Number Placeholder 5">
+            <a:extLst>
+              <a:ext uri="{FF2B5EF4-FFF2-40B4-BE49-F238E27FC236}">
+                <a16:creationId xmlns:a16="http://schemas.microsoft.com/office/drawing/2014/main" id="{A11BA3A1-BE26-F7A6-FC4E-35021139A601}"/>
+              </a:ext>
+            </a:extLst>
+          </p:cNvPr>
+          <p:cNvSpPr>
+            <a:spLocks noGrp="1"/>
+          </p:cNvSpPr>
+          <p:nvPr>
+            <p:ph type="sldNum" sz="quarter" idx="12"/>
+          </p:nvPr>
+        </p:nvSpPr>
+        <p:spPr/>
+        <p:txBody>
+          <a:bodyPr/>
+          <a:lstStyle/>
+          <a:p>
+            <a:pPr algn="l"/>
+            <a:r>
+              <a:rPr lang="nl-NL"/>
+              <a:t>| </a:t>
+            </a:r>
+            <a:fld id="{6C885DEC-5AE5-4403-A92E-278225061E43}" type="slidenum">
+              <a:rPr lang="nl-NL" smtClean="0"/>
+              <a:pPr algn="l"/>
+              <a:t>11</a:t>
+            </a:fld>
+            <a:endParaRPr lang="nl-NL" dirty="0"/>
+          </a:p>
+        </p:txBody>
+      </p:sp>
+    </p:spTree>
+    <p:extLst>
+      <p:ext uri="{BB962C8B-B14F-4D97-AF65-F5344CB8AC3E}">
+        <p14:creationId xmlns:p14="http://schemas.microsoft.com/office/powerpoint/2010/main" val="312916212"/>
+      </p:ext>
+    </p:extLst>
+  </p:cSld>
+  <p:clrMapOvr>
+    <a:masterClrMapping/>
+  </p:clrMapOvr>
+</p:sld>
+</file>
+
+<file path=ppt/slides/slide12.xml><?xml version="1.0" encoding="utf-8"?>
+<p:sld xmlns:a="http://schemas.openxmlformats.org/drawingml/2006/main" xmlns:r="http://schemas.openxmlformats.org/officeDocument/2006/relationships" xmlns:p="http://schemas.openxmlformats.org/presentationml/2006/main">
+  <p:cSld>
+    <p:spTree>
+      <p:nvGrpSpPr>
+        <p:cNvPr id="1" name="">
+          <a:extLst>
+            <a:ext uri="{FF2B5EF4-FFF2-40B4-BE49-F238E27FC236}">
               <a16:creationId xmlns:a16="http://schemas.microsoft.com/office/drawing/2014/main" id="{64590B31-6FB4-DFB7-6622-42FF08E785DE}"/>
             </a:ext>
           </a:extLst>
@@ -10799,7 +12118,7 @@
             <a:fld id="{6C885DEC-5AE5-4403-A92E-278225061E43}" type="slidenum">
               <a:rPr lang="nl-NL" smtClean="0"/>
               <a:pPr algn="l"/>
-              <a:t>10</a:t>
+              <a:t>12</a:t>
             </a:fld>
             <a:endParaRPr lang="nl-NL" dirty="0"/>
           </a:p>
@@ -11456,7 +12775,7 @@
 </p:sld>
 </file>
 
-<file path=ppt/slides/slide11.xml><?xml version="1.0" encoding="utf-8"?>
+<file path=ppt/slides/slide13.xml><?xml version="1.0" encoding="utf-8"?>
 <p:sld xmlns:a="http://schemas.openxmlformats.org/drawingml/2006/main" xmlns:r="http://schemas.openxmlformats.org/officeDocument/2006/relationships" xmlns:p="http://schemas.openxmlformats.org/presentationml/2006/main">
   <p:cSld>
     <p:spTree>
@@ -11566,7 +12885,7 @@
             <a:fld id="{6C885DEC-5AE5-4403-A92E-278225061E43}" type="slidenum">
               <a:rPr lang="nl-NL" smtClean="0"/>
               <a:pPr algn="l"/>
-              <a:t>11</a:t>
+              <a:t>13</a:t>
             </a:fld>
             <a:endParaRPr lang="nl-NL" dirty="0"/>
           </a:p>
@@ -11687,7 +13006,7 @@
 </p:sld>
 </file>
 
-<file path=ppt/slides/slide12.xml><?xml version="1.0" encoding="utf-8"?>
+<file path=ppt/slides/slide14.xml><?xml version="1.0" encoding="utf-8"?>
 <p:sld xmlns:a="http://schemas.openxmlformats.org/drawingml/2006/main" xmlns:r="http://schemas.openxmlformats.org/officeDocument/2006/relationships" xmlns:p="http://schemas.openxmlformats.org/presentationml/2006/main">
   <p:cSld>
     <p:spTree>
@@ -11797,7 +13116,7 @@
             <a:fld id="{6C885DEC-5AE5-4403-A92E-278225061E43}" type="slidenum">
               <a:rPr lang="nl-NL" smtClean="0"/>
               <a:pPr algn="l"/>
-              <a:t>12</a:t>
+              <a:t>14</a:t>
             </a:fld>
             <a:endParaRPr lang="nl-NL" dirty="0"/>
           </a:p>
@@ -11948,7 +13267,7 @@
 </p:sld>
 </file>
 
-<file path=ppt/slides/slide13.xml><?xml version="1.0" encoding="utf-8"?>
+<file path=ppt/slides/slide15.xml><?xml version="1.0" encoding="utf-8"?>
 <p:sld xmlns:a="http://schemas.openxmlformats.org/drawingml/2006/main" xmlns:r="http://schemas.openxmlformats.org/officeDocument/2006/relationships" xmlns:p="http://schemas.openxmlformats.org/presentationml/2006/main">
   <p:cSld>
     <p:spTree>
@@ -12126,7 +13445,7 @@
             <a:fld id="{6C885DEC-5AE5-4403-A92E-278225061E43}" type="slidenum">
               <a:rPr lang="nl-NL" smtClean="0"/>
               <a:pPr algn="l"/>
-              <a:t>13</a:t>
+              <a:t>15</a:t>
             </a:fld>
             <a:endParaRPr lang="nl-NL" dirty="0"/>
           </a:p>
@@ -12175,7 +13494,7 @@
 </p:sld>
 </file>
 
-<file path=ppt/slides/slide14.xml><?xml version="1.0" encoding="utf-8"?>
+<file path=ppt/slides/slide16.xml><?xml version="1.0" encoding="utf-8"?>
 <p:sld xmlns:a="http://schemas.openxmlformats.org/drawingml/2006/main" xmlns:r="http://schemas.openxmlformats.org/officeDocument/2006/relationships" xmlns:p="http://schemas.openxmlformats.org/presentationml/2006/main">
   <p:cSld>
     <p:spTree>
@@ -12351,7 +13670,7 @@
             <a:fld id="{6C885DEC-5AE5-4403-A92E-278225061E43}" type="slidenum">
               <a:rPr lang="nl-NL" smtClean="0"/>
               <a:pPr algn="l"/>
-              <a:t>14</a:t>
+              <a:t>16</a:t>
             </a:fld>
             <a:endParaRPr lang="nl-NL" dirty="0"/>
           </a:p>
@@ -12400,7 +13719,7 @@
 </p:sld>
 </file>
 
-<file path=ppt/slides/slide15.xml><?xml version="1.0" encoding="utf-8"?>
+<file path=ppt/slides/slide17.xml><?xml version="1.0" encoding="utf-8"?>
 <p:sld xmlns:a="http://schemas.openxmlformats.org/drawingml/2006/main" xmlns:r="http://schemas.openxmlformats.org/officeDocument/2006/relationships" xmlns:p="http://schemas.openxmlformats.org/presentationml/2006/main">
   <p:cSld>
     <p:spTree>
@@ -12588,7 +13907,7 @@
             <a:fld id="{6C885DEC-5AE5-4403-A92E-278225061E43}" type="slidenum">
               <a:rPr lang="nl-NL" smtClean="0"/>
               <a:pPr algn="l"/>
-              <a:t>15</a:t>
+              <a:t>17</a:t>
             </a:fld>
             <a:endParaRPr lang="nl-NL" dirty="0"/>
           </a:p>
@@ -12637,7 +13956,7 @@
 </p:sld>
 </file>
 
-<file path=ppt/slides/slide16.xml><?xml version="1.0" encoding="utf-8"?>
+<file path=ppt/slides/slide18.xml><?xml version="1.0" encoding="utf-8"?>
 <p:sld xmlns:a="http://schemas.openxmlformats.org/drawingml/2006/main" xmlns:r="http://schemas.openxmlformats.org/officeDocument/2006/relationships" xmlns:p="http://schemas.openxmlformats.org/presentationml/2006/main">
   <p:cSld>
     <p:spTree>
@@ -12817,7 +14136,7 @@
             <a:fld id="{6C885DEC-5AE5-4403-A92E-278225061E43}" type="slidenum">
               <a:rPr lang="nl-NL" smtClean="0"/>
               <a:pPr algn="l"/>
-              <a:t>16</a:t>
+              <a:t>18</a:t>
             </a:fld>
             <a:endParaRPr lang="nl-NL" dirty="0"/>
           </a:p>
@@ -12866,7 +14185,7 @@
 </p:sld>
 </file>
 
-<file path=ppt/slides/slide17.xml><?xml version="1.0" encoding="utf-8"?>
+<file path=ppt/slides/slide19.xml><?xml version="1.0" encoding="utf-8"?>
 <p:sld xmlns:a="http://schemas.openxmlformats.org/drawingml/2006/main" xmlns:r="http://schemas.openxmlformats.org/officeDocument/2006/relationships" xmlns:p="http://schemas.openxmlformats.org/presentationml/2006/main">
   <p:cSld>
     <p:spTree>
@@ -13054,7 +14373,7 @@
             <a:fld id="{6C885DEC-5AE5-4403-A92E-278225061E43}" type="slidenum">
               <a:rPr lang="nl-NL" smtClean="0"/>
               <a:pPr algn="l"/>
-              <a:t>17</a:t>
+              <a:t>19</a:t>
             </a:fld>
             <a:endParaRPr lang="nl-NL" dirty="0"/>
           </a:p>
@@ -13094,485 +14413,6 @@
     <p:extLst>
       <p:ext uri="{BB962C8B-B14F-4D97-AF65-F5344CB8AC3E}">
         <p14:creationId xmlns:p14="http://schemas.microsoft.com/office/powerpoint/2010/main" val="4224278179"/>
-      </p:ext>
-    </p:extLst>
-  </p:cSld>
-  <p:clrMapOvr>
-    <a:masterClrMapping/>
-  </p:clrMapOvr>
-</p:sld>
-</file>
-
-<file path=ppt/slides/slide18.xml><?xml version="1.0" encoding="utf-8"?>
-<p:sld xmlns:a="http://schemas.openxmlformats.org/drawingml/2006/main" xmlns:r="http://schemas.openxmlformats.org/officeDocument/2006/relationships" xmlns:p="http://schemas.openxmlformats.org/presentationml/2006/main">
-  <p:cSld>
-    <p:spTree>
-      <p:nvGrpSpPr>
-        <p:cNvPr id="1" name="">
-          <a:extLst>
-            <a:ext uri="{FF2B5EF4-FFF2-40B4-BE49-F238E27FC236}">
-              <a16:creationId xmlns:a16="http://schemas.microsoft.com/office/drawing/2014/main" id="{0C92EC67-E8F1-FF29-AE93-193F69B13930}"/>
-            </a:ext>
-          </a:extLst>
-        </p:cNvPr>
-        <p:cNvGrpSpPr/>
-        <p:nvPr/>
-      </p:nvGrpSpPr>
-      <p:grpSpPr>
-        <a:xfrm>
-          <a:off x="0" y="0"/>
-          <a:ext cx="0" cy="0"/>
-          <a:chOff x="0" y="0"/>
-          <a:chExt cx="0" cy="0"/>
-        </a:xfrm>
-      </p:grpSpPr>
-      <p:sp>
-        <p:nvSpPr>
-          <p:cNvPr id="2" name="Title 1">
-            <a:extLst>
-              <a:ext uri="{FF2B5EF4-FFF2-40B4-BE49-F238E27FC236}">
-                <a16:creationId xmlns:a16="http://schemas.microsoft.com/office/drawing/2014/main" id="{319F1AC7-5C70-EC34-1FCB-23E2BB3DDB9F}"/>
-              </a:ext>
-            </a:extLst>
-          </p:cNvPr>
-          <p:cNvSpPr>
-            <a:spLocks noGrp="1"/>
-          </p:cNvSpPr>
-          <p:nvPr>
-            <p:ph type="title"/>
-          </p:nvPr>
-        </p:nvSpPr>
-        <p:spPr>
-          <a:xfrm>
-            <a:off x="705610" y="627534"/>
-            <a:ext cx="8100000" cy="972000"/>
-          </a:xfrm>
-        </p:spPr>
-        <p:txBody>
-          <a:bodyPr/>
-          <a:lstStyle/>
-          <a:p>
-            <a:r>
-              <a:rPr lang="en-NL" dirty="0"/>
-              <a:t>Terminal</a:t>
-            </a:r>
-          </a:p>
-        </p:txBody>
-      </p:sp>
-      <p:sp>
-        <p:nvSpPr>
-          <p:cNvPr id="3" name="Content Placeholder 2">
-            <a:extLst>
-              <a:ext uri="{FF2B5EF4-FFF2-40B4-BE49-F238E27FC236}">
-                <a16:creationId xmlns:a16="http://schemas.microsoft.com/office/drawing/2014/main" id="{A38B2B21-AD2F-B5C5-1B26-417F07041F0C}"/>
-              </a:ext>
-            </a:extLst>
-          </p:cNvPr>
-          <p:cNvSpPr>
-            <a:spLocks noGrp="1"/>
-          </p:cNvSpPr>
-          <p:nvPr>
-            <p:ph idx="1"/>
-          </p:nvPr>
-        </p:nvSpPr>
-        <p:spPr>
-          <a:xfrm>
-            <a:off x="688916" y="1347614"/>
-            <a:ext cx="8100000" cy="2090381"/>
-          </a:xfrm>
-        </p:spPr>
-        <p:txBody>
-          <a:bodyPr/>
-          <a:lstStyle/>
-          <a:p>
-            <a:r>
-              <a:rPr lang="en-GB" dirty="0" err="1"/>
-              <a:t>conda</a:t>
-            </a:r>
-            <a:r>
-              <a:rPr lang="en-GB" dirty="0"/>
-              <a:t> install pandas </a:t>
-            </a:r>
-            <a:r>
-              <a:rPr lang="en-GB" dirty="0" err="1"/>
-              <a:t>numpy</a:t>
-            </a:r>
-            <a:r>
-              <a:rPr lang="en-GB" dirty="0"/>
-              <a:t> </a:t>
-            </a:r>
-            <a:r>
-              <a:rPr lang="en-GB" dirty="0" err="1"/>
-              <a:t>geopandas</a:t>
-            </a:r>
-            <a:r>
-              <a:rPr lang="en-GB" dirty="0"/>
-              <a:t> notebook </a:t>
-            </a:r>
-            <a:r>
-              <a:rPr lang="en-GB" dirty="0" err="1"/>
-              <a:t>jupyterlab</a:t>
-            </a:r>
-            <a:endParaRPr lang="en-GB" dirty="0"/>
-          </a:p>
-        </p:txBody>
-      </p:sp>
-      <p:sp>
-        <p:nvSpPr>
-          <p:cNvPr id="4" name="Date Placeholder 3">
-            <a:extLst>
-              <a:ext uri="{FF2B5EF4-FFF2-40B4-BE49-F238E27FC236}">
-                <a16:creationId xmlns:a16="http://schemas.microsoft.com/office/drawing/2014/main" id="{539DB4B6-E4E4-CD32-4367-0D0E1C061DB3}"/>
-              </a:ext>
-            </a:extLst>
-          </p:cNvPr>
-          <p:cNvSpPr>
-            <a:spLocks noGrp="1"/>
-          </p:cNvSpPr>
-          <p:nvPr>
-            <p:ph type="dt" sz="half" idx="10"/>
-          </p:nvPr>
-        </p:nvSpPr>
-        <p:spPr/>
-        <p:txBody>
-          <a:bodyPr/>
-          <a:lstStyle/>
-          <a:p>
-            <a:fld id="{9839CB03-DCF2-B749-ACCB-57353B868F10}" type="datetime1">
-              <a:rPr lang="nl-NL" smtClean="0"/>
-              <a:t>30-09-2025</a:t>
-            </a:fld>
-            <a:endParaRPr lang="nl-NL" dirty="0"/>
-          </a:p>
-        </p:txBody>
-      </p:sp>
-      <p:sp>
-        <p:nvSpPr>
-          <p:cNvPr id="5" name="Footer Placeholder 4">
-            <a:extLst>
-              <a:ext uri="{FF2B5EF4-FFF2-40B4-BE49-F238E27FC236}">
-                <a16:creationId xmlns:a16="http://schemas.microsoft.com/office/drawing/2014/main" id="{0C646A70-AFB2-B3BC-3156-DE9FC8453D70}"/>
-              </a:ext>
-            </a:extLst>
-          </p:cNvPr>
-          <p:cNvSpPr>
-            <a:spLocks noGrp="1"/>
-          </p:cNvSpPr>
-          <p:nvPr>
-            <p:ph type="ftr" sz="quarter" idx="11"/>
-          </p:nvPr>
-        </p:nvSpPr>
-        <p:spPr/>
-        <p:txBody>
-          <a:bodyPr/>
-          <a:lstStyle/>
-          <a:p>
-            <a:r>
-              <a:rPr lang="nl-NL"/>
-              <a:t>Python training – sessie 1</a:t>
-            </a:r>
-            <a:endParaRPr lang="nl-NL" dirty="0"/>
-          </a:p>
-        </p:txBody>
-      </p:sp>
-      <p:sp>
-        <p:nvSpPr>
-          <p:cNvPr id="6" name="Slide Number Placeholder 5">
-            <a:extLst>
-              <a:ext uri="{FF2B5EF4-FFF2-40B4-BE49-F238E27FC236}">
-                <a16:creationId xmlns:a16="http://schemas.microsoft.com/office/drawing/2014/main" id="{F0AB9917-63CD-8959-0D8C-ECD3EA9F04CC}"/>
-              </a:ext>
-            </a:extLst>
-          </p:cNvPr>
-          <p:cNvSpPr>
-            <a:spLocks noGrp="1"/>
-          </p:cNvSpPr>
-          <p:nvPr>
-            <p:ph type="sldNum" sz="quarter" idx="12"/>
-          </p:nvPr>
-        </p:nvSpPr>
-        <p:spPr/>
-        <p:txBody>
-          <a:bodyPr/>
-          <a:lstStyle/>
-          <a:p>
-            <a:pPr algn="l"/>
-            <a:r>
-              <a:rPr lang="nl-NL"/>
-              <a:t>| </a:t>
-            </a:r>
-            <a:fld id="{6C885DEC-5AE5-4403-A92E-278225061E43}" type="slidenum">
-              <a:rPr lang="nl-NL" smtClean="0"/>
-              <a:pPr algn="l"/>
-              <a:t>18</a:t>
-            </a:fld>
-            <a:endParaRPr lang="nl-NL" dirty="0"/>
-          </a:p>
-        </p:txBody>
-      </p:sp>
-      <p:pic>
-        <p:nvPicPr>
-          <p:cNvPr id="7" name="Picture 6">
-            <a:extLst>
-              <a:ext uri="{FF2B5EF4-FFF2-40B4-BE49-F238E27FC236}">
-                <a16:creationId xmlns:a16="http://schemas.microsoft.com/office/drawing/2014/main" id="{F465A15D-D13F-E163-EE82-22F911F5DD20}"/>
-              </a:ext>
-            </a:extLst>
-          </p:cNvPr>
-          <p:cNvPicPr>
-            <a:picLocks noChangeAspect="1"/>
-          </p:cNvPicPr>
-          <p:nvPr/>
-        </p:nvPicPr>
-        <p:blipFill>
-          <a:blip r:embed="rId2"/>
-          <a:stretch>
-            <a:fillRect/>
-          </a:stretch>
-        </p:blipFill>
-        <p:spPr>
-          <a:xfrm>
-            <a:off x="1907704" y="1779662"/>
-            <a:ext cx="4811886" cy="2836032"/>
-          </a:xfrm>
-          <a:prstGeom prst="rect">
-            <a:avLst/>
-          </a:prstGeom>
-        </p:spPr>
-      </p:pic>
-    </p:spTree>
-    <p:extLst>
-      <p:ext uri="{BB962C8B-B14F-4D97-AF65-F5344CB8AC3E}">
-        <p14:creationId xmlns:p14="http://schemas.microsoft.com/office/powerpoint/2010/main" val="1571770511"/>
-      </p:ext>
-    </p:extLst>
-  </p:cSld>
-  <p:clrMapOvr>
-    <a:masterClrMapping/>
-  </p:clrMapOvr>
-</p:sld>
-</file>
-
-<file path=ppt/slides/slide19.xml><?xml version="1.0" encoding="utf-8"?>
-<p:sld xmlns:a="http://schemas.openxmlformats.org/drawingml/2006/main" xmlns:r="http://schemas.openxmlformats.org/officeDocument/2006/relationships" xmlns:p="http://schemas.openxmlformats.org/presentationml/2006/main">
-  <p:cSld>
-    <p:spTree>
-      <p:nvGrpSpPr>
-        <p:cNvPr id="1" name="">
-          <a:extLst>
-            <a:ext uri="{FF2B5EF4-FFF2-40B4-BE49-F238E27FC236}">
-              <a16:creationId xmlns:a16="http://schemas.microsoft.com/office/drawing/2014/main" id="{34F269C0-AC72-CB3C-BB41-18F7F5FD2524}"/>
-            </a:ext>
-          </a:extLst>
-        </p:cNvPr>
-        <p:cNvGrpSpPr/>
-        <p:nvPr/>
-      </p:nvGrpSpPr>
-      <p:grpSpPr>
-        <a:xfrm>
-          <a:off x="0" y="0"/>
-          <a:ext cx="0" cy="0"/>
-          <a:chOff x="0" y="0"/>
-          <a:chExt cx="0" cy="0"/>
-        </a:xfrm>
-      </p:grpSpPr>
-      <p:sp>
-        <p:nvSpPr>
-          <p:cNvPr id="2" name="Title 1">
-            <a:extLst>
-              <a:ext uri="{FF2B5EF4-FFF2-40B4-BE49-F238E27FC236}">
-                <a16:creationId xmlns:a16="http://schemas.microsoft.com/office/drawing/2014/main" id="{AB6C6FE3-6206-34FD-BD47-D532090BF56F}"/>
-              </a:ext>
-            </a:extLst>
-          </p:cNvPr>
-          <p:cNvSpPr>
-            <a:spLocks noGrp="1"/>
-          </p:cNvSpPr>
-          <p:nvPr>
-            <p:ph type="title"/>
-          </p:nvPr>
-        </p:nvSpPr>
-        <p:spPr>
-          <a:xfrm>
-            <a:off x="705610" y="627534"/>
-            <a:ext cx="8100000" cy="972000"/>
-          </a:xfrm>
-        </p:spPr>
-        <p:txBody>
-          <a:bodyPr/>
-          <a:lstStyle/>
-          <a:p>
-            <a:r>
-              <a:rPr lang="en-NL" dirty="0"/>
-              <a:t>Terminal</a:t>
-            </a:r>
-          </a:p>
-        </p:txBody>
-      </p:sp>
-      <p:sp>
-        <p:nvSpPr>
-          <p:cNvPr id="3" name="Content Placeholder 2">
-            <a:extLst>
-              <a:ext uri="{FF2B5EF4-FFF2-40B4-BE49-F238E27FC236}">
-                <a16:creationId xmlns:a16="http://schemas.microsoft.com/office/drawing/2014/main" id="{58F172D3-5378-75CE-40DC-B7A8F65B3D5F}"/>
-              </a:ext>
-            </a:extLst>
-          </p:cNvPr>
-          <p:cNvSpPr>
-            <a:spLocks noGrp="1"/>
-          </p:cNvSpPr>
-          <p:nvPr>
-            <p:ph idx="1"/>
-          </p:nvPr>
-        </p:nvSpPr>
-        <p:spPr>
-          <a:xfrm>
-            <a:off x="688916" y="1347614"/>
-            <a:ext cx="8100000" cy="2090381"/>
-          </a:xfrm>
-        </p:spPr>
-        <p:txBody>
-          <a:bodyPr/>
-          <a:lstStyle/>
-          <a:p>
-            <a:r>
-              <a:rPr lang="en-GB" dirty="0" err="1"/>
-              <a:t>conda</a:t>
-            </a:r>
-            <a:r>
-              <a:rPr lang="en-GB" dirty="0"/>
-              <a:t> list</a:t>
-            </a:r>
-          </a:p>
-        </p:txBody>
-      </p:sp>
-      <p:sp>
-        <p:nvSpPr>
-          <p:cNvPr id="4" name="Date Placeholder 3">
-            <a:extLst>
-              <a:ext uri="{FF2B5EF4-FFF2-40B4-BE49-F238E27FC236}">
-                <a16:creationId xmlns:a16="http://schemas.microsoft.com/office/drawing/2014/main" id="{3B345DD0-8141-CA79-6113-95EC998AD74C}"/>
-              </a:ext>
-            </a:extLst>
-          </p:cNvPr>
-          <p:cNvSpPr>
-            <a:spLocks noGrp="1"/>
-          </p:cNvSpPr>
-          <p:nvPr>
-            <p:ph type="dt" sz="half" idx="10"/>
-          </p:nvPr>
-        </p:nvSpPr>
-        <p:spPr/>
-        <p:txBody>
-          <a:bodyPr/>
-          <a:lstStyle/>
-          <a:p>
-            <a:fld id="{9839CB03-DCF2-B749-ACCB-57353B868F10}" type="datetime1">
-              <a:rPr lang="nl-NL" smtClean="0"/>
-              <a:t>30-09-2025</a:t>
-            </a:fld>
-            <a:endParaRPr lang="nl-NL" dirty="0"/>
-          </a:p>
-        </p:txBody>
-      </p:sp>
-      <p:sp>
-        <p:nvSpPr>
-          <p:cNvPr id="5" name="Footer Placeholder 4">
-            <a:extLst>
-              <a:ext uri="{FF2B5EF4-FFF2-40B4-BE49-F238E27FC236}">
-                <a16:creationId xmlns:a16="http://schemas.microsoft.com/office/drawing/2014/main" id="{B1407F23-4B79-F305-8E26-BB2BC5A13D6A}"/>
-              </a:ext>
-            </a:extLst>
-          </p:cNvPr>
-          <p:cNvSpPr>
-            <a:spLocks noGrp="1"/>
-          </p:cNvSpPr>
-          <p:nvPr>
-            <p:ph type="ftr" sz="quarter" idx="11"/>
-          </p:nvPr>
-        </p:nvSpPr>
-        <p:spPr/>
-        <p:txBody>
-          <a:bodyPr/>
-          <a:lstStyle/>
-          <a:p>
-            <a:r>
-              <a:rPr lang="nl-NL"/>
-              <a:t>Python training – sessie 1</a:t>
-            </a:r>
-            <a:endParaRPr lang="nl-NL" dirty="0"/>
-          </a:p>
-        </p:txBody>
-      </p:sp>
-      <p:sp>
-        <p:nvSpPr>
-          <p:cNvPr id="6" name="Slide Number Placeholder 5">
-            <a:extLst>
-              <a:ext uri="{FF2B5EF4-FFF2-40B4-BE49-F238E27FC236}">
-                <a16:creationId xmlns:a16="http://schemas.microsoft.com/office/drawing/2014/main" id="{2B16B3CA-CEE5-359C-D58A-749A1DE9807E}"/>
-              </a:ext>
-            </a:extLst>
-          </p:cNvPr>
-          <p:cNvSpPr>
-            <a:spLocks noGrp="1"/>
-          </p:cNvSpPr>
-          <p:nvPr>
-            <p:ph type="sldNum" sz="quarter" idx="12"/>
-          </p:nvPr>
-        </p:nvSpPr>
-        <p:spPr/>
-        <p:txBody>
-          <a:bodyPr/>
-          <a:lstStyle/>
-          <a:p>
-            <a:pPr algn="l"/>
-            <a:r>
-              <a:rPr lang="nl-NL"/>
-              <a:t>| </a:t>
-            </a:r>
-            <a:fld id="{6C885DEC-5AE5-4403-A92E-278225061E43}" type="slidenum">
-              <a:rPr lang="nl-NL" smtClean="0"/>
-              <a:pPr algn="l"/>
-              <a:t>19</a:t>
-            </a:fld>
-            <a:endParaRPr lang="nl-NL" dirty="0"/>
-          </a:p>
-        </p:txBody>
-      </p:sp>
-      <p:pic>
-        <p:nvPicPr>
-          <p:cNvPr id="8" name="Picture 7">
-            <a:extLst>
-              <a:ext uri="{FF2B5EF4-FFF2-40B4-BE49-F238E27FC236}">
-                <a16:creationId xmlns:a16="http://schemas.microsoft.com/office/drawing/2014/main" id="{D39D261B-3D5A-71FE-0862-1F98718AD0EA}"/>
-              </a:ext>
-            </a:extLst>
-          </p:cNvPr>
-          <p:cNvPicPr>
-            <a:picLocks noChangeAspect="1"/>
-          </p:cNvPicPr>
-          <p:nvPr/>
-        </p:nvPicPr>
-        <p:blipFill>
-          <a:blip r:embed="rId2"/>
-          <a:stretch>
-            <a:fillRect/>
-          </a:stretch>
-        </p:blipFill>
-        <p:spPr>
-          <a:xfrm>
-            <a:off x="1781181" y="1707654"/>
-            <a:ext cx="5099918" cy="3005792"/>
-          </a:xfrm>
-          <a:prstGeom prst="rect">
-            <a:avLst/>
-          </a:prstGeom>
-        </p:spPr>
-      </p:pic>
-    </p:spTree>
-    <p:extLst>
-      <p:ext uri="{BB962C8B-B14F-4D97-AF65-F5344CB8AC3E}">
-        <p14:creationId xmlns:p14="http://schemas.microsoft.com/office/powerpoint/2010/main" val="3220283570"/>
       </p:ext>
     </p:extLst>
   </p:cSld>
@@ -13692,6 +14532,12 @@
           </a:p>
           <a:p>
             <a:r>
+              <a:rPr lang="nl-NL" dirty="0"/>
+              <a:t>Functies</a:t>
+            </a:r>
+          </a:p>
+          <a:p>
+            <a:r>
               <a:rPr lang="nl-NL" dirty="0" err="1"/>
               <a:t>DataFrames</a:t>
             </a:r>
@@ -13762,6 +14608,485 @@
 </file>
 
 <file path=ppt/slides/slide20.xml><?xml version="1.0" encoding="utf-8"?>
+<p:sld xmlns:a="http://schemas.openxmlformats.org/drawingml/2006/main" xmlns:r="http://schemas.openxmlformats.org/officeDocument/2006/relationships" xmlns:p="http://schemas.openxmlformats.org/presentationml/2006/main">
+  <p:cSld>
+    <p:spTree>
+      <p:nvGrpSpPr>
+        <p:cNvPr id="1" name="">
+          <a:extLst>
+            <a:ext uri="{FF2B5EF4-FFF2-40B4-BE49-F238E27FC236}">
+              <a16:creationId xmlns:a16="http://schemas.microsoft.com/office/drawing/2014/main" id="{0C92EC67-E8F1-FF29-AE93-193F69B13930}"/>
+            </a:ext>
+          </a:extLst>
+        </p:cNvPr>
+        <p:cNvGrpSpPr/>
+        <p:nvPr/>
+      </p:nvGrpSpPr>
+      <p:grpSpPr>
+        <a:xfrm>
+          <a:off x="0" y="0"/>
+          <a:ext cx="0" cy="0"/>
+          <a:chOff x="0" y="0"/>
+          <a:chExt cx="0" cy="0"/>
+        </a:xfrm>
+      </p:grpSpPr>
+      <p:sp>
+        <p:nvSpPr>
+          <p:cNvPr id="2" name="Title 1">
+            <a:extLst>
+              <a:ext uri="{FF2B5EF4-FFF2-40B4-BE49-F238E27FC236}">
+                <a16:creationId xmlns:a16="http://schemas.microsoft.com/office/drawing/2014/main" id="{319F1AC7-5C70-EC34-1FCB-23E2BB3DDB9F}"/>
+              </a:ext>
+            </a:extLst>
+          </p:cNvPr>
+          <p:cNvSpPr>
+            <a:spLocks noGrp="1"/>
+          </p:cNvSpPr>
+          <p:nvPr>
+            <p:ph type="title"/>
+          </p:nvPr>
+        </p:nvSpPr>
+        <p:spPr>
+          <a:xfrm>
+            <a:off x="705610" y="627534"/>
+            <a:ext cx="8100000" cy="972000"/>
+          </a:xfrm>
+        </p:spPr>
+        <p:txBody>
+          <a:bodyPr/>
+          <a:lstStyle/>
+          <a:p>
+            <a:r>
+              <a:rPr lang="en-NL" dirty="0"/>
+              <a:t>Terminal</a:t>
+            </a:r>
+          </a:p>
+        </p:txBody>
+      </p:sp>
+      <p:sp>
+        <p:nvSpPr>
+          <p:cNvPr id="3" name="Content Placeholder 2">
+            <a:extLst>
+              <a:ext uri="{FF2B5EF4-FFF2-40B4-BE49-F238E27FC236}">
+                <a16:creationId xmlns:a16="http://schemas.microsoft.com/office/drawing/2014/main" id="{A38B2B21-AD2F-B5C5-1B26-417F07041F0C}"/>
+              </a:ext>
+            </a:extLst>
+          </p:cNvPr>
+          <p:cNvSpPr>
+            <a:spLocks noGrp="1"/>
+          </p:cNvSpPr>
+          <p:nvPr>
+            <p:ph idx="1"/>
+          </p:nvPr>
+        </p:nvSpPr>
+        <p:spPr>
+          <a:xfrm>
+            <a:off x="688916" y="1347614"/>
+            <a:ext cx="8100000" cy="2090381"/>
+          </a:xfrm>
+        </p:spPr>
+        <p:txBody>
+          <a:bodyPr/>
+          <a:lstStyle/>
+          <a:p>
+            <a:r>
+              <a:rPr lang="en-GB" dirty="0" err="1"/>
+              <a:t>conda</a:t>
+            </a:r>
+            <a:r>
+              <a:rPr lang="en-GB" dirty="0"/>
+              <a:t> install pandas </a:t>
+            </a:r>
+            <a:r>
+              <a:rPr lang="en-GB" dirty="0" err="1"/>
+              <a:t>numpy</a:t>
+            </a:r>
+            <a:r>
+              <a:rPr lang="en-GB" dirty="0"/>
+              <a:t> </a:t>
+            </a:r>
+            <a:r>
+              <a:rPr lang="en-GB" dirty="0" err="1"/>
+              <a:t>geopandas</a:t>
+            </a:r>
+            <a:r>
+              <a:rPr lang="en-GB" dirty="0"/>
+              <a:t> notebook </a:t>
+            </a:r>
+            <a:r>
+              <a:rPr lang="en-GB" dirty="0" err="1"/>
+              <a:t>jupyterlab</a:t>
+            </a:r>
+            <a:endParaRPr lang="en-GB" dirty="0"/>
+          </a:p>
+        </p:txBody>
+      </p:sp>
+      <p:sp>
+        <p:nvSpPr>
+          <p:cNvPr id="4" name="Date Placeholder 3">
+            <a:extLst>
+              <a:ext uri="{FF2B5EF4-FFF2-40B4-BE49-F238E27FC236}">
+                <a16:creationId xmlns:a16="http://schemas.microsoft.com/office/drawing/2014/main" id="{539DB4B6-E4E4-CD32-4367-0D0E1C061DB3}"/>
+              </a:ext>
+            </a:extLst>
+          </p:cNvPr>
+          <p:cNvSpPr>
+            <a:spLocks noGrp="1"/>
+          </p:cNvSpPr>
+          <p:nvPr>
+            <p:ph type="dt" sz="half" idx="10"/>
+          </p:nvPr>
+        </p:nvSpPr>
+        <p:spPr/>
+        <p:txBody>
+          <a:bodyPr/>
+          <a:lstStyle/>
+          <a:p>
+            <a:fld id="{9839CB03-DCF2-B749-ACCB-57353B868F10}" type="datetime1">
+              <a:rPr lang="nl-NL" smtClean="0"/>
+              <a:t>30-09-2025</a:t>
+            </a:fld>
+            <a:endParaRPr lang="nl-NL" dirty="0"/>
+          </a:p>
+        </p:txBody>
+      </p:sp>
+      <p:sp>
+        <p:nvSpPr>
+          <p:cNvPr id="5" name="Footer Placeholder 4">
+            <a:extLst>
+              <a:ext uri="{FF2B5EF4-FFF2-40B4-BE49-F238E27FC236}">
+                <a16:creationId xmlns:a16="http://schemas.microsoft.com/office/drawing/2014/main" id="{0C646A70-AFB2-B3BC-3156-DE9FC8453D70}"/>
+              </a:ext>
+            </a:extLst>
+          </p:cNvPr>
+          <p:cNvSpPr>
+            <a:spLocks noGrp="1"/>
+          </p:cNvSpPr>
+          <p:nvPr>
+            <p:ph type="ftr" sz="quarter" idx="11"/>
+          </p:nvPr>
+        </p:nvSpPr>
+        <p:spPr/>
+        <p:txBody>
+          <a:bodyPr/>
+          <a:lstStyle/>
+          <a:p>
+            <a:r>
+              <a:rPr lang="nl-NL"/>
+              <a:t>Python training – sessie 1</a:t>
+            </a:r>
+            <a:endParaRPr lang="nl-NL" dirty="0"/>
+          </a:p>
+        </p:txBody>
+      </p:sp>
+      <p:sp>
+        <p:nvSpPr>
+          <p:cNvPr id="6" name="Slide Number Placeholder 5">
+            <a:extLst>
+              <a:ext uri="{FF2B5EF4-FFF2-40B4-BE49-F238E27FC236}">
+                <a16:creationId xmlns:a16="http://schemas.microsoft.com/office/drawing/2014/main" id="{F0AB9917-63CD-8959-0D8C-ECD3EA9F04CC}"/>
+              </a:ext>
+            </a:extLst>
+          </p:cNvPr>
+          <p:cNvSpPr>
+            <a:spLocks noGrp="1"/>
+          </p:cNvSpPr>
+          <p:nvPr>
+            <p:ph type="sldNum" sz="quarter" idx="12"/>
+          </p:nvPr>
+        </p:nvSpPr>
+        <p:spPr/>
+        <p:txBody>
+          <a:bodyPr/>
+          <a:lstStyle/>
+          <a:p>
+            <a:pPr algn="l"/>
+            <a:r>
+              <a:rPr lang="nl-NL"/>
+              <a:t>| </a:t>
+            </a:r>
+            <a:fld id="{6C885DEC-5AE5-4403-A92E-278225061E43}" type="slidenum">
+              <a:rPr lang="nl-NL" smtClean="0"/>
+              <a:pPr algn="l"/>
+              <a:t>20</a:t>
+            </a:fld>
+            <a:endParaRPr lang="nl-NL" dirty="0"/>
+          </a:p>
+        </p:txBody>
+      </p:sp>
+      <p:pic>
+        <p:nvPicPr>
+          <p:cNvPr id="7" name="Picture 6">
+            <a:extLst>
+              <a:ext uri="{FF2B5EF4-FFF2-40B4-BE49-F238E27FC236}">
+                <a16:creationId xmlns:a16="http://schemas.microsoft.com/office/drawing/2014/main" id="{F465A15D-D13F-E163-EE82-22F911F5DD20}"/>
+              </a:ext>
+            </a:extLst>
+          </p:cNvPr>
+          <p:cNvPicPr>
+            <a:picLocks noChangeAspect="1"/>
+          </p:cNvPicPr>
+          <p:nvPr/>
+        </p:nvPicPr>
+        <p:blipFill>
+          <a:blip r:embed="rId2"/>
+          <a:stretch>
+            <a:fillRect/>
+          </a:stretch>
+        </p:blipFill>
+        <p:spPr>
+          <a:xfrm>
+            <a:off x="1907704" y="1779662"/>
+            <a:ext cx="4811886" cy="2836032"/>
+          </a:xfrm>
+          <a:prstGeom prst="rect">
+            <a:avLst/>
+          </a:prstGeom>
+        </p:spPr>
+      </p:pic>
+    </p:spTree>
+    <p:extLst>
+      <p:ext uri="{BB962C8B-B14F-4D97-AF65-F5344CB8AC3E}">
+        <p14:creationId xmlns:p14="http://schemas.microsoft.com/office/powerpoint/2010/main" val="1571770511"/>
+      </p:ext>
+    </p:extLst>
+  </p:cSld>
+  <p:clrMapOvr>
+    <a:masterClrMapping/>
+  </p:clrMapOvr>
+</p:sld>
+</file>
+
+<file path=ppt/slides/slide21.xml><?xml version="1.0" encoding="utf-8"?>
+<p:sld xmlns:a="http://schemas.openxmlformats.org/drawingml/2006/main" xmlns:r="http://schemas.openxmlformats.org/officeDocument/2006/relationships" xmlns:p="http://schemas.openxmlformats.org/presentationml/2006/main">
+  <p:cSld>
+    <p:spTree>
+      <p:nvGrpSpPr>
+        <p:cNvPr id="1" name="">
+          <a:extLst>
+            <a:ext uri="{FF2B5EF4-FFF2-40B4-BE49-F238E27FC236}">
+              <a16:creationId xmlns:a16="http://schemas.microsoft.com/office/drawing/2014/main" id="{34F269C0-AC72-CB3C-BB41-18F7F5FD2524}"/>
+            </a:ext>
+          </a:extLst>
+        </p:cNvPr>
+        <p:cNvGrpSpPr/>
+        <p:nvPr/>
+      </p:nvGrpSpPr>
+      <p:grpSpPr>
+        <a:xfrm>
+          <a:off x="0" y="0"/>
+          <a:ext cx="0" cy="0"/>
+          <a:chOff x="0" y="0"/>
+          <a:chExt cx="0" cy="0"/>
+        </a:xfrm>
+      </p:grpSpPr>
+      <p:sp>
+        <p:nvSpPr>
+          <p:cNvPr id="2" name="Title 1">
+            <a:extLst>
+              <a:ext uri="{FF2B5EF4-FFF2-40B4-BE49-F238E27FC236}">
+                <a16:creationId xmlns:a16="http://schemas.microsoft.com/office/drawing/2014/main" id="{AB6C6FE3-6206-34FD-BD47-D532090BF56F}"/>
+              </a:ext>
+            </a:extLst>
+          </p:cNvPr>
+          <p:cNvSpPr>
+            <a:spLocks noGrp="1"/>
+          </p:cNvSpPr>
+          <p:nvPr>
+            <p:ph type="title"/>
+          </p:nvPr>
+        </p:nvSpPr>
+        <p:spPr>
+          <a:xfrm>
+            <a:off x="705610" y="627534"/>
+            <a:ext cx="8100000" cy="972000"/>
+          </a:xfrm>
+        </p:spPr>
+        <p:txBody>
+          <a:bodyPr/>
+          <a:lstStyle/>
+          <a:p>
+            <a:r>
+              <a:rPr lang="en-NL" dirty="0"/>
+              <a:t>Terminal</a:t>
+            </a:r>
+          </a:p>
+        </p:txBody>
+      </p:sp>
+      <p:sp>
+        <p:nvSpPr>
+          <p:cNvPr id="3" name="Content Placeholder 2">
+            <a:extLst>
+              <a:ext uri="{FF2B5EF4-FFF2-40B4-BE49-F238E27FC236}">
+                <a16:creationId xmlns:a16="http://schemas.microsoft.com/office/drawing/2014/main" id="{58F172D3-5378-75CE-40DC-B7A8F65B3D5F}"/>
+              </a:ext>
+            </a:extLst>
+          </p:cNvPr>
+          <p:cNvSpPr>
+            <a:spLocks noGrp="1"/>
+          </p:cNvSpPr>
+          <p:nvPr>
+            <p:ph idx="1"/>
+          </p:nvPr>
+        </p:nvSpPr>
+        <p:spPr>
+          <a:xfrm>
+            <a:off x="688916" y="1347614"/>
+            <a:ext cx="8100000" cy="2090381"/>
+          </a:xfrm>
+        </p:spPr>
+        <p:txBody>
+          <a:bodyPr/>
+          <a:lstStyle/>
+          <a:p>
+            <a:r>
+              <a:rPr lang="en-GB" dirty="0" err="1"/>
+              <a:t>conda</a:t>
+            </a:r>
+            <a:r>
+              <a:rPr lang="en-GB" dirty="0"/>
+              <a:t> list</a:t>
+            </a:r>
+          </a:p>
+        </p:txBody>
+      </p:sp>
+      <p:sp>
+        <p:nvSpPr>
+          <p:cNvPr id="4" name="Date Placeholder 3">
+            <a:extLst>
+              <a:ext uri="{FF2B5EF4-FFF2-40B4-BE49-F238E27FC236}">
+                <a16:creationId xmlns:a16="http://schemas.microsoft.com/office/drawing/2014/main" id="{3B345DD0-8141-CA79-6113-95EC998AD74C}"/>
+              </a:ext>
+            </a:extLst>
+          </p:cNvPr>
+          <p:cNvSpPr>
+            <a:spLocks noGrp="1"/>
+          </p:cNvSpPr>
+          <p:nvPr>
+            <p:ph type="dt" sz="half" idx="10"/>
+          </p:nvPr>
+        </p:nvSpPr>
+        <p:spPr/>
+        <p:txBody>
+          <a:bodyPr/>
+          <a:lstStyle/>
+          <a:p>
+            <a:fld id="{9839CB03-DCF2-B749-ACCB-57353B868F10}" type="datetime1">
+              <a:rPr lang="nl-NL" smtClean="0"/>
+              <a:t>30-09-2025</a:t>
+            </a:fld>
+            <a:endParaRPr lang="nl-NL" dirty="0"/>
+          </a:p>
+        </p:txBody>
+      </p:sp>
+      <p:sp>
+        <p:nvSpPr>
+          <p:cNvPr id="5" name="Footer Placeholder 4">
+            <a:extLst>
+              <a:ext uri="{FF2B5EF4-FFF2-40B4-BE49-F238E27FC236}">
+                <a16:creationId xmlns:a16="http://schemas.microsoft.com/office/drawing/2014/main" id="{B1407F23-4B79-F305-8E26-BB2BC5A13D6A}"/>
+              </a:ext>
+            </a:extLst>
+          </p:cNvPr>
+          <p:cNvSpPr>
+            <a:spLocks noGrp="1"/>
+          </p:cNvSpPr>
+          <p:nvPr>
+            <p:ph type="ftr" sz="quarter" idx="11"/>
+          </p:nvPr>
+        </p:nvSpPr>
+        <p:spPr/>
+        <p:txBody>
+          <a:bodyPr/>
+          <a:lstStyle/>
+          <a:p>
+            <a:r>
+              <a:rPr lang="nl-NL"/>
+              <a:t>Python training – sessie 1</a:t>
+            </a:r>
+            <a:endParaRPr lang="nl-NL" dirty="0"/>
+          </a:p>
+        </p:txBody>
+      </p:sp>
+      <p:sp>
+        <p:nvSpPr>
+          <p:cNvPr id="6" name="Slide Number Placeholder 5">
+            <a:extLst>
+              <a:ext uri="{FF2B5EF4-FFF2-40B4-BE49-F238E27FC236}">
+                <a16:creationId xmlns:a16="http://schemas.microsoft.com/office/drawing/2014/main" id="{2B16B3CA-CEE5-359C-D58A-749A1DE9807E}"/>
+              </a:ext>
+            </a:extLst>
+          </p:cNvPr>
+          <p:cNvSpPr>
+            <a:spLocks noGrp="1"/>
+          </p:cNvSpPr>
+          <p:nvPr>
+            <p:ph type="sldNum" sz="quarter" idx="12"/>
+          </p:nvPr>
+        </p:nvSpPr>
+        <p:spPr/>
+        <p:txBody>
+          <a:bodyPr/>
+          <a:lstStyle/>
+          <a:p>
+            <a:pPr algn="l"/>
+            <a:r>
+              <a:rPr lang="nl-NL"/>
+              <a:t>| </a:t>
+            </a:r>
+            <a:fld id="{6C885DEC-5AE5-4403-A92E-278225061E43}" type="slidenum">
+              <a:rPr lang="nl-NL" smtClean="0"/>
+              <a:pPr algn="l"/>
+              <a:t>21</a:t>
+            </a:fld>
+            <a:endParaRPr lang="nl-NL" dirty="0"/>
+          </a:p>
+        </p:txBody>
+      </p:sp>
+      <p:pic>
+        <p:nvPicPr>
+          <p:cNvPr id="8" name="Picture 7">
+            <a:extLst>
+              <a:ext uri="{FF2B5EF4-FFF2-40B4-BE49-F238E27FC236}">
+                <a16:creationId xmlns:a16="http://schemas.microsoft.com/office/drawing/2014/main" id="{D39D261B-3D5A-71FE-0862-1F98718AD0EA}"/>
+              </a:ext>
+            </a:extLst>
+          </p:cNvPr>
+          <p:cNvPicPr>
+            <a:picLocks noChangeAspect="1"/>
+          </p:cNvPicPr>
+          <p:nvPr/>
+        </p:nvPicPr>
+        <p:blipFill>
+          <a:blip r:embed="rId2"/>
+          <a:stretch>
+            <a:fillRect/>
+          </a:stretch>
+        </p:blipFill>
+        <p:spPr>
+          <a:xfrm>
+            <a:off x="1781181" y="1707654"/>
+            <a:ext cx="5099918" cy="3005792"/>
+          </a:xfrm>
+          <a:prstGeom prst="rect">
+            <a:avLst/>
+          </a:prstGeom>
+        </p:spPr>
+      </p:pic>
+    </p:spTree>
+    <p:extLst>
+      <p:ext uri="{BB962C8B-B14F-4D97-AF65-F5344CB8AC3E}">
+        <p14:creationId xmlns:p14="http://schemas.microsoft.com/office/powerpoint/2010/main" val="3220283570"/>
+      </p:ext>
+    </p:extLst>
+  </p:cSld>
+  <p:clrMapOvr>
+    <a:masterClrMapping/>
+  </p:clrMapOvr>
+</p:sld>
+</file>
+
+<file path=ppt/slides/slide22.xml><?xml version="1.0" encoding="utf-8"?>
 <p:sld xmlns:a="http://schemas.openxmlformats.org/drawingml/2006/main" xmlns:r="http://schemas.openxmlformats.org/officeDocument/2006/relationships" xmlns:p="http://schemas.openxmlformats.org/presentationml/2006/main">
   <p:cSld>
     <p:spTree>
@@ -13962,7 +15287,7 @@
             <a:fld id="{6C885DEC-5AE5-4403-A92E-278225061E43}" type="slidenum">
               <a:rPr lang="nl-NL" smtClean="0"/>
               <a:pPr algn="l"/>
-              <a:t>20</a:t>
+              <a:t>22</a:t>
             </a:fld>
             <a:endParaRPr lang="nl-NL" dirty="0"/>
           </a:p>
@@ -14011,7 +15336,180 @@
 </p:sld>
 </file>
 
-<file path=ppt/slides/slide21.xml><?xml version="1.0" encoding="utf-8"?>
+<file path=ppt/slides/slide23.xml><?xml version="1.0" encoding="utf-8"?>
+<p:sld xmlns:a="http://schemas.openxmlformats.org/drawingml/2006/main" xmlns:r="http://schemas.openxmlformats.org/officeDocument/2006/relationships" xmlns:p="http://schemas.openxmlformats.org/presentationml/2006/main">
+  <p:cSld>
+    <p:spTree>
+      <p:nvGrpSpPr>
+        <p:cNvPr id="1" name=""/>
+        <p:cNvGrpSpPr/>
+        <p:nvPr/>
+      </p:nvGrpSpPr>
+      <p:grpSpPr>
+        <a:xfrm>
+          <a:off x="0" y="0"/>
+          <a:ext cx="0" cy="0"/>
+          <a:chOff x="0" y="0"/>
+          <a:chExt cx="0" cy="0"/>
+        </a:xfrm>
+      </p:grpSpPr>
+      <p:sp>
+        <p:nvSpPr>
+          <p:cNvPr id="3" name="Content Placeholder 2">
+            <a:extLst>
+              <a:ext uri="{FF2B5EF4-FFF2-40B4-BE49-F238E27FC236}">
+                <a16:creationId xmlns:a16="http://schemas.microsoft.com/office/drawing/2014/main" id="{CEEC3B6D-3452-D0C6-86FD-93ABD34EEFA3}"/>
+              </a:ext>
+            </a:extLst>
+          </p:cNvPr>
+          <p:cNvSpPr>
+            <a:spLocks noGrp="1"/>
+          </p:cNvSpPr>
+          <p:nvPr>
+            <p:ph idx="1"/>
+          </p:nvPr>
+        </p:nvSpPr>
+        <p:spPr/>
+        <p:txBody>
+          <a:bodyPr/>
+          <a:lstStyle/>
+          <a:p>
+            <a:endParaRPr lang="en-NL"/>
+          </a:p>
+        </p:txBody>
+      </p:sp>
+      <p:sp>
+        <p:nvSpPr>
+          <p:cNvPr id="4" name="Date Placeholder 3">
+            <a:extLst>
+              <a:ext uri="{FF2B5EF4-FFF2-40B4-BE49-F238E27FC236}">
+                <a16:creationId xmlns:a16="http://schemas.microsoft.com/office/drawing/2014/main" id="{457EC276-6F7E-96B3-55F1-75A72F7B1D37}"/>
+              </a:ext>
+            </a:extLst>
+          </p:cNvPr>
+          <p:cNvSpPr>
+            <a:spLocks noGrp="1"/>
+          </p:cNvSpPr>
+          <p:nvPr>
+            <p:ph type="dt" sz="half" idx="10"/>
+          </p:nvPr>
+        </p:nvSpPr>
+        <p:spPr/>
+        <p:txBody>
+          <a:bodyPr/>
+          <a:lstStyle/>
+          <a:p>
+            <a:fld id="{9839CB03-DCF2-B749-ACCB-57353B868F10}" type="datetime1">
+              <a:rPr lang="nl-NL" smtClean="0"/>
+              <a:t>30-09-2025</a:t>
+            </a:fld>
+            <a:endParaRPr lang="nl-NL" dirty="0"/>
+          </a:p>
+        </p:txBody>
+      </p:sp>
+      <p:sp>
+        <p:nvSpPr>
+          <p:cNvPr id="5" name="Footer Placeholder 4">
+            <a:extLst>
+              <a:ext uri="{FF2B5EF4-FFF2-40B4-BE49-F238E27FC236}">
+                <a16:creationId xmlns:a16="http://schemas.microsoft.com/office/drawing/2014/main" id="{80DBD8F3-C7DC-5951-84F6-98EC19ADC128}"/>
+              </a:ext>
+            </a:extLst>
+          </p:cNvPr>
+          <p:cNvSpPr>
+            <a:spLocks noGrp="1"/>
+          </p:cNvSpPr>
+          <p:nvPr>
+            <p:ph type="ftr" sz="quarter" idx="11"/>
+          </p:nvPr>
+        </p:nvSpPr>
+        <p:spPr/>
+        <p:txBody>
+          <a:bodyPr/>
+          <a:lstStyle/>
+          <a:p>
+            <a:r>
+              <a:rPr lang="nl-NL"/>
+              <a:t>Python training – sessie 1</a:t>
+            </a:r>
+            <a:endParaRPr lang="nl-NL" dirty="0"/>
+          </a:p>
+        </p:txBody>
+      </p:sp>
+      <p:sp>
+        <p:nvSpPr>
+          <p:cNvPr id="6" name="Slide Number Placeholder 5">
+            <a:extLst>
+              <a:ext uri="{FF2B5EF4-FFF2-40B4-BE49-F238E27FC236}">
+                <a16:creationId xmlns:a16="http://schemas.microsoft.com/office/drawing/2014/main" id="{D63250BC-C7EA-F984-77FB-28ED1B600A71}"/>
+              </a:ext>
+            </a:extLst>
+          </p:cNvPr>
+          <p:cNvSpPr>
+            <a:spLocks noGrp="1"/>
+          </p:cNvSpPr>
+          <p:nvPr>
+            <p:ph type="sldNum" sz="quarter" idx="12"/>
+          </p:nvPr>
+        </p:nvSpPr>
+        <p:spPr/>
+        <p:txBody>
+          <a:bodyPr/>
+          <a:lstStyle/>
+          <a:p>
+            <a:pPr algn="l"/>
+            <a:r>
+              <a:rPr lang="nl-NL"/>
+              <a:t>| </a:t>
+            </a:r>
+            <a:fld id="{6C885DEC-5AE5-4403-A92E-278225061E43}" type="slidenum">
+              <a:rPr lang="nl-NL" smtClean="0"/>
+              <a:pPr algn="l"/>
+              <a:t>23</a:t>
+            </a:fld>
+            <a:endParaRPr lang="nl-NL" dirty="0"/>
+          </a:p>
+        </p:txBody>
+      </p:sp>
+      <p:sp>
+        <p:nvSpPr>
+          <p:cNvPr id="8" name="Title 7">
+            <a:extLst>
+              <a:ext uri="{FF2B5EF4-FFF2-40B4-BE49-F238E27FC236}">
+                <a16:creationId xmlns:a16="http://schemas.microsoft.com/office/drawing/2014/main" id="{08730DE3-BE9E-59E3-B4AA-FC7DA2F9F1F6}"/>
+              </a:ext>
+            </a:extLst>
+          </p:cNvPr>
+          <p:cNvSpPr>
+            <a:spLocks noGrp="1"/>
+          </p:cNvSpPr>
+          <p:nvPr>
+            <p:ph type="title"/>
+          </p:nvPr>
+        </p:nvSpPr>
+        <p:spPr/>
+        <p:txBody>
+          <a:bodyPr/>
+          <a:lstStyle/>
+          <a:p>
+            <a:endParaRPr lang="en-NL"/>
+          </a:p>
+        </p:txBody>
+      </p:sp>
+    </p:spTree>
+    <p:extLst>
+      <p:ext uri="{BB962C8B-B14F-4D97-AF65-F5344CB8AC3E}">
+        <p14:creationId xmlns:p14="http://schemas.microsoft.com/office/powerpoint/2010/main" val="2190720961"/>
+      </p:ext>
+    </p:extLst>
+  </p:cSld>
+  <p:clrMapOvr>
+    <a:masterClrMapping/>
+  </p:clrMapOvr>
+</p:sld>
+</file>
+
+<file path=ppt/slides/slide24.xml><?xml version="1.0" encoding="utf-8"?>
 <p:sld xmlns:a="http://schemas.openxmlformats.org/drawingml/2006/main" xmlns:r="http://schemas.openxmlformats.org/officeDocument/2006/relationships" xmlns:p="http://schemas.openxmlformats.org/presentationml/2006/main">
   <p:cSld>
     <p:spTree>
@@ -14121,7 +15619,7 @@
             <a:fld id="{6C885DEC-5AE5-4403-A92E-278225061E43}" type="slidenum">
               <a:rPr lang="nl-NL" smtClean="0"/>
               <a:pPr algn="l"/>
-              <a:t>21</a:t>
+              <a:t>24</a:t>
             </a:fld>
             <a:endParaRPr lang="nl-NL" dirty="0"/>
           </a:p>
@@ -14897,7 +16395,7 @@
 </p:sld>
 </file>
 
-<file path=ppt/slides/slide22.xml><?xml version="1.0" encoding="utf-8"?>
+<file path=ppt/slides/slide25.xml><?xml version="1.0" encoding="utf-8"?>
 <p:sld xmlns:a="http://schemas.openxmlformats.org/drawingml/2006/main" xmlns:r="http://schemas.openxmlformats.org/officeDocument/2006/relationships" xmlns:p="http://schemas.openxmlformats.org/presentationml/2006/main">
   <p:cSld>
     <p:spTree>
@@ -15040,7 +16538,7 @@
             <a:fld id="{6C885DEC-5AE5-4403-A92E-278225061E43}" type="slidenum">
               <a:rPr lang="nl-NL" smtClean="0"/>
               <a:pPr algn="l"/>
-              <a:t>22</a:t>
+              <a:t>25</a:t>
             </a:fld>
             <a:endParaRPr lang="nl-NL" dirty="0"/>
           </a:p>
@@ -15124,7 +16622,7 @@
 </p:sld>
 </file>
 
-<file path=ppt/slides/slide23.xml><?xml version="1.0" encoding="utf-8"?>
+<file path=ppt/slides/slide26.xml><?xml version="1.0" encoding="utf-8"?>
 <p:sld xmlns:a="http://schemas.openxmlformats.org/drawingml/2006/main" xmlns:r="http://schemas.openxmlformats.org/officeDocument/2006/relationships" xmlns:p="http://schemas.openxmlformats.org/presentationml/2006/main">
   <p:cSld>
     <p:spTree>
@@ -15267,7 +16765,7 @@
             <a:fld id="{6C885DEC-5AE5-4403-A92E-278225061E43}" type="slidenum">
               <a:rPr lang="nl-NL" smtClean="0"/>
               <a:pPr algn="l"/>
-              <a:t>23</a:t>
+              <a:t>26</a:t>
             </a:fld>
             <a:endParaRPr lang="nl-NL" dirty="0"/>
           </a:p>
@@ -15288,7 +16786,7 @@
           <p:nvPr>
             <p:extLst>
               <p:ext uri="{D42A27DB-BD31-4B8C-83A1-F6EECF244321}">
-                <p14:modId xmlns:p14="http://schemas.microsoft.com/office/powerpoint/2010/main" val="3192878647"/>
+                <p14:modId xmlns:p14="http://schemas.microsoft.com/office/powerpoint/2010/main" val="2927138951"/>
               </p:ext>
             </p:extLst>
           </p:nvPr>
@@ -15545,7 +17043,11 @@
                     <a:lstStyle/>
                     <a:p>
                       <a:r>
-                        <a:rPr lang="en-GB" sz="1000" b="1" strike="sngStrike" dirty="0"/>
+                        <a:rPr lang="en-GB" sz="1000" b="1" strike="sngStrike" dirty="0">
+                          <a:solidFill>
+                            <a:srgbClr val="FF0000"/>
+                          </a:solidFill>
+                        </a:rPr>
                         <a:t>complex</a:t>
                       </a:r>
                     </a:p>
@@ -15558,27 +17060,51 @@
                     <a:lstStyle/>
                     <a:p>
                       <a:r>
-                        <a:rPr lang="en-GB" sz="1000" strike="sngStrike" dirty="0" err="1"/>
+                        <a:rPr lang="en-GB" sz="1000" strike="sngStrike" dirty="0" err="1">
+                          <a:solidFill>
+                            <a:srgbClr val="FF0000"/>
+                          </a:solidFill>
+                        </a:rPr>
                         <a:t>Complexe</a:t>
                       </a:r>
                       <a:r>
-                        <a:rPr lang="en-GB" sz="1000" strike="sngStrike" dirty="0"/>
+                        <a:rPr lang="en-GB" sz="1000" strike="sngStrike" dirty="0">
+                          <a:solidFill>
+                            <a:srgbClr val="FF0000"/>
+                          </a:solidFill>
+                        </a:rPr>
                         <a:t> </a:t>
                       </a:r>
                       <a:r>
-                        <a:rPr lang="en-GB" sz="1000" strike="sngStrike" dirty="0" err="1"/>
+                        <a:rPr lang="en-GB" sz="1000" strike="sngStrike" dirty="0" err="1">
+                          <a:solidFill>
+                            <a:srgbClr val="FF0000"/>
+                          </a:solidFill>
+                        </a:rPr>
                         <a:t>getallen</a:t>
                       </a:r>
                       <a:r>
-                        <a:rPr lang="en-GB" sz="1000" strike="sngStrike" dirty="0"/>
+                        <a:rPr lang="en-GB" sz="1000" strike="sngStrike" dirty="0">
+                          <a:solidFill>
+                            <a:srgbClr val="FF0000"/>
+                          </a:solidFill>
+                        </a:rPr>
                         <a:t> (met </a:t>
                       </a:r>
                       <a:r>
-                        <a:rPr lang="en-GB" sz="1000" strike="sngStrike" dirty="0" err="1"/>
+                        <a:rPr lang="en-GB" sz="1000" strike="sngStrike" dirty="0" err="1">
+                          <a:solidFill>
+                            <a:srgbClr val="FF0000"/>
+                          </a:solidFill>
+                        </a:rPr>
                         <a:t>i</a:t>
                       </a:r>
                       <a:r>
-                        <a:rPr lang="en-GB" sz="1000" strike="sngStrike" dirty="0"/>
+                        <a:rPr lang="en-GB" sz="1000" strike="sngStrike" dirty="0">
+                          <a:solidFill>
+                            <a:srgbClr val="FF0000"/>
+                          </a:solidFill>
+                        </a:rPr>
                         <a:t>/j)</a:t>
                       </a:r>
                     </a:p>
@@ -15591,7 +17117,11 @@
                     <a:lstStyle/>
                     <a:p>
                       <a:r>
-                        <a:rPr lang="en-GB" sz="1000" strike="sngStrike" dirty="0"/>
+                        <a:rPr lang="en-GB" sz="1000" strike="sngStrike" dirty="0">
+                          <a:solidFill>
+                            <a:srgbClr val="FF0000"/>
+                          </a:solidFill>
+                        </a:rPr>
                         <a:t>3 + 4j</a:t>
                       </a:r>
                     </a:p>
@@ -15620,7 +17150,11 @@
                         <a:tabLst/>
                         <a:defRPr/>
                       </a:pPr>
-                      <a:endParaRPr lang="en-NL" sz="1000" dirty="0"/>
+                      <a:endParaRPr lang="en-NL" sz="1000" dirty="0">
+                        <a:solidFill>
+                          <a:srgbClr val="FF0000"/>
+                        </a:solidFill>
+                      </a:endParaRPr>
                     </a:p>
                   </a:txBody>
                   <a:tcPr marL="22242" marR="22242" marT="11121" marB="11121" anchor="ctr"/>
@@ -16013,9 +17547,34 @@
                     <a:lstStyle/>
                     <a:p>
                       <a:r>
-                        <a:rPr lang="en-GB" sz="1000"/>
-                        <a:t>Ongeordende verzameling unieke waarden</a:t>
+                        <a:rPr lang="en-GB" sz="1000" dirty="0" err="1"/>
+                        <a:t>Ongeordende</a:t>
                       </a:r>
+                      <a:r>
+                        <a:rPr lang="en-GB" sz="1000" dirty="0"/>
+                        <a:t> </a:t>
+                      </a:r>
+                      <a:r>
+                        <a:rPr lang="en-GB" sz="1000" dirty="0" err="1"/>
+                        <a:t>verzameling</a:t>
+                      </a:r>
+                      <a:r>
+                        <a:rPr lang="en-GB" sz="1000" dirty="0"/>
+                        <a:t> </a:t>
+                      </a:r>
+                      <a:r>
+                        <a:rPr lang="en-GB" sz="1000" dirty="0" err="1"/>
+                        <a:t>unieke</a:t>
+                      </a:r>
+                      <a:r>
+                        <a:rPr lang="en-GB" sz="1000" dirty="0"/>
+                        <a:t> </a:t>
+                      </a:r>
+                      <a:r>
+                        <a:rPr lang="en-GB" sz="1000" dirty="0" err="1"/>
+                        <a:t>waarden</a:t>
+                      </a:r>
+                      <a:endParaRPr lang="en-GB" sz="1000" dirty="0"/>
                     </a:p>
                   </a:txBody>
                   <a:tcPr marL="22242" marR="22242" marT="11121" marB="11121" anchor="ctr"/>
@@ -16077,10 +17636,18 @@
                     <a:lstStyle/>
                     <a:p>
                       <a:r>
-                        <a:rPr lang="en-GB" sz="1000" b="1" strike="sngStrike" dirty="0" err="1"/>
+                        <a:rPr lang="en-GB" sz="1000" b="1" strike="sngStrike" dirty="0" err="1">
+                          <a:solidFill>
+                            <a:srgbClr val="FF0000"/>
+                          </a:solidFill>
+                        </a:rPr>
                         <a:t>frozenset</a:t>
                       </a:r>
-                      <a:endParaRPr lang="en-GB" sz="1000" b="1" strike="sngStrike" dirty="0"/>
+                      <a:endParaRPr lang="en-GB" sz="1000" b="1" strike="sngStrike" dirty="0">
+                        <a:solidFill>
+                          <a:srgbClr val="FF0000"/>
+                        </a:solidFill>
+                      </a:endParaRPr>
                     </a:p>
                   </a:txBody>
                   <a:tcPr marL="22242" marR="22242" marT="11121" marB="11121" anchor="ctr"/>
@@ -16091,11 +17658,19 @@
                     <a:lstStyle/>
                     <a:p>
                       <a:r>
-                        <a:rPr lang="en-GB" sz="1000" strike="sngStrike" dirty="0" err="1"/>
+                        <a:rPr lang="en-GB" sz="1000" strike="sngStrike" dirty="0" err="1">
+                          <a:solidFill>
+                            <a:srgbClr val="FF0000"/>
+                          </a:solidFill>
+                        </a:rPr>
                         <a:t>Onveranderlijke</a:t>
                       </a:r>
                       <a:r>
-                        <a:rPr lang="en-GB" sz="1000" strike="sngStrike" dirty="0"/>
+                        <a:rPr lang="en-GB" sz="1000" strike="sngStrike" dirty="0">
+                          <a:solidFill>
+                            <a:srgbClr val="FF0000"/>
+                          </a:solidFill>
+                        </a:rPr>
                         <a:t> set</a:t>
                       </a:r>
                     </a:p>
@@ -16108,11 +17683,19 @@
                     <a:lstStyle/>
                     <a:p>
                       <a:r>
-                        <a:rPr lang="en-GB" sz="1000" strike="sngStrike" dirty="0" err="1"/>
+                        <a:rPr lang="en-GB" sz="1000" strike="sngStrike" dirty="0" err="1">
+                          <a:solidFill>
+                            <a:srgbClr val="FF0000"/>
+                          </a:solidFill>
+                        </a:rPr>
                         <a:t>frozenset</a:t>
                       </a:r>
                       <a:r>
-                        <a:rPr lang="en-GB" sz="1000" strike="sngStrike" dirty="0"/>
+                        <a:rPr lang="en-GB" sz="1000" strike="sngStrike" dirty="0">
+                          <a:solidFill>
+                            <a:srgbClr val="FF0000"/>
+                          </a:solidFill>
+                        </a:rPr>
                         <a:t>({"A", "B"})</a:t>
                       </a:r>
                     </a:p>
@@ -16156,9 +17739,18 @@
                     <a:lstStyle/>
                     <a:p>
                       <a:r>
-                        <a:rPr lang="en-GB" sz="1000"/>
-                        <a:t>Sleutel-waarde paren</a:t>
+                        <a:rPr lang="en-GB" sz="1000" dirty="0" err="1"/>
+                        <a:t>Sleutel-waarde</a:t>
                       </a:r>
+                      <a:r>
+                        <a:rPr lang="en-GB" sz="1000" dirty="0"/>
+                        <a:t> </a:t>
+                      </a:r>
+                      <a:r>
+                        <a:rPr lang="en-GB" sz="1000" dirty="0" err="1"/>
+                        <a:t>paren</a:t>
+                      </a:r>
+                      <a:endParaRPr lang="en-GB" sz="1000" dirty="0"/>
                     </a:p>
                   </a:txBody>
                   <a:tcPr marL="22242" marR="22242" marT="11121" marB="11121" anchor="ctr"/>
@@ -16296,7 +17888,11 @@
                     <a:lstStyle/>
                     <a:p>
                       <a:r>
-                        <a:rPr lang="en-GB" sz="1000" b="1" strike="sngStrike" dirty="0"/>
+                        <a:rPr lang="en-GB" sz="1000" b="1" strike="sngStrike" dirty="0">
+                          <a:solidFill>
+                            <a:srgbClr val="FF0000"/>
+                          </a:solidFill>
+                        </a:rPr>
                         <a:t>bytes</a:t>
                       </a:r>
                     </a:p>
@@ -16309,7 +17905,11 @@
                     <a:lstStyle/>
                     <a:p>
                       <a:r>
-                        <a:rPr lang="en-GB" sz="1000" strike="sngStrike"/>
+                        <a:rPr lang="en-GB" sz="1000" strike="sngStrike">
+                          <a:solidFill>
+                            <a:srgbClr val="FF0000"/>
+                          </a:solidFill>
+                        </a:rPr>
                         <a:t>Reeks bytes (niet wijzigbaar)</a:t>
                       </a:r>
                     </a:p>
@@ -16322,11 +17922,19 @@
                     <a:lstStyle/>
                     <a:p>
                       <a:r>
-                        <a:rPr lang="en-GB" sz="1000" strike="sngStrike" dirty="0" err="1"/>
+                        <a:rPr lang="en-GB" sz="1000" strike="sngStrike" dirty="0" err="1">
+                          <a:solidFill>
+                            <a:srgbClr val="FF0000"/>
+                          </a:solidFill>
+                        </a:rPr>
                         <a:t>b"Hallo</a:t>
                       </a:r>
                       <a:r>
-                        <a:rPr lang="en-GB" sz="1000" strike="sngStrike" dirty="0"/>
+                        <a:rPr lang="en-GB" sz="1000" strike="sngStrike" dirty="0">
+                          <a:solidFill>
+                            <a:srgbClr val="FF0000"/>
+                          </a:solidFill>
+                        </a:rPr>
                         <a:t>"</a:t>
                       </a:r>
                     </a:p>
@@ -16356,10 +17964,18 @@
                     <a:lstStyle/>
                     <a:p>
                       <a:r>
-                        <a:rPr lang="en-GB" sz="1000" b="1" strike="sngStrike" dirty="0" err="1"/>
+                        <a:rPr lang="en-GB" sz="1000" b="1" strike="sngStrike" dirty="0" err="1">
+                          <a:solidFill>
+                            <a:srgbClr val="FF0000"/>
+                          </a:solidFill>
+                        </a:rPr>
                         <a:t>bytearray</a:t>
                       </a:r>
-                      <a:endParaRPr lang="en-GB" sz="1000" b="1" strike="sngStrike" dirty="0"/>
+                      <a:endParaRPr lang="en-GB" sz="1000" b="1" strike="sngStrike" dirty="0">
+                        <a:solidFill>
+                          <a:srgbClr val="FF0000"/>
+                        </a:solidFill>
+                      </a:endParaRPr>
                     </a:p>
                   </a:txBody>
                   <a:tcPr marL="22242" marR="22242" marT="11121" marB="11121" anchor="ctr"/>
@@ -16370,23 +17986,43 @@
                     <a:lstStyle/>
                     <a:p>
                       <a:r>
-                        <a:rPr lang="en-GB" sz="1000" strike="sngStrike" dirty="0"/>
+                        <a:rPr lang="en-GB" sz="1000" strike="sngStrike" dirty="0">
+                          <a:solidFill>
+                            <a:srgbClr val="FF0000"/>
+                          </a:solidFill>
+                        </a:rPr>
                         <a:t>Reeks bytes (</a:t>
                       </a:r>
                       <a:r>
-                        <a:rPr lang="en-GB" sz="1000" strike="sngStrike" dirty="0" err="1"/>
+                        <a:rPr lang="en-GB" sz="1000" strike="sngStrike" dirty="0" err="1">
+                          <a:solidFill>
+                            <a:srgbClr val="FF0000"/>
+                          </a:solidFill>
+                        </a:rPr>
                         <a:t>wel</a:t>
                       </a:r>
                       <a:r>
-                        <a:rPr lang="en-GB" sz="1000" strike="sngStrike" dirty="0"/>
+                        <a:rPr lang="en-GB" sz="1000" strike="sngStrike" dirty="0">
+                          <a:solidFill>
+                            <a:srgbClr val="FF0000"/>
+                          </a:solidFill>
+                        </a:rPr>
                         <a:t> </a:t>
                       </a:r>
                       <a:r>
-                        <a:rPr lang="en-GB" sz="1000" strike="sngStrike" dirty="0" err="1"/>
+                        <a:rPr lang="en-GB" sz="1000" strike="sngStrike" dirty="0" err="1">
+                          <a:solidFill>
+                            <a:srgbClr val="FF0000"/>
+                          </a:solidFill>
+                        </a:rPr>
                         <a:t>wijzigbaar</a:t>
                       </a:r>
                       <a:r>
-                        <a:rPr lang="en-GB" sz="1000" strike="sngStrike" dirty="0"/>
+                        <a:rPr lang="en-GB" sz="1000" strike="sngStrike" dirty="0">
+                          <a:solidFill>
+                            <a:srgbClr val="FF0000"/>
+                          </a:solidFill>
+                        </a:rPr>
                         <a:t>)</a:t>
                       </a:r>
                     </a:p>
@@ -16399,19 +18035,35 @@
                     <a:lstStyle/>
                     <a:p>
                       <a:r>
-                        <a:rPr lang="en-GB" sz="1000" strike="sngStrike" dirty="0" err="1"/>
+                        <a:rPr lang="en-GB" sz="1000" strike="sngStrike" dirty="0" err="1">
+                          <a:solidFill>
+                            <a:srgbClr val="FF0000"/>
+                          </a:solidFill>
+                        </a:rPr>
                         <a:t>bytearray</a:t>
                       </a:r>
                       <a:r>
-                        <a:rPr lang="en-GB" sz="1000" strike="sngStrike" dirty="0"/>
+                        <a:rPr lang="en-GB" sz="1000" strike="sngStrike" dirty="0">
+                          <a:solidFill>
+                            <a:srgbClr val="FF0000"/>
+                          </a:solidFill>
+                        </a:rPr>
                         <a:t>(</a:t>
                       </a:r>
                       <a:r>
-                        <a:rPr lang="en-GB" sz="1000" strike="sngStrike" dirty="0" err="1"/>
+                        <a:rPr lang="en-GB" sz="1000" strike="sngStrike" dirty="0" err="1">
+                          <a:solidFill>
+                            <a:srgbClr val="FF0000"/>
+                          </a:solidFill>
+                        </a:rPr>
                         <a:t>b"Hallo</a:t>
                       </a:r>
                       <a:r>
-                        <a:rPr lang="en-GB" sz="1000" strike="sngStrike" dirty="0"/>
+                        <a:rPr lang="en-GB" sz="1000" strike="sngStrike" dirty="0">
+                          <a:solidFill>
+                            <a:srgbClr val="FF0000"/>
+                          </a:solidFill>
+                        </a:rPr>
                         <a:t>")</a:t>
                       </a:r>
                     </a:p>
@@ -16441,10 +18093,18 @@
                     <a:lstStyle/>
                     <a:p>
                       <a:r>
-                        <a:rPr lang="en-GB" sz="1000" b="1" strike="sngStrike" dirty="0" err="1"/>
+                        <a:rPr lang="en-GB" sz="1000" b="1" strike="sngStrike" dirty="0" err="1">
+                          <a:solidFill>
+                            <a:srgbClr val="FF0000"/>
+                          </a:solidFill>
+                        </a:rPr>
                         <a:t>memoryview</a:t>
                       </a:r>
-                      <a:endParaRPr lang="en-GB" sz="1000" b="1" strike="sngStrike" dirty="0"/>
+                      <a:endParaRPr lang="en-GB" sz="1000" b="1" strike="sngStrike" dirty="0">
+                        <a:solidFill>
+                          <a:srgbClr val="FF0000"/>
+                        </a:solidFill>
+                      </a:endParaRPr>
                     </a:p>
                   </a:txBody>
                   <a:tcPr marL="22242" marR="22242" marT="11121" marB="11121" anchor="ctr"/>
@@ -16455,11 +18115,19 @@
                     <a:lstStyle/>
                     <a:p>
                       <a:r>
-                        <a:rPr lang="en-GB" sz="1000" strike="sngStrike" dirty="0" err="1"/>
+                        <a:rPr lang="en-GB" sz="1000" strike="sngStrike" dirty="0" err="1">
+                          <a:solidFill>
+                            <a:srgbClr val="FF0000"/>
+                          </a:solidFill>
+                        </a:rPr>
                         <a:t>Geavanceerde</a:t>
                       </a:r>
                       <a:r>
-                        <a:rPr lang="en-GB" sz="1000" strike="sngStrike" dirty="0"/>
+                        <a:rPr lang="en-GB" sz="1000" strike="sngStrike" dirty="0">
+                          <a:solidFill>
+                            <a:srgbClr val="FF0000"/>
+                          </a:solidFill>
+                        </a:rPr>
                         <a:t> view op bytes</a:t>
                       </a:r>
                     </a:p>
@@ -16472,19 +18140,35 @@
                     <a:lstStyle/>
                     <a:p>
                       <a:r>
-                        <a:rPr lang="en-GB" sz="1000" strike="sngStrike" dirty="0" err="1"/>
+                        <a:rPr lang="en-GB" sz="1000" strike="sngStrike" dirty="0" err="1">
+                          <a:solidFill>
+                            <a:srgbClr val="FF0000"/>
+                          </a:solidFill>
+                        </a:rPr>
                         <a:t>memoryview</a:t>
                       </a:r>
                       <a:r>
-                        <a:rPr lang="en-GB" sz="1000" strike="sngStrike" dirty="0"/>
+                        <a:rPr lang="en-GB" sz="1000" strike="sngStrike" dirty="0">
+                          <a:solidFill>
+                            <a:srgbClr val="FF0000"/>
+                          </a:solidFill>
+                        </a:rPr>
                         <a:t>(</a:t>
                       </a:r>
                       <a:r>
-                        <a:rPr lang="en-GB" sz="1000" strike="sngStrike" dirty="0" err="1"/>
+                        <a:rPr lang="en-GB" sz="1000" strike="sngStrike" dirty="0" err="1">
+                          <a:solidFill>
+                            <a:srgbClr val="FF0000"/>
+                          </a:solidFill>
+                        </a:rPr>
                         <a:t>b"Hallo</a:t>
                       </a:r>
                       <a:r>
-                        <a:rPr lang="en-GB" sz="1000" strike="sngStrike" dirty="0"/>
+                        <a:rPr lang="en-GB" sz="1000" strike="sngStrike" dirty="0">
+                          <a:solidFill>
+                            <a:srgbClr val="FF0000"/>
+                          </a:solidFill>
+                        </a:rPr>
                         <a:t>")</a:t>
                       </a:r>
                     </a:p>
@@ -16524,7 +18208,7 @@
 </p:sld>
 </file>
 
-<file path=ppt/slides/slide24.xml><?xml version="1.0" encoding="utf-8"?>
+<file path=ppt/slides/slide27.xml><?xml version="1.0" encoding="utf-8"?>
 <p:sld xmlns:a="http://schemas.openxmlformats.org/drawingml/2006/main" xmlns:r="http://schemas.openxmlformats.org/officeDocument/2006/relationships" xmlns:p="http://schemas.openxmlformats.org/presentationml/2006/main">
   <p:cSld>
     <p:spTree>
@@ -16845,7 +18529,7 @@
             <a:fld id="{6C885DEC-5AE5-4403-A92E-278225061E43}" type="slidenum">
               <a:rPr lang="nl-NL" smtClean="0"/>
               <a:pPr algn="l"/>
-              <a:t>24</a:t>
+              <a:t>27</a:t>
             </a:fld>
             <a:endParaRPr lang="nl-NL" dirty="0"/>
           </a:p>
@@ -16924,7 +18608,7 @@
 </p:sld>
 </file>
 
-<file path=ppt/slides/slide25.xml><?xml version="1.0" encoding="utf-8"?>
+<file path=ppt/slides/slide28.xml><?xml version="1.0" encoding="utf-8"?>
 <p:sld xmlns:a="http://schemas.openxmlformats.org/drawingml/2006/main" xmlns:r="http://schemas.openxmlformats.org/officeDocument/2006/relationships" xmlns:p="http://schemas.openxmlformats.org/presentationml/2006/main">
   <p:cSld>
     <p:spTree>
@@ -17067,7 +18751,7 @@
             <a:fld id="{6C885DEC-5AE5-4403-A92E-278225061E43}" type="slidenum">
               <a:rPr lang="nl-NL" smtClean="0"/>
               <a:pPr algn="l"/>
-              <a:t>25</a:t>
+              <a:t>28</a:t>
             </a:fld>
             <a:endParaRPr lang="nl-NL" dirty="0"/>
           </a:p>
@@ -17282,7 +18966,7 @@
                     <a:lstStyle/>
                     <a:p>
                       <a:r>
-                        <a:rPr lang="en-GB" sz="1000"/>
+                        <a:rPr lang="en-GB" sz="1000" dirty="0"/>
                         <a:t>abs(x)</a:t>
                       </a:r>
                     </a:p>
@@ -17341,7 +19025,7 @@
                     <a:lstStyle/>
                     <a:p>
                       <a:r>
-                        <a:rPr lang="en-NL" sz="1000"/>
+                        <a:rPr lang="en-NL" sz="1000" dirty="0"/>
                         <a:t>+, -, *, /</a:t>
                       </a:r>
                     </a:p>
@@ -17598,7 +19282,7 @@
 </p:sld>
 </file>
 
-<file path=ppt/slides/slide26.xml><?xml version="1.0" encoding="utf-8"?>
+<file path=ppt/slides/slide29.xml><?xml version="1.0" encoding="utf-8"?>
 <p:sld xmlns:a="http://schemas.openxmlformats.org/drawingml/2006/main" xmlns:r="http://schemas.openxmlformats.org/officeDocument/2006/relationships" xmlns:p="http://schemas.openxmlformats.org/presentationml/2006/main">
   <p:cSld>
     <p:spTree>
@@ -17974,7 +19658,7 @@
             <a:fld id="{6C885DEC-5AE5-4403-A92E-278225061E43}" type="slidenum">
               <a:rPr lang="nl-NL" smtClean="0"/>
               <a:pPr algn="l"/>
-              <a:t>26</a:t>
+              <a:t>29</a:t>
             </a:fld>
             <a:endParaRPr lang="nl-NL" dirty="0"/>
           </a:p>
@@ -18332,7 +20016,105 @@
 </p:sld>
 </file>
 
-<file path=ppt/slides/slide27.xml><?xml version="1.0" encoding="utf-8"?>
+<file path=ppt/slides/slide3.xml><?xml version="1.0" encoding="utf-8"?>
+<p:sld xmlns:a="http://schemas.openxmlformats.org/drawingml/2006/main" xmlns:r="http://schemas.openxmlformats.org/officeDocument/2006/relationships" xmlns:p="http://schemas.openxmlformats.org/presentationml/2006/main">
+  <p:cSld>
+    <p:spTree>
+      <p:nvGrpSpPr>
+        <p:cNvPr id="1" name="">
+          <a:extLst>
+            <a:ext uri="{FF2B5EF4-FFF2-40B4-BE49-F238E27FC236}">
+              <a16:creationId xmlns:a16="http://schemas.microsoft.com/office/drawing/2014/main" id="{08D54ED1-509E-703A-1D18-05CF5D617016}"/>
+            </a:ext>
+          </a:extLst>
+        </p:cNvPr>
+        <p:cNvGrpSpPr/>
+        <p:nvPr/>
+      </p:nvGrpSpPr>
+      <p:grpSpPr>
+        <a:xfrm>
+          <a:off x="0" y="0"/>
+          <a:ext cx="0" cy="0"/>
+          <a:chOff x="0" y="0"/>
+          <a:chExt cx="0" cy="0"/>
+        </a:xfrm>
+      </p:grpSpPr>
+      <p:sp>
+        <p:nvSpPr>
+          <p:cNvPr id="5" name="Titel 4">
+            <a:extLst>
+              <a:ext uri="{FF2B5EF4-FFF2-40B4-BE49-F238E27FC236}">
+                <a16:creationId xmlns:a16="http://schemas.microsoft.com/office/drawing/2014/main" id="{1835CBD6-52C0-23A7-DF6A-8DDBFF7A5454}"/>
+              </a:ext>
+            </a:extLst>
+          </p:cNvPr>
+          <p:cNvSpPr>
+            <a:spLocks noGrp="1"/>
+          </p:cNvSpPr>
+          <p:nvPr>
+            <p:ph type="ctrTitle"/>
+          </p:nvPr>
+        </p:nvSpPr>
+        <p:spPr/>
+        <p:txBody>
+          <a:bodyPr/>
+          <a:lstStyle/>
+          <a:p>
+            <a:r>
+              <a:rPr lang="nl-NL" dirty="0"/>
+              <a:t>Python training - Datatypes</a:t>
+            </a:r>
+          </a:p>
+        </p:txBody>
+      </p:sp>
+      <p:sp>
+        <p:nvSpPr>
+          <p:cNvPr id="3" name="Tijdelijke aanduiding voor datum 3">
+            <a:extLst>
+              <a:ext uri="{FF2B5EF4-FFF2-40B4-BE49-F238E27FC236}">
+                <a16:creationId xmlns:a16="http://schemas.microsoft.com/office/drawing/2014/main" id="{48113C3B-E335-AF2E-DB2F-E3DC9E3DA210}"/>
+              </a:ext>
+            </a:extLst>
+          </p:cNvPr>
+          <p:cNvSpPr>
+            <a:spLocks noGrp="1"/>
+          </p:cNvSpPr>
+          <p:nvPr>
+            <p:ph type="dt" sz="half" idx="10"/>
+          </p:nvPr>
+        </p:nvSpPr>
+        <p:spPr>
+          <a:xfrm>
+            <a:off x="819204" y="4474105"/>
+            <a:ext cx="1584176" cy="239629"/>
+          </a:xfrm>
+        </p:spPr>
+        <p:txBody>
+          <a:bodyPr/>
+          <a:lstStyle/>
+          <a:p>
+            <a:fld id="{A5595819-24CA-7745-A855-E53B1CFFEB90}" type="datetime1">
+              <a:rPr lang="nl-NL" smtClean="0"/>
+              <a:t>30-09-2025</a:t>
+            </a:fld>
+            <a:endParaRPr lang="nl-NL" dirty="0"/>
+          </a:p>
+        </p:txBody>
+      </p:sp>
+    </p:spTree>
+    <p:extLst>
+      <p:ext uri="{BB962C8B-B14F-4D97-AF65-F5344CB8AC3E}">
+        <p14:creationId xmlns:p14="http://schemas.microsoft.com/office/powerpoint/2010/main" val="1015437369"/>
+      </p:ext>
+    </p:extLst>
+  </p:cSld>
+  <p:clrMapOvr>
+    <a:masterClrMapping/>
+  </p:clrMapOvr>
+</p:sld>
+</file>
+
+<file path=ppt/slides/slide30.xml><?xml version="1.0" encoding="utf-8"?>
 <p:sld xmlns:a="http://schemas.openxmlformats.org/drawingml/2006/main" xmlns:r="http://schemas.openxmlformats.org/officeDocument/2006/relationships" xmlns:p="http://schemas.openxmlformats.org/presentationml/2006/main">
   <p:cSld>
     <p:spTree>
@@ -18475,7 +20257,7 @@
             <a:fld id="{6C885DEC-5AE5-4403-A92E-278225061E43}" type="slidenum">
               <a:rPr lang="nl-NL" smtClean="0"/>
               <a:pPr algn="l"/>
-              <a:t>27</a:t>
+              <a:t>30</a:t>
             </a:fld>
             <a:endParaRPr lang="nl-NL" dirty="0"/>
           </a:p>
@@ -18554,7 +20336,7 @@
 </p:sld>
 </file>
 
-<file path=ppt/slides/slide28.xml><?xml version="1.0" encoding="utf-8"?>
+<file path=ppt/slides/slide31.xml><?xml version="1.0" encoding="utf-8"?>
 <p:sld xmlns:a="http://schemas.openxmlformats.org/drawingml/2006/main" xmlns:r="http://schemas.openxmlformats.org/officeDocument/2006/relationships" xmlns:p="http://schemas.openxmlformats.org/presentationml/2006/main">
   <p:cSld>
     <p:spTree>
@@ -18697,7 +20479,7 @@
             <a:fld id="{6C885DEC-5AE5-4403-A92E-278225061E43}" type="slidenum">
               <a:rPr lang="nl-NL" smtClean="0"/>
               <a:pPr algn="l"/>
-              <a:t>28</a:t>
+              <a:t>31</a:t>
             </a:fld>
             <a:endParaRPr lang="nl-NL" dirty="0"/>
           </a:p>
@@ -19170,7 +20952,7 @@
 </p:sld>
 </file>
 
-<file path=ppt/slides/slide29.xml><?xml version="1.0" encoding="utf-8"?>
+<file path=ppt/slides/slide32.xml><?xml version="1.0" encoding="utf-8"?>
 <p:sld xmlns:a="http://schemas.openxmlformats.org/drawingml/2006/main" xmlns:r="http://schemas.openxmlformats.org/officeDocument/2006/relationships" xmlns:p="http://schemas.openxmlformats.org/presentationml/2006/main">
   <p:cSld>
     <p:spTree>
@@ -19307,7 +21089,7 @@
             <a:fld id="{6C885DEC-5AE5-4403-A92E-278225061E43}" type="slidenum">
               <a:rPr lang="nl-NL" smtClean="0"/>
               <a:pPr algn="l"/>
-              <a:t>29</a:t>
+              <a:t>32</a:t>
             </a:fld>
             <a:endParaRPr lang="nl-NL" dirty="0"/>
           </a:p>
@@ -19566,105 +21348,7 @@
 </p:sld>
 </file>
 
-<file path=ppt/slides/slide3.xml><?xml version="1.0" encoding="utf-8"?>
-<p:sld xmlns:a="http://schemas.openxmlformats.org/drawingml/2006/main" xmlns:r="http://schemas.openxmlformats.org/officeDocument/2006/relationships" xmlns:p="http://schemas.openxmlformats.org/presentationml/2006/main">
-  <p:cSld>
-    <p:spTree>
-      <p:nvGrpSpPr>
-        <p:cNvPr id="1" name="">
-          <a:extLst>
-            <a:ext uri="{FF2B5EF4-FFF2-40B4-BE49-F238E27FC236}">
-              <a16:creationId xmlns:a16="http://schemas.microsoft.com/office/drawing/2014/main" id="{08D54ED1-509E-703A-1D18-05CF5D617016}"/>
-            </a:ext>
-          </a:extLst>
-        </p:cNvPr>
-        <p:cNvGrpSpPr/>
-        <p:nvPr/>
-      </p:nvGrpSpPr>
-      <p:grpSpPr>
-        <a:xfrm>
-          <a:off x="0" y="0"/>
-          <a:ext cx="0" cy="0"/>
-          <a:chOff x="0" y="0"/>
-          <a:chExt cx="0" cy="0"/>
-        </a:xfrm>
-      </p:grpSpPr>
-      <p:sp>
-        <p:nvSpPr>
-          <p:cNvPr id="5" name="Titel 4">
-            <a:extLst>
-              <a:ext uri="{FF2B5EF4-FFF2-40B4-BE49-F238E27FC236}">
-                <a16:creationId xmlns:a16="http://schemas.microsoft.com/office/drawing/2014/main" id="{1835CBD6-52C0-23A7-DF6A-8DDBFF7A5454}"/>
-              </a:ext>
-            </a:extLst>
-          </p:cNvPr>
-          <p:cNvSpPr>
-            <a:spLocks noGrp="1"/>
-          </p:cNvSpPr>
-          <p:nvPr>
-            <p:ph type="ctrTitle"/>
-          </p:nvPr>
-        </p:nvSpPr>
-        <p:spPr/>
-        <p:txBody>
-          <a:bodyPr/>
-          <a:lstStyle/>
-          <a:p>
-            <a:r>
-              <a:rPr lang="nl-NL" dirty="0"/>
-              <a:t>Python training - Datatypes</a:t>
-            </a:r>
-          </a:p>
-        </p:txBody>
-      </p:sp>
-      <p:sp>
-        <p:nvSpPr>
-          <p:cNvPr id="3" name="Tijdelijke aanduiding voor datum 3">
-            <a:extLst>
-              <a:ext uri="{FF2B5EF4-FFF2-40B4-BE49-F238E27FC236}">
-                <a16:creationId xmlns:a16="http://schemas.microsoft.com/office/drawing/2014/main" id="{48113C3B-E335-AF2E-DB2F-E3DC9E3DA210}"/>
-              </a:ext>
-            </a:extLst>
-          </p:cNvPr>
-          <p:cNvSpPr>
-            <a:spLocks noGrp="1"/>
-          </p:cNvSpPr>
-          <p:nvPr>
-            <p:ph type="dt" sz="half" idx="10"/>
-          </p:nvPr>
-        </p:nvSpPr>
-        <p:spPr>
-          <a:xfrm>
-            <a:off x="819204" y="4474105"/>
-            <a:ext cx="1584176" cy="239629"/>
-          </a:xfrm>
-        </p:spPr>
-        <p:txBody>
-          <a:bodyPr/>
-          <a:lstStyle/>
-          <a:p>
-            <a:fld id="{A5595819-24CA-7745-A855-E53B1CFFEB90}" type="datetime1">
-              <a:rPr lang="nl-NL" smtClean="0"/>
-              <a:t>30-09-2025</a:t>
-            </a:fld>
-            <a:endParaRPr lang="nl-NL" dirty="0"/>
-          </a:p>
-        </p:txBody>
-      </p:sp>
-    </p:spTree>
-    <p:extLst>
-      <p:ext uri="{BB962C8B-B14F-4D97-AF65-F5344CB8AC3E}">
-        <p14:creationId xmlns:p14="http://schemas.microsoft.com/office/powerpoint/2010/main" val="1015437369"/>
-      </p:ext>
-    </p:extLst>
-  </p:cSld>
-  <p:clrMapOvr>
-    <a:masterClrMapping/>
-  </p:clrMapOvr>
-</p:sld>
-</file>
-
-<file path=ppt/slides/slide30.xml><?xml version="1.0" encoding="utf-8"?>
+<file path=ppt/slides/slide33.xml><?xml version="1.0" encoding="utf-8"?>
 <p:sld xmlns:a="http://schemas.openxmlformats.org/drawingml/2006/main" xmlns:r="http://schemas.openxmlformats.org/officeDocument/2006/relationships" xmlns:p="http://schemas.openxmlformats.org/presentationml/2006/main">
   <p:cSld>
     <p:spTree>
@@ -19807,7 +21491,7 @@
             <a:fld id="{6C885DEC-5AE5-4403-A92E-278225061E43}" type="slidenum">
               <a:rPr lang="nl-NL" smtClean="0"/>
               <a:pPr algn="l"/>
-              <a:t>30</a:t>
+              <a:t>33</a:t>
             </a:fld>
             <a:endParaRPr lang="nl-NL" dirty="0"/>
           </a:p>
@@ -19904,7 +21588,7 @@
 </p:sld>
 </file>
 
-<file path=ppt/slides/slide31.xml><?xml version="1.0" encoding="utf-8"?>
+<file path=ppt/slides/slide34.xml><?xml version="1.0" encoding="utf-8"?>
 <p:sld xmlns:a="http://schemas.openxmlformats.org/drawingml/2006/main" xmlns:r="http://schemas.openxmlformats.org/officeDocument/2006/relationships" xmlns:p="http://schemas.openxmlformats.org/presentationml/2006/main">
   <p:cSld>
     <p:spTree>
@@ -20047,7 +21731,7 @@
             <a:fld id="{6C885DEC-5AE5-4403-A92E-278225061E43}" type="slidenum">
               <a:rPr lang="nl-NL" smtClean="0"/>
               <a:pPr algn="l"/>
-              <a:t>31</a:t>
+              <a:t>34</a:t>
             </a:fld>
             <a:endParaRPr lang="nl-NL" dirty="0"/>
           </a:p>
@@ -20757,7 +22441,7 @@
 </p:sld>
 </file>
 
-<file path=ppt/slides/slide32.xml><?xml version="1.0" encoding="utf-8"?>
+<file path=ppt/slides/slide35.xml><?xml version="1.0" encoding="utf-8"?>
 <p:sld xmlns:a="http://schemas.openxmlformats.org/drawingml/2006/main" xmlns:r="http://schemas.openxmlformats.org/officeDocument/2006/relationships" xmlns:p="http://schemas.openxmlformats.org/presentationml/2006/main">
   <p:cSld>
     <p:spTree>
@@ -21180,7 +22864,7 @@
             <a:fld id="{6C885DEC-5AE5-4403-A92E-278225061E43}" type="slidenum">
               <a:rPr lang="nl-NL" smtClean="0"/>
               <a:pPr algn="l"/>
-              <a:t>32</a:t>
+              <a:t>35</a:t>
             </a:fld>
             <a:endParaRPr lang="nl-NL" dirty="0"/>
           </a:p>
@@ -21258,7 +22942,7 @@
 </p:sld>
 </file>
 
-<file path=ppt/slides/slide33.xml><?xml version="1.0" encoding="utf-8"?>
+<file path=ppt/slides/slide36.xml><?xml version="1.0" encoding="utf-8"?>
 <p:sld xmlns:a="http://schemas.openxmlformats.org/drawingml/2006/main" xmlns:r="http://schemas.openxmlformats.org/officeDocument/2006/relationships" xmlns:p="http://schemas.openxmlformats.org/presentationml/2006/main">
   <p:cSld>
     <p:spTree>
@@ -21427,7 +23111,7 @@
             <a:fld id="{6C885DEC-5AE5-4403-A92E-278225061E43}" type="slidenum">
               <a:rPr lang="nl-NL" smtClean="0"/>
               <a:pPr algn="l"/>
-              <a:t>33</a:t>
+              <a:t>36</a:t>
             </a:fld>
             <a:endParaRPr lang="nl-NL" dirty="0"/>
           </a:p>
@@ -21536,7 +23220,7 @@
 </p:sld>
 </file>
 
-<file path=ppt/slides/slide34.xml><?xml version="1.0" encoding="utf-8"?>
+<file path=ppt/slides/slide37.xml><?xml version="1.0" encoding="utf-8"?>
 <p:sld xmlns:a="http://schemas.openxmlformats.org/drawingml/2006/main" xmlns:r="http://schemas.openxmlformats.org/officeDocument/2006/relationships" xmlns:p="http://schemas.openxmlformats.org/presentationml/2006/main">
   <p:cSld>
     <p:spTree>
@@ -21703,7 +23387,7 @@
             <a:fld id="{6C885DEC-5AE5-4403-A92E-278225061E43}" type="slidenum">
               <a:rPr lang="nl-NL" smtClean="0"/>
               <a:pPr algn="l"/>
-              <a:t>34</a:t>
+              <a:t>37</a:t>
             </a:fld>
             <a:endParaRPr lang="nl-NL" dirty="0"/>
           </a:p>
@@ -21722,7 +23406,7 @@
 </p:sld>
 </file>
 
-<file path=ppt/slides/slide35.xml><?xml version="1.0" encoding="utf-8"?>
+<file path=ppt/slides/slide38.xml><?xml version="1.0" encoding="utf-8"?>
 <p:sld xmlns:a="http://schemas.openxmlformats.org/drawingml/2006/main" xmlns:r="http://schemas.openxmlformats.org/officeDocument/2006/relationships" xmlns:p="http://schemas.openxmlformats.org/presentationml/2006/main">
   <p:cSld>
     <p:spTree>
@@ -21825,7 +23509,7 @@
 </p:sld>
 </file>
 
-<file path=ppt/slides/slide36.xml><?xml version="1.0" encoding="utf-8"?>
+<file path=ppt/slides/slide39.xml><?xml version="1.0" encoding="utf-8"?>
 <p:sld xmlns:a="http://schemas.openxmlformats.org/drawingml/2006/main" xmlns:r="http://schemas.openxmlformats.org/officeDocument/2006/relationships" xmlns:p="http://schemas.openxmlformats.org/presentationml/2006/main">
   <p:cSld>
     <p:spTree>
@@ -21968,7 +23652,7 @@
             <a:fld id="{6C885DEC-5AE5-4403-A92E-278225061E43}" type="slidenum">
               <a:rPr lang="nl-NL" smtClean="0"/>
               <a:pPr algn="l"/>
-              <a:t>36</a:t>
+              <a:t>39</a:t>
             </a:fld>
             <a:endParaRPr lang="nl-NL" dirty="0"/>
           </a:p>
@@ -22214,7 +23898,286 @@
 </p:sld>
 </file>
 
-<file path=ppt/slides/slide37.xml><?xml version="1.0" encoding="utf-8"?>
+<file path=ppt/slides/slide4.xml><?xml version="1.0" encoding="utf-8"?>
+<p:sld xmlns:a="http://schemas.openxmlformats.org/drawingml/2006/main" xmlns:r="http://schemas.openxmlformats.org/officeDocument/2006/relationships" xmlns:p="http://schemas.openxmlformats.org/presentationml/2006/main">
+  <p:cSld>
+    <p:spTree>
+      <p:nvGrpSpPr>
+        <p:cNvPr id="1" name=""/>
+        <p:cNvGrpSpPr/>
+        <p:nvPr/>
+      </p:nvGrpSpPr>
+      <p:grpSpPr>
+        <a:xfrm>
+          <a:off x="0" y="0"/>
+          <a:ext cx="0" cy="0"/>
+          <a:chOff x="0" y="0"/>
+          <a:chExt cx="0" cy="0"/>
+        </a:xfrm>
+      </p:grpSpPr>
+      <p:sp>
+        <p:nvSpPr>
+          <p:cNvPr id="2" name="Title 1"/>
+          <p:cNvSpPr>
+            <a:spLocks noGrp="1"/>
+          </p:cNvSpPr>
+          <p:nvPr>
+            <p:ph type="title"/>
+          </p:nvPr>
+        </p:nvSpPr>
+        <p:spPr>
+          <a:xfrm>
+            <a:off x="683568" y="627534"/>
+            <a:ext cx="8100000" cy="972000"/>
+          </a:xfrm>
+        </p:spPr>
+        <p:txBody>
+          <a:bodyPr/>
+          <a:lstStyle/>
+          <a:p>
+            <a:r>
+              <a:rPr dirty="0" err="1"/>
+              <a:t>Inhoudsopgave</a:t>
+            </a:r>
+            <a:endParaRPr dirty="0"/>
+          </a:p>
+        </p:txBody>
+      </p:sp>
+      <p:sp>
+        <p:nvSpPr>
+          <p:cNvPr id="3" name="Content Placeholder 2"/>
+          <p:cNvSpPr>
+            <a:spLocks noGrp="1"/>
+          </p:cNvSpPr>
+          <p:nvPr>
+            <p:ph idx="1"/>
+          </p:nvPr>
+        </p:nvSpPr>
+        <p:spPr>
+          <a:xfrm>
+            <a:off x="683568" y="1453586"/>
+            <a:ext cx="8100000" cy="2090381"/>
+          </a:xfrm>
+        </p:spPr>
+        <p:txBody>
+          <a:bodyPr/>
+          <a:lstStyle/>
+          <a:p>
+            <a:endParaRPr dirty="0"/>
+          </a:p>
+          <a:p>
+            <a:pPr>
+              <a:defRPr sz="1800"/>
+            </a:pPr>
+            <a:r>
+              <a:rPr lang="nl-NL" dirty="0"/>
+              <a:t>Wat is Python</a:t>
+            </a:r>
+          </a:p>
+          <a:p>
+            <a:pPr>
+              <a:defRPr sz="1800"/>
+            </a:pPr>
+            <a:r>
+              <a:rPr dirty="0" err="1"/>
+              <a:t>Introductie</a:t>
+            </a:r>
+            <a:r>
+              <a:rPr dirty="0"/>
+              <a:t> </a:t>
+            </a:r>
+            <a:r>
+              <a:rPr lang="nl-NL" dirty="0"/>
+              <a:t>omgevingen (IDE) </a:t>
+            </a:r>
+            <a:r>
+              <a:rPr dirty="0" err="1"/>
+              <a:t>Py</a:t>
+            </a:r>
+            <a:r>
+              <a:rPr lang="nl-NL" dirty="0" err="1"/>
+              <a:t>Charm</a:t>
+            </a:r>
+            <a:r>
+              <a:rPr dirty="0"/>
+              <a:t> &amp; </a:t>
+            </a:r>
+            <a:r>
+              <a:rPr dirty="0" err="1"/>
+              <a:t>Jupyter</a:t>
+            </a:r>
+            <a:endParaRPr dirty="0"/>
+          </a:p>
+          <a:p>
+            <a:pPr>
+              <a:defRPr sz="1800"/>
+            </a:pPr>
+            <a:r>
+              <a:rPr dirty="0" err="1"/>
+              <a:t>Variabelen</a:t>
+            </a:r>
+            <a:r>
+              <a:rPr dirty="0"/>
+              <a:t> </a:t>
+            </a:r>
+            <a:r>
+              <a:rPr dirty="0" err="1"/>
+              <a:t>en</a:t>
+            </a:r>
+            <a:r>
+              <a:rPr dirty="0"/>
+              <a:t> </a:t>
+            </a:r>
+            <a:r>
+              <a:rPr dirty="0" err="1"/>
+              <a:t>naamgeving</a:t>
+            </a:r>
+            <a:endParaRPr lang="nl-NL" dirty="0"/>
+          </a:p>
+          <a:p>
+            <a:pPr>
+              <a:defRPr sz="1800"/>
+            </a:pPr>
+            <a:r>
+              <a:rPr lang="en-NL" dirty="0"/>
+              <a:t>Datatypes</a:t>
+            </a:r>
+            <a:endParaRPr dirty="0"/>
+          </a:p>
+          <a:p>
+            <a:pPr lvl="1">
+              <a:defRPr sz="1800"/>
+            </a:pPr>
+            <a:r>
+              <a:rPr dirty="0" err="1"/>
+              <a:t>Getallen</a:t>
+            </a:r>
+            <a:r>
+              <a:rPr dirty="0"/>
+              <a:t>: int, float</a:t>
+            </a:r>
+            <a:r>
+              <a:rPr lang="nl-NL" dirty="0"/>
+              <a:t>, b</a:t>
+            </a:r>
+            <a:r>
+              <a:rPr dirty="0" err="1"/>
+              <a:t>ooleans</a:t>
+            </a:r>
+            <a:r>
+              <a:rPr dirty="0"/>
+              <a:t> &amp; None</a:t>
+            </a:r>
+            <a:r>
+              <a:rPr lang="nl-NL" dirty="0"/>
+              <a:t>, s</a:t>
+            </a:r>
+            <a:r>
+              <a:rPr dirty="0" err="1"/>
+              <a:t>trings</a:t>
+            </a:r>
+            <a:r>
+              <a:rPr dirty="0"/>
+              <a:t> </a:t>
+            </a:r>
+            <a:endParaRPr lang="nl-NL" dirty="0"/>
+          </a:p>
+          <a:p>
+            <a:pPr lvl="1">
+              <a:defRPr sz="1800"/>
+            </a:pPr>
+            <a:r>
+              <a:rPr lang="nl-NL" dirty="0" err="1"/>
+              <a:t>Controlflow</a:t>
+            </a:r>
+            <a:r>
+              <a:rPr lang="nl-NL" dirty="0"/>
+              <a:t> </a:t>
+            </a:r>
+            <a:r>
+              <a:rPr lang="nl-NL" dirty="0" err="1"/>
+              <a:t>if</a:t>
+            </a:r>
+            <a:r>
+              <a:rPr lang="nl-NL" dirty="0"/>
+              <a:t>-statement </a:t>
+            </a:r>
+          </a:p>
+          <a:p>
+            <a:pPr>
+              <a:defRPr sz="1800"/>
+            </a:pPr>
+            <a:r>
+              <a:rPr lang="nl-NL" dirty="0"/>
+              <a:t>Data </a:t>
+            </a:r>
+            <a:r>
+              <a:rPr lang="nl-NL" dirty="0" err="1"/>
+              <a:t>Structures</a:t>
+            </a:r>
+            <a:r>
+              <a:rPr dirty="0"/>
+              <a:t>: </a:t>
+            </a:r>
+            <a:endParaRPr lang="nl-NL" dirty="0"/>
+          </a:p>
+          <a:p>
+            <a:pPr lvl="1">
+              <a:defRPr sz="1800"/>
+            </a:pPr>
+            <a:r>
+              <a:rPr lang="en-GB" dirty="0"/>
+              <a:t>L</a:t>
+            </a:r>
+            <a:r>
+              <a:rPr dirty="0" err="1"/>
+              <a:t>ist</a:t>
+            </a:r>
+            <a:r>
+              <a:rPr lang="nl-NL" dirty="0"/>
+              <a:t>, </a:t>
+            </a:r>
+            <a:r>
+              <a:rPr dirty="0"/>
+              <a:t>tuple, set, </a:t>
+            </a:r>
+            <a:r>
+              <a:rPr dirty="0" err="1"/>
+              <a:t>dict</a:t>
+            </a:r>
+            <a:endParaRPr lang="nl-NL" dirty="0"/>
+          </a:p>
+          <a:p>
+            <a:pPr lvl="1">
+              <a:defRPr sz="1800"/>
+            </a:pPr>
+            <a:r>
+              <a:rPr lang="nl-NL" dirty="0"/>
+              <a:t>For-Loop</a:t>
+            </a:r>
+            <a:endParaRPr dirty="0"/>
+          </a:p>
+          <a:p>
+            <a:pPr>
+              <a:defRPr sz="1800"/>
+            </a:pPr>
+            <a:r>
+              <a:rPr dirty="0" err="1"/>
+              <a:t>Oefeningen</a:t>
+            </a:r>
+            <a:endParaRPr dirty="0"/>
+          </a:p>
+        </p:txBody>
+      </p:sp>
+    </p:spTree>
+  </p:cSld>
+  <p:clrMapOvr>
+    <a:masterClrMapping/>
+  </p:clrMapOvr>
+</p:sld>
+</file>
+
+<file path=ppt/slides/slide40.xml><?xml version="1.0" encoding="utf-8"?>
 <p:sld xmlns:a="http://schemas.openxmlformats.org/drawingml/2006/main" xmlns:r="http://schemas.openxmlformats.org/officeDocument/2006/relationships" xmlns:p="http://schemas.openxmlformats.org/presentationml/2006/main">
   <p:cSld>
     <p:spTree>
@@ -22357,7 +24320,7 @@
             <a:fld id="{6C885DEC-5AE5-4403-A92E-278225061E43}" type="slidenum">
               <a:rPr lang="nl-NL" smtClean="0"/>
               <a:pPr algn="l"/>
-              <a:t>37</a:t>
+              <a:t>40</a:t>
             </a:fld>
             <a:endParaRPr lang="nl-NL" dirty="0"/>
           </a:p>
@@ -22406,7 +24369,7 @@
 </p:sld>
 </file>
 
-<file path=ppt/slides/slide38.xml><?xml version="1.0" encoding="utf-8"?>
+<file path=ppt/slides/slide41.xml><?xml version="1.0" encoding="utf-8"?>
 <p:sld xmlns:a="http://schemas.openxmlformats.org/drawingml/2006/main" xmlns:r="http://schemas.openxmlformats.org/officeDocument/2006/relationships" xmlns:p="http://schemas.openxmlformats.org/presentationml/2006/main">
   <p:cSld>
     <p:spTree>
@@ -22549,7 +24512,7 @@
             <a:fld id="{6C885DEC-5AE5-4403-A92E-278225061E43}" type="slidenum">
               <a:rPr lang="nl-NL" smtClean="0"/>
               <a:pPr algn="l"/>
-              <a:t>38</a:t>
+              <a:t>41</a:t>
             </a:fld>
             <a:endParaRPr lang="nl-NL" dirty="0"/>
           </a:p>
@@ -22598,7 +24561,7 @@
 </p:sld>
 </file>
 
-<file path=ppt/slides/slide39.xml><?xml version="1.0" encoding="utf-8"?>
+<file path=ppt/slides/slide42.xml><?xml version="1.0" encoding="utf-8"?>
 <p:sld xmlns:a="http://schemas.openxmlformats.org/drawingml/2006/main" xmlns:r="http://schemas.openxmlformats.org/officeDocument/2006/relationships" xmlns:p="http://schemas.openxmlformats.org/presentationml/2006/main">
   <p:cSld>
     <p:spTree>
@@ -22741,7 +24704,7 @@
             <a:fld id="{6C885DEC-5AE5-4403-A92E-278225061E43}" type="slidenum">
               <a:rPr lang="nl-NL" smtClean="0"/>
               <a:pPr algn="l"/>
-              <a:t>39</a:t>
+              <a:t>42</a:t>
             </a:fld>
             <a:endParaRPr lang="nl-NL" dirty="0"/>
           </a:p>
@@ -23323,286 +25286,7 @@
 </p:sld>
 </file>
 
-<file path=ppt/slides/slide4.xml><?xml version="1.0" encoding="utf-8"?>
-<p:sld xmlns:a="http://schemas.openxmlformats.org/drawingml/2006/main" xmlns:r="http://schemas.openxmlformats.org/officeDocument/2006/relationships" xmlns:p="http://schemas.openxmlformats.org/presentationml/2006/main">
-  <p:cSld>
-    <p:spTree>
-      <p:nvGrpSpPr>
-        <p:cNvPr id="1" name=""/>
-        <p:cNvGrpSpPr/>
-        <p:nvPr/>
-      </p:nvGrpSpPr>
-      <p:grpSpPr>
-        <a:xfrm>
-          <a:off x="0" y="0"/>
-          <a:ext cx="0" cy="0"/>
-          <a:chOff x="0" y="0"/>
-          <a:chExt cx="0" cy="0"/>
-        </a:xfrm>
-      </p:grpSpPr>
-      <p:sp>
-        <p:nvSpPr>
-          <p:cNvPr id="2" name="Title 1"/>
-          <p:cNvSpPr>
-            <a:spLocks noGrp="1"/>
-          </p:cNvSpPr>
-          <p:nvPr>
-            <p:ph type="title"/>
-          </p:nvPr>
-        </p:nvSpPr>
-        <p:spPr>
-          <a:xfrm>
-            <a:off x="683568" y="627534"/>
-            <a:ext cx="8100000" cy="972000"/>
-          </a:xfrm>
-        </p:spPr>
-        <p:txBody>
-          <a:bodyPr/>
-          <a:lstStyle/>
-          <a:p>
-            <a:r>
-              <a:rPr dirty="0" err="1"/>
-              <a:t>Inhoudsopgave</a:t>
-            </a:r>
-            <a:endParaRPr dirty="0"/>
-          </a:p>
-        </p:txBody>
-      </p:sp>
-      <p:sp>
-        <p:nvSpPr>
-          <p:cNvPr id="3" name="Content Placeholder 2"/>
-          <p:cNvSpPr>
-            <a:spLocks noGrp="1"/>
-          </p:cNvSpPr>
-          <p:nvPr>
-            <p:ph idx="1"/>
-          </p:nvPr>
-        </p:nvSpPr>
-        <p:spPr>
-          <a:xfrm>
-            <a:off x="683568" y="1453586"/>
-            <a:ext cx="8100000" cy="2090381"/>
-          </a:xfrm>
-        </p:spPr>
-        <p:txBody>
-          <a:bodyPr/>
-          <a:lstStyle/>
-          <a:p>
-            <a:endParaRPr dirty="0"/>
-          </a:p>
-          <a:p>
-            <a:pPr>
-              <a:defRPr sz="1800"/>
-            </a:pPr>
-            <a:r>
-              <a:rPr lang="nl-NL" dirty="0"/>
-              <a:t>Wat is Python</a:t>
-            </a:r>
-          </a:p>
-          <a:p>
-            <a:pPr>
-              <a:defRPr sz="1800"/>
-            </a:pPr>
-            <a:r>
-              <a:rPr dirty="0" err="1"/>
-              <a:t>Introductie</a:t>
-            </a:r>
-            <a:r>
-              <a:rPr dirty="0"/>
-              <a:t> </a:t>
-            </a:r>
-            <a:r>
-              <a:rPr lang="nl-NL" dirty="0"/>
-              <a:t>omgevingen (IDE) </a:t>
-            </a:r>
-            <a:r>
-              <a:rPr dirty="0" err="1"/>
-              <a:t>Py</a:t>
-            </a:r>
-            <a:r>
-              <a:rPr lang="nl-NL" dirty="0" err="1"/>
-              <a:t>Charm</a:t>
-            </a:r>
-            <a:r>
-              <a:rPr dirty="0"/>
-              <a:t> &amp; </a:t>
-            </a:r>
-            <a:r>
-              <a:rPr dirty="0" err="1"/>
-              <a:t>Jupyter</a:t>
-            </a:r>
-            <a:endParaRPr dirty="0"/>
-          </a:p>
-          <a:p>
-            <a:pPr>
-              <a:defRPr sz="1800"/>
-            </a:pPr>
-            <a:r>
-              <a:rPr dirty="0" err="1"/>
-              <a:t>Variabelen</a:t>
-            </a:r>
-            <a:r>
-              <a:rPr dirty="0"/>
-              <a:t> </a:t>
-            </a:r>
-            <a:r>
-              <a:rPr dirty="0" err="1"/>
-              <a:t>en</a:t>
-            </a:r>
-            <a:r>
-              <a:rPr dirty="0"/>
-              <a:t> </a:t>
-            </a:r>
-            <a:r>
-              <a:rPr dirty="0" err="1"/>
-              <a:t>naamgeving</a:t>
-            </a:r>
-            <a:endParaRPr lang="nl-NL" dirty="0"/>
-          </a:p>
-          <a:p>
-            <a:pPr>
-              <a:defRPr sz="1800"/>
-            </a:pPr>
-            <a:r>
-              <a:rPr lang="en-NL" dirty="0"/>
-              <a:t>Datatypes</a:t>
-            </a:r>
-            <a:endParaRPr dirty="0"/>
-          </a:p>
-          <a:p>
-            <a:pPr lvl="1">
-              <a:defRPr sz="1800"/>
-            </a:pPr>
-            <a:r>
-              <a:rPr dirty="0" err="1"/>
-              <a:t>Getallen</a:t>
-            </a:r>
-            <a:r>
-              <a:rPr dirty="0"/>
-              <a:t>: int, float</a:t>
-            </a:r>
-            <a:r>
-              <a:rPr lang="nl-NL" dirty="0"/>
-              <a:t>, b</a:t>
-            </a:r>
-            <a:r>
-              <a:rPr dirty="0" err="1"/>
-              <a:t>ooleans</a:t>
-            </a:r>
-            <a:r>
-              <a:rPr dirty="0"/>
-              <a:t> &amp; None</a:t>
-            </a:r>
-            <a:r>
-              <a:rPr lang="nl-NL" dirty="0"/>
-              <a:t>, s</a:t>
-            </a:r>
-            <a:r>
-              <a:rPr dirty="0" err="1"/>
-              <a:t>trings</a:t>
-            </a:r>
-            <a:r>
-              <a:rPr dirty="0"/>
-              <a:t> </a:t>
-            </a:r>
-            <a:endParaRPr lang="nl-NL" dirty="0"/>
-          </a:p>
-          <a:p>
-            <a:pPr lvl="1">
-              <a:defRPr sz="1800"/>
-            </a:pPr>
-            <a:r>
-              <a:rPr lang="nl-NL" dirty="0" err="1"/>
-              <a:t>Controlflow</a:t>
-            </a:r>
-            <a:r>
-              <a:rPr lang="nl-NL" dirty="0"/>
-              <a:t> </a:t>
-            </a:r>
-            <a:r>
-              <a:rPr lang="nl-NL" dirty="0" err="1"/>
-              <a:t>if</a:t>
-            </a:r>
-            <a:r>
-              <a:rPr lang="nl-NL" dirty="0"/>
-              <a:t>-statement </a:t>
-            </a:r>
-          </a:p>
-          <a:p>
-            <a:pPr>
-              <a:defRPr sz="1800"/>
-            </a:pPr>
-            <a:r>
-              <a:rPr lang="nl-NL" dirty="0"/>
-              <a:t>Data</a:t>
-            </a:r>
-            <a:r>
-              <a:rPr dirty="0" err="1"/>
-              <a:t>Collecties</a:t>
-            </a:r>
-            <a:r>
-              <a:rPr dirty="0"/>
-              <a:t>: </a:t>
-            </a:r>
-            <a:endParaRPr lang="nl-NL" dirty="0"/>
-          </a:p>
-          <a:p>
-            <a:pPr lvl="1">
-              <a:defRPr sz="1800"/>
-            </a:pPr>
-            <a:r>
-              <a:rPr lang="en-GB" dirty="0"/>
-              <a:t>L</a:t>
-            </a:r>
-            <a:r>
-              <a:rPr dirty="0" err="1"/>
-              <a:t>ist</a:t>
-            </a:r>
-            <a:r>
-              <a:rPr lang="nl-NL" dirty="0"/>
-              <a:t>, </a:t>
-            </a:r>
-            <a:r>
-              <a:rPr dirty="0"/>
-              <a:t>tuple, set, </a:t>
-            </a:r>
-            <a:r>
-              <a:rPr dirty="0" err="1"/>
-              <a:t>dict</a:t>
-            </a:r>
-            <a:endParaRPr lang="nl-NL" dirty="0"/>
-          </a:p>
-          <a:p>
-            <a:pPr lvl="1">
-              <a:defRPr sz="1800"/>
-            </a:pPr>
-            <a:r>
-              <a:rPr lang="nl-NL" dirty="0"/>
-              <a:t>For-Loop</a:t>
-            </a:r>
-            <a:endParaRPr dirty="0"/>
-          </a:p>
-          <a:p>
-            <a:pPr>
-              <a:defRPr sz="1800"/>
-            </a:pPr>
-            <a:r>
-              <a:rPr dirty="0" err="1"/>
-              <a:t>Oefeningen</a:t>
-            </a:r>
-            <a:endParaRPr dirty="0"/>
-          </a:p>
-        </p:txBody>
-      </p:sp>
-    </p:spTree>
-  </p:cSld>
-  <p:clrMapOvr>
-    <a:masterClrMapping/>
-  </p:clrMapOvr>
-</p:sld>
-</file>
-
-<file path=ppt/slides/slide40.xml><?xml version="1.0" encoding="utf-8"?>
+<file path=ppt/slides/slide43.xml><?xml version="1.0" encoding="utf-8"?>
 <p:sld xmlns:a="http://schemas.openxmlformats.org/drawingml/2006/main" xmlns:r="http://schemas.openxmlformats.org/officeDocument/2006/relationships" xmlns:p="http://schemas.openxmlformats.org/presentationml/2006/main">
   <p:cSld>
     <p:spTree>
@@ -23745,7 +25429,7 @@
             <a:fld id="{6C885DEC-5AE5-4403-A92E-278225061E43}" type="slidenum">
               <a:rPr lang="nl-NL" smtClean="0"/>
               <a:pPr algn="l"/>
-              <a:t>40</a:t>
+              <a:t>43</a:t>
             </a:fld>
             <a:endParaRPr lang="nl-NL" dirty="0"/>
           </a:p>
@@ -24009,7 +25693,7 @@
 </p:sld>
 </file>
 
-<file path=ppt/slides/slide41.xml><?xml version="1.0" encoding="utf-8"?>
+<file path=ppt/slides/slide44.xml><?xml version="1.0" encoding="utf-8"?>
 <p:sld xmlns:a="http://schemas.openxmlformats.org/drawingml/2006/main" xmlns:r="http://schemas.openxmlformats.org/officeDocument/2006/relationships" xmlns:p="http://schemas.openxmlformats.org/presentationml/2006/main">
   <p:cSld>
     <p:spTree>
@@ -24152,7 +25836,7 @@
             <a:fld id="{6C885DEC-5AE5-4403-A92E-278225061E43}" type="slidenum">
               <a:rPr lang="nl-NL" smtClean="0"/>
               <a:pPr algn="l"/>
-              <a:t>41</a:t>
+              <a:t>44</a:t>
             </a:fld>
             <a:endParaRPr lang="nl-NL" dirty="0"/>
           </a:p>
@@ -24231,7 +25915,7 @@
 </p:sld>
 </file>
 
-<file path=ppt/slides/slide42.xml><?xml version="1.0" encoding="utf-8"?>
+<file path=ppt/slides/slide45.xml><?xml version="1.0" encoding="utf-8"?>
 <p:sld xmlns:a="http://schemas.openxmlformats.org/drawingml/2006/main" xmlns:r="http://schemas.openxmlformats.org/officeDocument/2006/relationships" xmlns:p="http://schemas.openxmlformats.org/presentationml/2006/main">
   <p:cSld>
     <p:spTree>
@@ -24374,7 +26058,7 @@
             <a:fld id="{6C885DEC-5AE5-4403-A92E-278225061E43}" type="slidenum">
               <a:rPr lang="nl-NL" smtClean="0"/>
               <a:pPr algn="l"/>
-              <a:t>42</a:t>
+              <a:t>45</a:t>
             </a:fld>
             <a:endParaRPr lang="nl-NL" dirty="0"/>
           </a:p>
@@ -24952,7 +26636,7 @@
 </p:sld>
 </file>
 
-<file path=ppt/slides/slide43.xml><?xml version="1.0" encoding="utf-8"?>
+<file path=ppt/slides/slide46.xml><?xml version="1.0" encoding="utf-8"?>
 <p:sld xmlns:a="http://schemas.openxmlformats.org/drawingml/2006/main" xmlns:r="http://schemas.openxmlformats.org/officeDocument/2006/relationships" xmlns:p="http://schemas.openxmlformats.org/presentationml/2006/main">
   <p:cSld>
     <p:spTree>
@@ -25095,7 +26779,7 @@
             <a:fld id="{6C885DEC-5AE5-4403-A92E-278225061E43}" type="slidenum">
               <a:rPr lang="nl-NL" smtClean="0"/>
               <a:pPr algn="l"/>
-              <a:t>43</a:t>
+              <a:t>46</a:t>
             </a:fld>
             <a:endParaRPr lang="nl-NL" dirty="0"/>
           </a:p>
@@ -25379,7 +27063,7 @@
 </p:sld>
 </file>
 
-<file path=ppt/slides/slide44.xml><?xml version="1.0" encoding="utf-8"?>
+<file path=ppt/slides/slide47.xml><?xml version="1.0" encoding="utf-8"?>
 <p:sld xmlns:a="http://schemas.openxmlformats.org/drawingml/2006/main" xmlns:r="http://schemas.openxmlformats.org/officeDocument/2006/relationships" xmlns:p="http://schemas.openxmlformats.org/presentationml/2006/main">
   <p:cSld>
     <p:spTree>
@@ -25522,7 +27206,7 @@
             <a:fld id="{6C885DEC-5AE5-4403-A92E-278225061E43}" type="slidenum">
               <a:rPr lang="nl-NL" smtClean="0"/>
               <a:pPr algn="l"/>
-              <a:t>44</a:t>
+              <a:t>47</a:t>
             </a:fld>
             <a:endParaRPr lang="nl-NL" dirty="0"/>
           </a:p>
@@ -25601,7 +27285,7 @@
 </p:sld>
 </file>
 
-<file path=ppt/slides/slide45.xml><?xml version="1.0" encoding="utf-8"?>
+<file path=ppt/slides/slide48.xml><?xml version="1.0" encoding="utf-8"?>
 <p:sld xmlns:a="http://schemas.openxmlformats.org/drawingml/2006/main" xmlns:r="http://schemas.openxmlformats.org/officeDocument/2006/relationships" xmlns:p="http://schemas.openxmlformats.org/presentationml/2006/main">
   <p:cSld>
     <p:spTree>
@@ -25744,7 +27428,7 @@
             <a:fld id="{6C885DEC-5AE5-4403-A92E-278225061E43}" type="slidenum">
               <a:rPr lang="nl-NL" smtClean="0"/>
               <a:pPr algn="l"/>
-              <a:t>45</a:t>
+              <a:t>48</a:t>
             </a:fld>
             <a:endParaRPr lang="nl-NL" dirty="0"/>
           </a:p>
@@ -26320,7 +28004,7 @@
 </p:sld>
 </file>
 
-<file path=ppt/slides/slide46.xml><?xml version="1.0" encoding="utf-8"?>
+<file path=ppt/slides/slide49.xml><?xml version="1.0" encoding="utf-8"?>
 <p:sld xmlns:a="http://schemas.openxmlformats.org/drawingml/2006/main" xmlns:r="http://schemas.openxmlformats.org/officeDocument/2006/relationships" xmlns:p="http://schemas.openxmlformats.org/presentationml/2006/main">
   <p:cSld>
     <p:spTree>
@@ -26463,7 +28147,7 @@
             <a:fld id="{6C885DEC-5AE5-4403-A92E-278225061E43}" type="slidenum">
               <a:rPr lang="nl-NL" smtClean="0"/>
               <a:pPr algn="l"/>
-              <a:t>46</a:t>
+              <a:t>49</a:t>
             </a:fld>
             <a:endParaRPr lang="nl-NL" dirty="0"/>
           </a:p>
@@ -26747,7 +28431,784 @@
 </p:sld>
 </file>
 
-<file path=ppt/slides/slide47.xml><?xml version="1.0" encoding="utf-8"?>
+<file path=ppt/slides/slide5.xml><?xml version="1.0" encoding="utf-8"?>
+<p:sld xmlns:a="http://schemas.openxmlformats.org/drawingml/2006/main" xmlns:r="http://schemas.openxmlformats.org/officeDocument/2006/relationships" xmlns:p="http://schemas.openxmlformats.org/presentationml/2006/main">
+  <p:cSld>
+    <p:spTree>
+      <p:nvGrpSpPr>
+        <p:cNvPr id="1" name=""/>
+        <p:cNvGrpSpPr/>
+        <p:nvPr/>
+      </p:nvGrpSpPr>
+      <p:grpSpPr>
+        <a:xfrm>
+          <a:off x="0" y="0"/>
+          <a:ext cx="0" cy="0"/>
+          <a:chOff x="0" y="0"/>
+          <a:chExt cx="0" cy="0"/>
+        </a:xfrm>
+      </p:grpSpPr>
+      <p:sp>
+        <p:nvSpPr>
+          <p:cNvPr id="2" name="Title 1">
+            <a:extLst>
+              <a:ext uri="{FF2B5EF4-FFF2-40B4-BE49-F238E27FC236}">
+                <a16:creationId xmlns:a16="http://schemas.microsoft.com/office/drawing/2014/main" id="{34575575-617F-940E-195C-B1DB86E2AC5D}"/>
+              </a:ext>
+            </a:extLst>
+          </p:cNvPr>
+          <p:cNvSpPr>
+            <a:spLocks noGrp="1"/>
+          </p:cNvSpPr>
+          <p:nvPr>
+            <p:ph type="title"/>
+          </p:nvPr>
+        </p:nvSpPr>
+        <p:spPr>
+          <a:xfrm>
+            <a:off x="681765" y="627534"/>
+            <a:ext cx="8100000" cy="972000"/>
+          </a:xfrm>
+        </p:spPr>
+        <p:txBody>
+          <a:bodyPr/>
+          <a:lstStyle/>
+          <a:p>
+            <a:r>
+              <a:rPr lang="en-NL" dirty="0"/>
+              <a:t>Wat is python</a:t>
+            </a:r>
+          </a:p>
+        </p:txBody>
+      </p:sp>
+      <p:sp>
+        <p:nvSpPr>
+          <p:cNvPr id="3" name="Content Placeholder 2">
+            <a:extLst>
+              <a:ext uri="{FF2B5EF4-FFF2-40B4-BE49-F238E27FC236}">
+                <a16:creationId xmlns:a16="http://schemas.microsoft.com/office/drawing/2014/main" id="{73EE79E9-2897-C80C-451E-2ED4BED2DA85}"/>
+              </a:ext>
+            </a:extLst>
+          </p:cNvPr>
+          <p:cNvSpPr>
+            <a:spLocks noGrp="1"/>
+          </p:cNvSpPr>
+          <p:nvPr>
+            <p:ph idx="1"/>
+          </p:nvPr>
+        </p:nvSpPr>
+        <p:spPr>
+          <a:xfrm>
+            <a:off x="689099" y="1491631"/>
+            <a:ext cx="8100000" cy="3245872"/>
+          </a:xfrm>
+        </p:spPr>
+        <p:txBody>
+          <a:bodyPr/>
+          <a:lstStyle/>
+          <a:p>
+            <a:pPr>
+              <a:buFont typeface="Arial" panose="020B0604020202020204" pitchFamily="34" charset="0"/>
+              <a:buChar char="•"/>
+            </a:pPr>
+            <a:r>
+              <a:rPr lang="en-GB" sz="1400" b="1" dirty="0" err="1"/>
+              <a:t>Programmeertaal</a:t>
+            </a:r>
+            <a:r>
+              <a:rPr lang="en-GB" sz="1400" b="1" dirty="0"/>
+              <a:t> </a:t>
+            </a:r>
+            <a:r>
+              <a:rPr lang="en-GB" sz="1400" b="1" dirty="0" err="1"/>
+              <a:t>sinds</a:t>
+            </a:r>
+            <a:r>
+              <a:rPr lang="en-GB" sz="1400" b="1" dirty="0"/>
+              <a:t> 1991</a:t>
+            </a:r>
+            <a:r>
+              <a:rPr lang="en-GB" sz="1400" dirty="0"/>
+              <a:t>, </a:t>
+            </a:r>
+            <a:r>
+              <a:rPr lang="en-GB" sz="1400" dirty="0" err="1"/>
+              <a:t>ontwikkeld</a:t>
+            </a:r>
+            <a:r>
+              <a:rPr lang="en-GB" sz="1400" dirty="0"/>
+              <a:t> door Guido van Rossum.</a:t>
+            </a:r>
+          </a:p>
+          <a:p>
+            <a:pPr>
+              <a:buFont typeface="Arial" panose="020B0604020202020204" pitchFamily="34" charset="0"/>
+              <a:buChar char="•"/>
+            </a:pPr>
+            <a:r>
+              <a:rPr lang="en-GB" sz="1400" dirty="0" err="1"/>
+              <a:t>Bekend</a:t>
+            </a:r>
+            <a:r>
+              <a:rPr lang="en-GB" sz="1400" dirty="0"/>
+              <a:t> om de </a:t>
+            </a:r>
+            <a:r>
+              <a:rPr lang="en-GB" sz="1400" b="1" dirty="0" err="1"/>
+              <a:t>leesbare</a:t>
+            </a:r>
+            <a:r>
+              <a:rPr lang="en-GB" sz="1400" b="1" dirty="0"/>
+              <a:t> </a:t>
+            </a:r>
+            <a:r>
+              <a:rPr lang="en-GB" sz="1400" b="1" dirty="0" err="1"/>
+              <a:t>en</a:t>
+            </a:r>
+            <a:r>
+              <a:rPr lang="en-GB" sz="1400" b="1" dirty="0"/>
+              <a:t> </a:t>
+            </a:r>
+            <a:r>
+              <a:rPr lang="en-GB" sz="1400" b="1" dirty="0" err="1"/>
+              <a:t>eenvoudige</a:t>
+            </a:r>
+            <a:r>
+              <a:rPr lang="en-GB" sz="1400" b="1" dirty="0"/>
+              <a:t> syntax</a:t>
+            </a:r>
+            <a:r>
+              <a:rPr lang="en-GB" sz="1400" dirty="0"/>
+              <a:t> (</a:t>
+            </a:r>
+            <a:r>
+              <a:rPr lang="en-GB" sz="1400" dirty="0" err="1"/>
+              <a:t>lijkt</a:t>
+            </a:r>
+            <a:r>
+              <a:rPr lang="en-GB" sz="1400" dirty="0"/>
+              <a:t> </a:t>
+            </a:r>
+            <a:r>
+              <a:rPr lang="en-GB" sz="1400" dirty="0" err="1"/>
+              <a:t>bijna</a:t>
+            </a:r>
+            <a:r>
+              <a:rPr lang="en-GB" sz="1400" dirty="0"/>
+              <a:t> op </a:t>
+            </a:r>
+            <a:r>
+              <a:rPr lang="en-GB" sz="1400" dirty="0" err="1"/>
+              <a:t>gewone</a:t>
+            </a:r>
+            <a:r>
+              <a:rPr lang="en-GB" sz="1400" dirty="0"/>
+              <a:t> taal).</a:t>
+            </a:r>
+          </a:p>
+          <a:p>
+            <a:pPr>
+              <a:buFont typeface="Arial" panose="020B0604020202020204" pitchFamily="34" charset="0"/>
+              <a:buChar char="•"/>
+            </a:pPr>
+            <a:r>
+              <a:rPr lang="en-GB" sz="1400" b="1" dirty="0" err="1"/>
+              <a:t>Interpreteertaal</a:t>
+            </a:r>
+            <a:r>
+              <a:rPr lang="en-GB" sz="1400" dirty="0"/>
+              <a:t>: de code </a:t>
+            </a:r>
+            <a:r>
+              <a:rPr lang="en-GB" sz="1400" dirty="0" err="1"/>
+              <a:t>wordt</a:t>
+            </a:r>
+            <a:r>
+              <a:rPr lang="en-GB" sz="1400" dirty="0"/>
+              <a:t> regel </a:t>
+            </a:r>
+            <a:r>
+              <a:rPr lang="en-GB" sz="1400" dirty="0" err="1"/>
+              <a:t>voor</a:t>
+            </a:r>
+            <a:r>
+              <a:rPr lang="en-GB" sz="1400" dirty="0"/>
+              <a:t> regel </a:t>
+            </a:r>
+            <a:r>
+              <a:rPr lang="en-GB" sz="1400" dirty="0" err="1"/>
+              <a:t>uitgevoerd</a:t>
+            </a:r>
+            <a:r>
+              <a:rPr lang="en-GB" sz="1400" dirty="0"/>
+              <a:t> → </a:t>
+            </a:r>
+            <a:r>
+              <a:rPr lang="en-GB" sz="1400" dirty="0" err="1"/>
+              <a:t>snel</a:t>
+            </a:r>
+            <a:r>
+              <a:rPr lang="en-GB" sz="1400" dirty="0"/>
+              <a:t> </a:t>
+            </a:r>
+            <a:r>
+              <a:rPr lang="en-GB" sz="1400" dirty="0" err="1"/>
+              <a:t>testen</a:t>
+            </a:r>
+            <a:r>
+              <a:rPr lang="en-GB" sz="1400" dirty="0"/>
+              <a:t> </a:t>
+            </a:r>
+            <a:r>
+              <a:rPr lang="en-GB" sz="1400" dirty="0" err="1"/>
+              <a:t>en</a:t>
+            </a:r>
+            <a:r>
+              <a:rPr lang="en-GB" sz="1400" dirty="0"/>
+              <a:t> </a:t>
+            </a:r>
+            <a:r>
+              <a:rPr lang="en-GB" sz="1400" dirty="0" err="1"/>
+              <a:t>leren</a:t>
+            </a:r>
+            <a:r>
+              <a:rPr lang="en-GB" sz="1400" dirty="0"/>
+              <a:t>.</a:t>
+            </a:r>
+          </a:p>
+          <a:p>
+            <a:pPr>
+              <a:buFont typeface="Arial" panose="020B0604020202020204" pitchFamily="34" charset="0"/>
+              <a:buChar char="•"/>
+            </a:pPr>
+            <a:r>
+              <a:rPr lang="en-GB" sz="1400" b="1" dirty="0" err="1"/>
+              <a:t>Dynamisch</a:t>
+            </a:r>
+            <a:r>
+              <a:rPr lang="en-GB" sz="1400" b="1" dirty="0"/>
+              <a:t> </a:t>
+            </a:r>
+            <a:r>
+              <a:rPr lang="en-GB" sz="1400" b="1" dirty="0" err="1"/>
+              <a:t>getypeerd</a:t>
+            </a:r>
+            <a:r>
+              <a:rPr lang="en-GB" sz="1400" dirty="0"/>
+              <a:t>: je </a:t>
+            </a:r>
+            <a:r>
+              <a:rPr lang="en-GB" sz="1400" dirty="0" err="1"/>
+              <a:t>hoeft</a:t>
+            </a:r>
+            <a:r>
+              <a:rPr lang="en-GB" sz="1400" dirty="0"/>
+              <a:t> </a:t>
+            </a:r>
+            <a:r>
+              <a:rPr lang="en-GB" sz="1400" dirty="0" err="1"/>
+              <a:t>geen</a:t>
+            </a:r>
+            <a:r>
+              <a:rPr lang="en-GB" sz="1400" dirty="0"/>
+              <a:t> type op </a:t>
+            </a:r>
+            <a:r>
+              <a:rPr lang="en-GB" sz="1400" dirty="0" err="1"/>
+              <a:t>voorhand</a:t>
+            </a:r>
+            <a:r>
+              <a:rPr lang="en-GB" sz="1400" dirty="0"/>
+              <a:t> </a:t>
+            </a:r>
+            <a:r>
+              <a:rPr lang="en-GB" sz="1400" dirty="0" err="1"/>
+              <a:t>te</a:t>
+            </a:r>
+            <a:r>
+              <a:rPr lang="en-GB" sz="1400" dirty="0"/>
+              <a:t> </a:t>
+            </a:r>
+            <a:r>
+              <a:rPr lang="en-GB" sz="1400" dirty="0" err="1"/>
+              <a:t>definiëren</a:t>
+            </a:r>
+            <a:r>
+              <a:rPr lang="en-GB" sz="1400" dirty="0"/>
+              <a:t> (x = 5 </a:t>
+            </a:r>
+            <a:r>
+              <a:rPr lang="en-GB" sz="1400" dirty="0" err="1"/>
+              <a:t>i.p.v</a:t>
+            </a:r>
+            <a:r>
+              <a:rPr lang="en-GB" sz="1400" dirty="0"/>
+              <a:t>. int x = 5).</a:t>
+            </a:r>
+          </a:p>
+          <a:p>
+            <a:pPr>
+              <a:buFont typeface="Arial" panose="020B0604020202020204" pitchFamily="34" charset="0"/>
+              <a:buChar char="•"/>
+            </a:pPr>
+            <a:r>
+              <a:rPr lang="en-GB" sz="1400" b="1" dirty="0"/>
+              <a:t>Cross-platform</a:t>
+            </a:r>
+            <a:r>
+              <a:rPr lang="en-GB" sz="1400" dirty="0"/>
+              <a:t>: </a:t>
+            </a:r>
+            <a:r>
+              <a:rPr lang="en-GB" sz="1400" dirty="0" err="1"/>
+              <a:t>draait</a:t>
+            </a:r>
+            <a:r>
+              <a:rPr lang="en-GB" sz="1400" dirty="0"/>
+              <a:t> op Windows, macOS </a:t>
+            </a:r>
+            <a:r>
+              <a:rPr lang="en-GB" sz="1400" dirty="0" err="1"/>
+              <a:t>en</a:t>
+            </a:r>
+            <a:r>
+              <a:rPr lang="en-GB" sz="1400" dirty="0"/>
+              <a:t> Linux.</a:t>
+            </a:r>
+          </a:p>
+          <a:p>
+            <a:pPr>
+              <a:buFont typeface="Arial" panose="020B0604020202020204" pitchFamily="34" charset="0"/>
+              <a:buChar char="•"/>
+            </a:pPr>
+            <a:r>
+              <a:rPr lang="en-GB" sz="1400" b="1" dirty="0"/>
+              <a:t>Open source</a:t>
+            </a:r>
+            <a:r>
+              <a:rPr lang="en-GB" sz="1400" dirty="0"/>
+              <a:t>: </a:t>
+            </a:r>
+            <a:r>
+              <a:rPr lang="en-GB" sz="1400" dirty="0" err="1"/>
+              <a:t>iedereen</a:t>
+            </a:r>
+            <a:r>
+              <a:rPr lang="en-GB" sz="1400" dirty="0"/>
+              <a:t> </a:t>
+            </a:r>
+            <a:r>
+              <a:rPr lang="en-GB" sz="1400" dirty="0" err="1"/>
+              <a:t>kan</a:t>
+            </a:r>
+            <a:r>
+              <a:rPr lang="en-GB" sz="1400" dirty="0"/>
+              <a:t> de taal </a:t>
+            </a:r>
+            <a:r>
+              <a:rPr lang="en-GB" sz="1400" dirty="0" err="1"/>
+              <a:t>gebruiken</a:t>
+            </a:r>
+            <a:r>
+              <a:rPr lang="en-GB" sz="1400" dirty="0"/>
+              <a:t> </a:t>
+            </a:r>
+            <a:r>
+              <a:rPr lang="en-GB" sz="1400" dirty="0" err="1"/>
+              <a:t>en</a:t>
+            </a:r>
+            <a:r>
+              <a:rPr lang="en-GB" sz="1400" dirty="0"/>
+              <a:t> </a:t>
+            </a:r>
+            <a:r>
+              <a:rPr lang="en-GB" sz="1400" dirty="0" err="1"/>
+              <a:t>verbeteren</a:t>
+            </a:r>
+            <a:r>
+              <a:rPr lang="en-GB" sz="1400" dirty="0"/>
+              <a:t>.</a:t>
+            </a:r>
+          </a:p>
+          <a:p>
+            <a:pPr>
+              <a:buFont typeface="Arial" panose="020B0604020202020204" pitchFamily="34" charset="0"/>
+              <a:buChar char="•"/>
+            </a:pPr>
+            <a:r>
+              <a:rPr lang="en-GB" sz="1400" b="1" dirty="0" err="1"/>
+              <a:t>Enorm</a:t>
+            </a:r>
+            <a:r>
+              <a:rPr lang="en-GB" sz="1400" b="1" dirty="0"/>
+              <a:t> </a:t>
+            </a:r>
+            <a:r>
+              <a:rPr lang="en-GB" sz="1400" b="1" dirty="0" err="1"/>
+              <a:t>ecosysteem</a:t>
+            </a:r>
+            <a:r>
+              <a:rPr lang="en-GB" sz="1400" dirty="0"/>
+              <a:t>: </a:t>
+            </a:r>
+            <a:r>
+              <a:rPr lang="en-GB" sz="1400" dirty="0" err="1"/>
+              <a:t>duizenden</a:t>
+            </a:r>
+            <a:r>
+              <a:rPr lang="en-GB" sz="1400" dirty="0"/>
+              <a:t> </a:t>
+            </a:r>
+            <a:r>
+              <a:rPr lang="en-GB" sz="1400" dirty="0" err="1"/>
+              <a:t>pakketten</a:t>
+            </a:r>
+            <a:r>
+              <a:rPr lang="en-GB" sz="1400" dirty="0"/>
+              <a:t> </a:t>
+            </a:r>
+            <a:r>
+              <a:rPr lang="en-GB" sz="1400" dirty="0" err="1"/>
+              <a:t>voor</a:t>
+            </a:r>
+            <a:r>
+              <a:rPr lang="en-GB" sz="1400" dirty="0"/>
+              <a:t> </a:t>
+            </a:r>
+            <a:r>
+              <a:rPr lang="en-GB" sz="1400" dirty="0" err="1"/>
+              <a:t>allerlei</a:t>
+            </a:r>
+            <a:r>
+              <a:rPr lang="en-GB" sz="1400" dirty="0"/>
+              <a:t> </a:t>
+            </a:r>
+            <a:r>
+              <a:rPr lang="en-GB" sz="1400" dirty="0" err="1"/>
+              <a:t>domeinen</a:t>
+            </a:r>
+            <a:r>
+              <a:rPr lang="en-GB" sz="1400" dirty="0"/>
+              <a:t>.</a:t>
+            </a:r>
+          </a:p>
+          <a:p>
+            <a:pPr>
+              <a:buFont typeface="Arial" panose="020B0604020202020204" pitchFamily="34" charset="0"/>
+              <a:buChar char="•"/>
+            </a:pPr>
+            <a:r>
+              <a:rPr lang="en-GB" sz="1400" b="1" dirty="0"/>
+              <a:t>Grote community</a:t>
+            </a:r>
+            <a:r>
+              <a:rPr lang="en-GB" sz="1400" dirty="0"/>
+              <a:t>: </a:t>
+            </a:r>
+            <a:r>
+              <a:rPr lang="en-GB" sz="1400" dirty="0" err="1"/>
+              <a:t>veel</a:t>
+            </a:r>
+            <a:r>
+              <a:rPr lang="en-GB" sz="1400" dirty="0"/>
+              <a:t> </a:t>
+            </a:r>
+            <a:r>
+              <a:rPr lang="en-GB" sz="1400" dirty="0" err="1"/>
+              <a:t>documentatie</a:t>
+            </a:r>
+            <a:r>
+              <a:rPr lang="en-GB" sz="1400" dirty="0"/>
+              <a:t>, tutorials, </a:t>
+            </a:r>
+            <a:r>
+              <a:rPr lang="en-GB" sz="1400" dirty="0" err="1"/>
+              <a:t>en</a:t>
+            </a:r>
+            <a:r>
+              <a:rPr lang="en-GB" sz="1400" dirty="0"/>
+              <a:t> </a:t>
+            </a:r>
+            <a:r>
+              <a:rPr lang="en-GB" sz="1400" dirty="0" err="1"/>
+              <a:t>actieve</a:t>
+            </a:r>
+            <a:r>
+              <a:rPr lang="en-GB" sz="1400" dirty="0"/>
+              <a:t> </a:t>
+            </a:r>
+            <a:r>
+              <a:rPr lang="en-GB" sz="1400" dirty="0" err="1"/>
+              <a:t>gebruikers</a:t>
+            </a:r>
+            <a:r>
+              <a:rPr lang="en-GB" sz="1400" dirty="0"/>
+              <a:t> </a:t>
+            </a:r>
+            <a:r>
+              <a:rPr lang="en-GB" sz="1400" dirty="0" err="1"/>
+              <a:t>wereldwijd</a:t>
+            </a:r>
+            <a:r>
+              <a:rPr lang="en-GB" sz="1400" dirty="0"/>
+              <a:t>.</a:t>
+            </a:r>
+          </a:p>
+          <a:p>
+            <a:pPr marL="0" indent="0">
+              <a:buNone/>
+            </a:pPr>
+            <a:r>
+              <a:rPr lang="en-GB" sz="1400" dirty="0"/>
+              <a:t> 	</a:t>
+            </a:r>
+            <a:endParaRPr lang="en-GB" sz="1400" b="1" dirty="0"/>
+          </a:p>
+          <a:p>
+            <a:pPr marL="0" indent="0">
+              <a:buNone/>
+            </a:pPr>
+            <a:r>
+              <a:rPr lang="en-GB" sz="1400" b="1" dirty="0" err="1"/>
+              <a:t>Toepassingen</a:t>
+            </a:r>
+            <a:endParaRPr lang="en-GB" sz="1400" b="1" dirty="0"/>
+          </a:p>
+          <a:p>
+            <a:pPr>
+              <a:buFont typeface="Arial" panose="020B0604020202020204" pitchFamily="34" charset="0"/>
+              <a:buChar char="•"/>
+            </a:pPr>
+            <a:r>
+              <a:rPr lang="en-GB" sz="1400" b="1" dirty="0"/>
+              <a:t>Data-analyse &amp; </a:t>
+            </a:r>
+            <a:r>
+              <a:rPr lang="en-GB" sz="1400" b="1" dirty="0" err="1"/>
+              <a:t>wetenschappelijk</a:t>
+            </a:r>
+            <a:r>
+              <a:rPr lang="en-GB" sz="1400" b="1" dirty="0"/>
+              <a:t> </a:t>
+            </a:r>
+            <a:r>
+              <a:rPr lang="en-GB" sz="1400" b="1" dirty="0" err="1"/>
+              <a:t>onderzoek</a:t>
+            </a:r>
+            <a:r>
+              <a:rPr lang="en-GB" sz="1400" dirty="0"/>
+              <a:t> (NumPy, Pandas, SciPy).</a:t>
+            </a:r>
+          </a:p>
+          <a:p>
+            <a:pPr>
+              <a:buFont typeface="Arial" panose="020B0604020202020204" pitchFamily="34" charset="0"/>
+              <a:buChar char="•"/>
+            </a:pPr>
+            <a:r>
+              <a:rPr lang="en-GB" sz="1400" b="1" dirty="0"/>
+              <a:t>Geodata / GIS</a:t>
+            </a:r>
+            <a:r>
+              <a:rPr lang="en-GB" sz="1400" dirty="0"/>
+              <a:t> (</a:t>
+            </a:r>
+            <a:r>
+              <a:rPr lang="en-GB" sz="1400" dirty="0" err="1"/>
+              <a:t>GeoPandas</a:t>
+            </a:r>
+            <a:r>
+              <a:rPr lang="en-GB" sz="1400" dirty="0"/>
+              <a:t>, </a:t>
+            </a:r>
+            <a:r>
+              <a:rPr lang="en-GB" sz="1400" dirty="0" err="1"/>
+              <a:t>Rasterio</a:t>
+            </a:r>
+            <a:r>
+              <a:rPr lang="en-GB" sz="1400" dirty="0"/>
+              <a:t>, GDAL).</a:t>
+            </a:r>
+          </a:p>
+          <a:p>
+            <a:pPr>
+              <a:buFont typeface="Arial" panose="020B0604020202020204" pitchFamily="34" charset="0"/>
+              <a:buChar char="•"/>
+            </a:pPr>
+            <a:r>
+              <a:rPr lang="en-GB" sz="1400" b="1" dirty="0" err="1"/>
+              <a:t>Webontwikkeling</a:t>
+            </a:r>
+            <a:r>
+              <a:rPr lang="en-GB" sz="1400" dirty="0"/>
+              <a:t> (Django, Flask, </a:t>
+            </a:r>
+            <a:r>
+              <a:rPr lang="en-GB" sz="1400" dirty="0" err="1"/>
+              <a:t>FastAPI</a:t>
+            </a:r>
+            <a:r>
+              <a:rPr lang="en-GB" sz="1400" dirty="0"/>
+              <a:t>).</a:t>
+            </a:r>
+          </a:p>
+          <a:p>
+            <a:pPr>
+              <a:buFont typeface="Arial" panose="020B0604020202020204" pitchFamily="34" charset="0"/>
+              <a:buChar char="•"/>
+            </a:pPr>
+            <a:r>
+              <a:rPr lang="en-GB" sz="1400" b="1" dirty="0" err="1"/>
+              <a:t>Automatisering</a:t>
+            </a:r>
+            <a:r>
+              <a:rPr lang="en-GB" sz="1400" dirty="0"/>
+              <a:t> (</a:t>
+            </a:r>
+            <a:r>
+              <a:rPr lang="en-GB" sz="1400" dirty="0" err="1"/>
+              <a:t>scripten</a:t>
+            </a:r>
+            <a:r>
+              <a:rPr lang="en-GB" sz="1400" dirty="0"/>
+              <a:t> van taken, </a:t>
+            </a:r>
+            <a:r>
+              <a:rPr lang="en-GB" sz="1400" dirty="0" err="1"/>
+              <a:t>bestanden</a:t>
+            </a:r>
+            <a:r>
+              <a:rPr lang="en-GB" sz="1400" dirty="0"/>
+              <a:t> </a:t>
+            </a:r>
+            <a:r>
+              <a:rPr lang="en-GB" sz="1400" dirty="0" err="1"/>
+              <a:t>verwerken</a:t>
+            </a:r>
+            <a:r>
+              <a:rPr lang="en-GB" sz="1400" dirty="0"/>
+              <a:t>, API’s </a:t>
+            </a:r>
+            <a:r>
+              <a:rPr lang="en-GB" sz="1400" dirty="0" err="1"/>
+              <a:t>aanroepen</a:t>
+            </a:r>
+            <a:r>
+              <a:rPr lang="en-GB" sz="1400" dirty="0"/>
+              <a:t>).</a:t>
+            </a:r>
+          </a:p>
+          <a:p>
+            <a:pPr>
+              <a:buFont typeface="Arial" panose="020B0604020202020204" pitchFamily="34" charset="0"/>
+              <a:buChar char="•"/>
+            </a:pPr>
+            <a:r>
+              <a:rPr lang="en-GB" sz="1400" b="1" dirty="0"/>
+              <a:t>Machine learning &amp; AI</a:t>
+            </a:r>
+            <a:r>
+              <a:rPr lang="en-GB" sz="1400" dirty="0"/>
+              <a:t> (scikit-learn, TensorFlow, </a:t>
+            </a:r>
+            <a:r>
+              <a:rPr lang="en-GB" sz="1400" dirty="0" err="1"/>
+              <a:t>PyTorch</a:t>
+            </a:r>
+            <a:r>
+              <a:rPr lang="en-GB" sz="1400" dirty="0"/>
+              <a:t>).</a:t>
+            </a:r>
+          </a:p>
+        </p:txBody>
+      </p:sp>
+      <p:sp>
+        <p:nvSpPr>
+          <p:cNvPr id="5" name="Footer Placeholder 4">
+            <a:extLst>
+              <a:ext uri="{FF2B5EF4-FFF2-40B4-BE49-F238E27FC236}">
+                <a16:creationId xmlns:a16="http://schemas.microsoft.com/office/drawing/2014/main" id="{272BA62D-BE91-7D9E-5F5B-ABE3A3E58D96}"/>
+              </a:ext>
+            </a:extLst>
+          </p:cNvPr>
+          <p:cNvSpPr>
+            <a:spLocks noGrp="1"/>
+          </p:cNvSpPr>
+          <p:nvPr>
+            <p:ph type="ftr" sz="quarter" idx="11"/>
+          </p:nvPr>
+        </p:nvSpPr>
+        <p:spPr>
+          <a:xfrm>
+            <a:off x="689099" y="4893641"/>
+            <a:ext cx="6192000" cy="180000"/>
+          </a:xfrm>
+        </p:spPr>
+        <p:txBody>
+          <a:bodyPr/>
+          <a:lstStyle/>
+          <a:p>
+            <a:r>
+              <a:rPr lang="nl-NL" dirty="0"/>
+              <a:t>Python training – sessie 1</a:t>
+            </a:r>
+          </a:p>
+        </p:txBody>
+      </p:sp>
+      <p:sp>
+        <p:nvSpPr>
+          <p:cNvPr id="6" name="Slide Number Placeholder 5">
+            <a:extLst>
+              <a:ext uri="{FF2B5EF4-FFF2-40B4-BE49-F238E27FC236}">
+                <a16:creationId xmlns:a16="http://schemas.microsoft.com/office/drawing/2014/main" id="{16136216-B7B4-566A-796D-6959DF3F67E4}"/>
+              </a:ext>
+            </a:extLst>
+          </p:cNvPr>
+          <p:cNvSpPr>
+            <a:spLocks noGrp="1"/>
+          </p:cNvSpPr>
+          <p:nvPr>
+            <p:ph type="sldNum" sz="quarter" idx="12"/>
+          </p:nvPr>
+        </p:nvSpPr>
+        <p:spPr>
+          <a:xfrm>
+            <a:off x="8500916" y="4893641"/>
+            <a:ext cx="288000" cy="180000"/>
+          </a:xfrm>
+        </p:spPr>
+        <p:txBody>
+          <a:bodyPr/>
+          <a:lstStyle/>
+          <a:p>
+            <a:pPr algn="l"/>
+            <a:r>
+              <a:rPr lang="nl-NL"/>
+              <a:t>| </a:t>
+            </a:r>
+            <a:fld id="{6C885DEC-5AE5-4403-A92E-278225061E43}" type="slidenum">
+              <a:rPr lang="nl-NL" smtClean="0"/>
+              <a:pPr algn="l"/>
+              <a:t>5</a:t>
+            </a:fld>
+            <a:endParaRPr lang="nl-NL" dirty="0"/>
+          </a:p>
+        </p:txBody>
+      </p:sp>
+    </p:spTree>
+    <p:extLst>
+      <p:ext uri="{BB962C8B-B14F-4D97-AF65-F5344CB8AC3E}">
+        <p14:creationId xmlns:p14="http://schemas.microsoft.com/office/powerpoint/2010/main" val="1275345575"/>
+      </p:ext>
+    </p:extLst>
+  </p:cSld>
+  <p:clrMapOvr>
+    <a:masterClrMapping/>
+  </p:clrMapOvr>
+</p:sld>
+</file>
+
+<file path=ppt/slides/slide50.xml><?xml version="1.0" encoding="utf-8"?>
 <p:sld xmlns:a="http://schemas.openxmlformats.org/drawingml/2006/main" xmlns:r="http://schemas.openxmlformats.org/officeDocument/2006/relationships" xmlns:p="http://schemas.openxmlformats.org/presentationml/2006/main">
   <p:cSld>
     <p:spTree>
@@ -26890,7 +29351,7 @@
             <a:fld id="{6C885DEC-5AE5-4403-A92E-278225061E43}" type="slidenum">
               <a:rPr lang="nl-NL" smtClean="0"/>
               <a:pPr algn="l"/>
-              <a:t>47</a:t>
+              <a:t>50</a:t>
             </a:fld>
             <a:endParaRPr lang="nl-NL" dirty="0"/>
           </a:p>
@@ -26939,7 +29400,7 @@
 </p:sld>
 </file>
 
-<file path=ppt/slides/slide48.xml><?xml version="1.0" encoding="utf-8"?>
+<file path=ppt/slides/slide51.xml><?xml version="1.0" encoding="utf-8"?>
 <p:sld xmlns:a="http://schemas.openxmlformats.org/drawingml/2006/main" xmlns:r="http://schemas.openxmlformats.org/officeDocument/2006/relationships" xmlns:p="http://schemas.openxmlformats.org/presentationml/2006/main">
   <p:cSld>
     <p:spTree>
@@ -27082,7 +29543,7 @@
             <a:fld id="{6C885DEC-5AE5-4403-A92E-278225061E43}" type="slidenum">
               <a:rPr lang="nl-NL" smtClean="0"/>
               <a:pPr algn="l"/>
-              <a:t>48</a:t>
+              <a:t>51</a:t>
             </a:fld>
             <a:endParaRPr lang="nl-NL" dirty="0"/>
           </a:p>
@@ -27543,7 +30004,7 @@
 </p:sld>
 </file>
 
-<file path=ppt/slides/slide49.xml><?xml version="1.0" encoding="utf-8"?>
+<file path=ppt/slides/slide52.xml><?xml version="1.0" encoding="utf-8"?>
 <p:sld xmlns:a="http://schemas.openxmlformats.org/drawingml/2006/main" xmlns:r="http://schemas.openxmlformats.org/officeDocument/2006/relationships" xmlns:p="http://schemas.openxmlformats.org/presentationml/2006/main">
   <p:cSld>
     <p:spTree>
@@ -28106,7 +30567,7 @@
             <a:fld id="{6C885DEC-5AE5-4403-A92E-278225061E43}" type="slidenum">
               <a:rPr lang="nl-NL" smtClean="0"/>
               <a:pPr algn="l"/>
-              <a:t>49</a:t>
+              <a:t>52</a:t>
             </a:fld>
             <a:endParaRPr lang="nl-NL" dirty="0"/>
           </a:p>
@@ -28158,784 +30619,7 @@
 </p:sld>
 </file>
 
-<file path=ppt/slides/slide5.xml><?xml version="1.0" encoding="utf-8"?>
-<p:sld xmlns:a="http://schemas.openxmlformats.org/drawingml/2006/main" xmlns:r="http://schemas.openxmlformats.org/officeDocument/2006/relationships" xmlns:p="http://schemas.openxmlformats.org/presentationml/2006/main">
-  <p:cSld>
-    <p:spTree>
-      <p:nvGrpSpPr>
-        <p:cNvPr id="1" name=""/>
-        <p:cNvGrpSpPr/>
-        <p:nvPr/>
-      </p:nvGrpSpPr>
-      <p:grpSpPr>
-        <a:xfrm>
-          <a:off x="0" y="0"/>
-          <a:ext cx="0" cy="0"/>
-          <a:chOff x="0" y="0"/>
-          <a:chExt cx="0" cy="0"/>
-        </a:xfrm>
-      </p:grpSpPr>
-      <p:sp>
-        <p:nvSpPr>
-          <p:cNvPr id="2" name="Title 1">
-            <a:extLst>
-              <a:ext uri="{FF2B5EF4-FFF2-40B4-BE49-F238E27FC236}">
-                <a16:creationId xmlns:a16="http://schemas.microsoft.com/office/drawing/2014/main" id="{34575575-617F-940E-195C-B1DB86E2AC5D}"/>
-              </a:ext>
-            </a:extLst>
-          </p:cNvPr>
-          <p:cNvSpPr>
-            <a:spLocks noGrp="1"/>
-          </p:cNvSpPr>
-          <p:nvPr>
-            <p:ph type="title"/>
-          </p:nvPr>
-        </p:nvSpPr>
-        <p:spPr>
-          <a:xfrm>
-            <a:off x="681765" y="627534"/>
-            <a:ext cx="8100000" cy="972000"/>
-          </a:xfrm>
-        </p:spPr>
-        <p:txBody>
-          <a:bodyPr/>
-          <a:lstStyle/>
-          <a:p>
-            <a:r>
-              <a:rPr lang="en-NL" dirty="0"/>
-              <a:t>Wat is python</a:t>
-            </a:r>
-          </a:p>
-        </p:txBody>
-      </p:sp>
-      <p:sp>
-        <p:nvSpPr>
-          <p:cNvPr id="3" name="Content Placeholder 2">
-            <a:extLst>
-              <a:ext uri="{FF2B5EF4-FFF2-40B4-BE49-F238E27FC236}">
-                <a16:creationId xmlns:a16="http://schemas.microsoft.com/office/drawing/2014/main" id="{73EE79E9-2897-C80C-451E-2ED4BED2DA85}"/>
-              </a:ext>
-            </a:extLst>
-          </p:cNvPr>
-          <p:cNvSpPr>
-            <a:spLocks noGrp="1"/>
-          </p:cNvSpPr>
-          <p:nvPr>
-            <p:ph idx="1"/>
-          </p:nvPr>
-        </p:nvSpPr>
-        <p:spPr>
-          <a:xfrm>
-            <a:off x="689099" y="1491631"/>
-            <a:ext cx="8100000" cy="3245872"/>
-          </a:xfrm>
-        </p:spPr>
-        <p:txBody>
-          <a:bodyPr/>
-          <a:lstStyle/>
-          <a:p>
-            <a:pPr>
-              <a:buFont typeface="Arial" panose="020B0604020202020204" pitchFamily="34" charset="0"/>
-              <a:buChar char="•"/>
-            </a:pPr>
-            <a:r>
-              <a:rPr lang="en-GB" sz="1400" b="1" dirty="0" err="1"/>
-              <a:t>Programmeertaal</a:t>
-            </a:r>
-            <a:r>
-              <a:rPr lang="en-GB" sz="1400" b="1" dirty="0"/>
-              <a:t> </a:t>
-            </a:r>
-            <a:r>
-              <a:rPr lang="en-GB" sz="1400" b="1" dirty="0" err="1"/>
-              <a:t>sinds</a:t>
-            </a:r>
-            <a:r>
-              <a:rPr lang="en-GB" sz="1400" b="1" dirty="0"/>
-              <a:t> 1991</a:t>
-            </a:r>
-            <a:r>
-              <a:rPr lang="en-GB" sz="1400" dirty="0"/>
-              <a:t>, </a:t>
-            </a:r>
-            <a:r>
-              <a:rPr lang="en-GB" sz="1400" dirty="0" err="1"/>
-              <a:t>ontwikkeld</a:t>
-            </a:r>
-            <a:r>
-              <a:rPr lang="en-GB" sz="1400" dirty="0"/>
-              <a:t> door Guido van Rossum.</a:t>
-            </a:r>
-          </a:p>
-          <a:p>
-            <a:pPr>
-              <a:buFont typeface="Arial" panose="020B0604020202020204" pitchFamily="34" charset="0"/>
-              <a:buChar char="•"/>
-            </a:pPr>
-            <a:r>
-              <a:rPr lang="en-GB" sz="1400" dirty="0" err="1"/>
-              <a:t>Bekend</a:t>
-            </a:r>
-            <a:r>
-              <a:rPr lang="en-GB" sz="1400" dirty="0"/>
-              <a:t> om de </a:t>
-            </a:r>
-            <a:r>
-              <a:rPr lang="en-GB" sz="1400" b="1" dirty="0" err="1"/>
-              <a:t>leesbare</a:t>
-            </a:r>
-            <a:r>
-              <a:rPr lang="en-GB" sz="1400" b="1" dirty="0"/>
-              <a:t> </a:t>
-            </a:r>
-            <a:r>
-              <a:rPr lang="en-GB" sz="1400" b="1" dirty="0" err="1"/>
-              <a:t>en</a:t>
-            </a:r>
-            <a:r>
-              <a:rPr lang="en-GB" sz="1400" b="1" dirty="0"/>
-              <a:t> </a:t>
-            </a:r>
-            <a:r>
-              <a:rPr lang="en-GB" sz="1400" b="1" dirty="0" err="1"/>
-              <a:t>eenvoudige</a:t>
-            </a:r>
-            <a:r>
-              <a:rPr lang="en-GB" sz="1400" b="1" dirty="0"/>
-              <a:t> syntax</a:t>
-            </a:r>
-            <a:r>
-              <a:rPr lang="en-GB" sz="1400" dirty="0"/>
-              <a:t> (</a:t>
-            </a:r>
-            <a:r>
-              <a:rPr lang="en-GB" sz="1400" dirty="0" err="1"/>
-              <a:t>lijkt</a:t>
-            </a:r>
-            <a:r>
-              <a:rPr lang="en-GB" sz="1400" dirty="0"/>
-              <a:t> </a:t>
-            </a:r>
-            <a:r>
-              <a:rPr lang="en-GB" sz="1400" dirty="0" err="1"/>
-              <a:t>bijna</a:t>
-            </a:r>
-            <a:r>
-              <a:rPr lang="en-GB" sz="1400" dirty="0"/>
-              <a:t> op </a:t>
-            </a:r>
-            <a:r>
-              <a:rPr lang="en-GB" sz="1400" dirty="0" err="1"/>
-              <a:t>gewone</a:t>
-            </a:r>
-            <a:r>
-              <a:rPr lang="en-GB" sz="1400" dirty="0"/>
-              <a:t> taal).</a:t>
-            </a:r>
-          </a:p>
-          <a:p>
-            <a:pPr>
-              <a:buFont typeface="Arial" panose="020B0604020202020204" pitchFamily="34" charset="0"/>
-              <a:buChar char="•"/>
-            </a:pPr>
-            <a:r>
-              <a:rPr lang="en-GB" sz="1400" b="1" dirty="0" err="1"/>
-              <a:t>Interpreteertaal</a:t>
-            </a:r>
-            <a:r>
-              <a:rPr lang="en-GB" sz="1400" dirty="0"/>
-              <a:t>: de code </a:t>
-            </a:r>
-            <a:r>
-              <a:rPr lang="en-GB" sz="1400" dirty="0" err="1"/>
-              <a:t>wordt</a:t>
-            </a:r>
-            <a:r>
-              <a:rPr lang="en-GB" sz="1400" dirty="0"/>
-              <a:t> regel </a:t>
-            </a:r>
-            <a:r>
-              <a:rPr lang="en-GB" sz="1400" dirty="0" err="1"/>
-              <a:t>voor</a:t>
-            </a:r>
-            <a:r>
-              <a:rPr lang="en-GB" sz="1400" dirty="0"/>
-              <a:t> regel </a:t>
-            </a:r>
-            <a:r>
-              <a:rPr lang="en-GB" sz="1400" dirty="0" err="1"/>
-              <a:t>uitgevoerd</a:t>
-            </a:r>
-            <a:r>
-              <a:rPr lang="en-GB" sz="1400" dirty="0"/>
-              <a:t> → </a:t>
-            </a:r>
-            <a:r>
-              <a:rPr lang="en-GB" sz="1400" dirty="0" err="1"/>
-              <a:t>snel</a:t>
-            </a:r>
-            <a:r>
-              <a:rPr lang="en-GB" sz="1400" dirty="0"/>
-              <a:t> </a:t>
-            </a:r>
-            <a:r>
-              <a:rPr lang="en-GB" sz="1400" dirty="0" err="1"/>
-              <a:t>testen</a:t>
-            </a:r>
-            <a:r>
-              <a:rPr lang="en-GB" sz="1400" dirty="0"/>
-              <a:t> </a:t>
-            </a:r>
-            <a:r>
-              <a:rPr lang="en-GB" sz="1400" dirty="0" err="1"/>
-              <a:t>en</a:t>
-            </a:r>
-            <a:r>
-              <a:rPr lang="en-GB" sz="1400" dirty="0"/>
-              <a:t> </a:t>
-            </a:r>
-            <a:r>
-              <a:rPr lang="en-GB" sz="1400" dirty="0" err="1"/>
-              <a:t>leren</a:t>
-            </a:r>
-            <a:r>
-              <a:rPr lang="en-GB" sz="1400" dirty="0"/>
-              <a:t>.</a:t>
-            </a:r>
-          </a:p>
-          <a:p>
-            <a:pPr>
-              <a:buFont typeface="Arial" panose="020B0604020202020204" pitchFamily="34" charset="0"/>
-              <a:buChar char="•"/>
-            </a:pPr>
-            <a:r>
-              <a:rPr lang="en-GB" sz="1400" b="1" dirty="0" err="1"/>
-              <a:t>Dynamisch</a:t>
-            </a:r>
-            <a:r>
-              <a:rPr lang="en-GB" sz="1400" b="1" dirty="0"/>
-              <a:t> </a:t>
-            </a:r>
-            <a:r>
-              <a:rPr lang="en-GB" sz="1400" b="1" dirty="0" err="1"/>
-              <a:t>getypeerd</a:t>
-            </a:r>
-            <a:r>
-              <a:rPr lang="en-GB" sz="1400" dirty="0"/>
-              <a:t>: je </a:t>
-            </a:r>
-            <a:r>
-              <a:rPr lang="en-GB" sz="1400" dirty="0" err="1"/>
-              <a:t>hoeft</a:t>
-            </a:r>
-            <a:r>
-              <a:rPr lang="en-GB" sz="1400" dirty="0"/>
-              <a:t> </a:t>
-            </a:r>
-            <a:r>
-              <a:rPr lang="en-GB" sz="1400" dirty="0" err="1"/>
-              <a:t>geen</a:t>
-            </a:r>
-            <a:r>
-              <a:rPr lang="en-GB" sz="1400" dirty="0"/>
-              <a:t> type op </a:t>
-            </a:r>
-            <a:r>
-              <a:rPr lang="en-GB" sz="1400" dirty="0" err="1"/>
-              <a:t>voorhand</a:t>
-            </a:r>
-            <a:r>
-              <a:rPr lang="en-GB" sz="1400" dirty="0"/>
-              <a:t> </a:t>
-            </a:r>
-            <a:r>
-              <a:rPr lang="en-GB" sz="1400" dirty="0" err="1"/>
-              <a:t>te</a:t>
-            </a:r>
-            <a:r>
-              <a:rPr lang="en-GB" sz="1400" dirty="0"/>
-              <a:t> </a:t>
-            </a:r>
-            <a:r>
-              <a:rPr lang="en-GB" sz="1400" dirty="0" err="1"/>
-              <a:t>definiëren</a:t>
-            </a:r>
-            <a:r>
-              <a:rPr lang="en-GB" sz="1400" dirty="0"/>
-              <a:t> (x = 5 </a:t>
-            </a:r>
-            <a:r>
-              <a:rPr lang="en-GB" sz="1400" dirty="0" err="1"/>
-              <a:t>i.p.v</a:t>
-            </a:r>
-            <a:r>
-              <a:rPr lang="en-GB" sz="1400" dirty="0"/>
-              <a:t>. int x = 5).</a:t>
-            </a:r>
-          </a:p>
-          <a:p>
-            <a:pPr>
-              <a:buFont typeface="Arial" panose="020B0604020202020204" pitchFamily="34" charset="0"/>
-              <a:buChar char="•"/>
-            </a:pPr>
-            <a:r>
-              <a:rPr lang="en-GB" sz="1400" b="1" dirty="0"/>
-              <a:t>Cross-platform</a:t>
-            </a:r>
-            <a:r>
-              <a:rPr lang="en-GB" sz="1400" dirty="0"/>
-              <a:t>: </a:t>
-            </a:r>
-            <a:r>
-              <a:rPr lang="en-GB" sz="1400" dirty="0" err="1"/>
-              <a:t>draait</a:t>
-            </a:r>
-            <a:r>
-              <a:rPr lang="en-GB" sz="1400" dirty="0"/>
-              <a:t> op Windows, macOS </a:t>
-            </a:r>
-            <a:r>
-              <a:rPr lang="en-GB" sz="1400" dirty="0" err="1"/>
-              <a:t>en</a:t>
-            </a:r>
-            <a:r>
-              <a:rPr lang="en-GB" sz="1400" dirty="0"/>
-              <a:t> Linux.</a:t>
-            </a:r>
-          </a:p>
-          <a:p>
-            <a:pPr>
-              <a:buFont typeface="Arial" panose="020B0604020202020204" pitchFamily="34" charset="0"/>
-              <a:buChar char="•"/>
-            </a:pPr>
-            <a:r>
-              <a:rPr lang="en-GB" sz="1400" b="1" dirty="0"/>
-              <a:t>Open source</a:t>
-            </a:r>
-            <a:r>
-              <a:rPr lang="en-GB" sz="1400" dirty="0"/>
-              <a:t>: </a:t>
-            </a:r>
-            <a:r>
-              <a:rPr lang="en-GB" sz="1400" dirty="0" err="1"/>
-              <a:t>iedereen</a:t>
-            </a:r>
-            <a:r>
-              <a:rPr lang="en-GB" sz="1400" dirty="0"/>
-              <a:t> </a:t>
-            </a:r>
-            <a:r>
-              <a:rPr lang="en-GB" sz="1400" dirty="0" err="1"/>
-              <a:t>kan</a:t>
-            </a:r>
-            <a:r>
-              <a:rPr lang="en-GB" sz="1400" dirty="0"/>
-              <a:t> de taal </a:t>
-            </a:r>
-            <a:r>
-              <a:rPr lang="en-GB" sz="1400" dirty="0" err="1"/>
-              <a:t>gebruiken</a:t>
-            </a:r>
-            <a:r>
-              <a:rPr lang="en-GB" sz="1400" dirty="0"/>
-              <a:t> </a:t>
-            </a:r>
-            <a:r>
-              <a:rPr lang="en-GB" sz="1400" dirty="0" err="1"/>
-              <a:t>en</a:t>
-            </a:r>
-            <a:r>
-              <a:rPr lang="en-GB" sz="1400" dirty="0"/>
-              <a:t> </a:t>
-            </a:r>
-            <a:r>
-              <a:rPr lang="en-GB" sz="1400" dirty="0" err="1"/>
-              <a:t>verbeteren</a:t>
-            </a:r>
-            <a:r>
-              <a:rPr lang="en-GB" sz="1400" dirty="0"/>
-              <a:t>.</a:t>
-            </a:r>
-          </a:p>
-          <a:p>
-            <a:pPr>
-              <a:buFont typeface="Arial" panose="020B0604020202020204" pitchFamily="34" charset="0"/>
-              <a:buChar char="•"/>
-            </a:pPr>
-            <a:r>
-              <a:rPr lang="en-GB" sz="1400" b="1" dirty="0" err="1"/>
-              <a:t>Enorm</a:t>
-            </a:r>
-            <a:r>
-              <a:rPr lang="en-GB" sz="1400" b="1" dirty="0"/>
-              <a:t> </a:t>
-            </a:r>
-            <a:r>
-              <a:rPr lang="en-GB" sz="1400" b="1" dirty="0" err="1"/>
-              <a:t>ecosysteem</a:t>
-            </a:r>
-            <a:r>
-              <a:rPr lang="en-GB" sz="1400" dirty="0"/>
-              <a:t>: </a:t>
-            </a:r>
-            <a:r>
-              <a:rPr lang="en-GB" sz="1400" dirty="0" err="1"/>
-              <a:t>duizenden</a:t>
-            </a:r>
-            <a:r>
-              <a:rPr lang="en-GB" sz="1400" dirty="0"/>
-              <a:t> </a:t>
-            </a:r>
-            <a:r>
-              <a:rPr lang="en-GB" sz="1400" dirty="0" err="1"/>
-              <a:t>pakketten</a:t>
-            </a:r>
-            <a:r>
-              <a:rPr lang="en-GB" sz="1400" dirty="0"/>
-              <a:t> </a:t>
-            </a:r>
-            <a:r>
-              <a:rPr lang="en-GB" sz="1400" dirty="0" err="1"/>
-              <a:t>voor</a:t>
-            </a:r>
-            <a:r>
-              <a:rPr lang="en-GB" sz="1400" dirty="0"/>
-              <a:t> </a:t>
-            </a:r>
-            <a:r>
-              <a:rPr lang="en-GB" sz="1400" dirty="0" err="1"/>
-              <a:t>allerlei</a:t>
-            </a:r>
-            <a:r>
-              <a:rPr lang="en-GB" sz="1400" dirty="0"/>
-              <a:t> </a:t>
-            </a:r>
-            <a:r>
-              <a:rPr lang="en-GB" sz="1400" dirty="0" err="1"/>
-              <a:t>domeinen</a:t>
-            </a:r>
-            <a:r>
-              <a:rPr lang="en-GB" sz="1400" dirty="0"/>
-              <a:t>.</a:t>
-            </a:r>
-          </a:p>
-          <a:p>
-            <a:pPr>
-              <a:buFont typeface="Arial" panose="020B0604020202020204" pitchFamily="34" charset="0"/>
-              <a:buChar char="•"/>
-            </a:pPr>
-            <a:r>
-              <a:rPr lang="en-GB" sz="1400" b="1" dirty="0"/>
-              <a:t>Grote community</a:t>
-            </a:r>
-            <a:r>
-              <a:rPr lang="en-GB" sz="1400" dirty="0"/>
-              <a:t>: </a:t>
-            </a:r>
-            <a:r>
-              <a:rPr lang="en-GB" sz="1400" dirty="0" err="1"/>
-              <a:t>veel</a:t>
-            </a:r>
-            <a:r>
-              <a:rPr lang="en-GB" sz="1400" dirty="0"/>
-              <a:t> </a:t>
-            </a:r>
-            <a:r>
-              <a:rPr lang="en-GB" sz="1400" dirty="0" err="1"/>
-              <a:t>documentatie</a:t>
-            </a:r>
-            <a:r>
-              <a:rPr lang="en-GB" sz="1400" dirty="0"/>
-              <a:t>, tutorials, </a:t>
-            </a:r>
-            <a:r>
-              <a:rPr lang="en-GB" sz="1400" dirty="0" err="1"/>
-              <a:t>en</a:t>
-            </a:r>
-            <a:r>
-              <a:rPr lang="en-GB" sz="1400" dirty="0"/>
-              <a:t> </a:t>
-            </a:r>
-            <a:r>
-              <a:rPr lang="en-GB" sz="1400" dirty="0" err="1"/>
-              <a:t>actieve</a:t>
-            </a:r>
-            <a:r>
-              <a:rPr lang="en-GB" sz="1400" dirty="0"/>
-              <a:t> </a:t>
-            </a:r>
-            <a:r>
-              <a:rPr lang="en-GB" sz="1400" dirty="0" err="1"/>
-              <a:t>gebruikers</a:t>
-            </a:r>
-            <a:r>
-              <a:rPr lang="en-GB" sz="1400" dirty="0"/>
-              <a:t> </a:t>
-            </a:r>
-            <a:r>
-              <a:rPr lang="en-GB" sz="1400" dirty="0" err="1"/>
-              <a:t>wereldwijd</a:t>
-            </a:r>
-            <a:r>
-              <a:rPr lang="en-GB" sz="1400" dirty="0"/>
-              <a:t>.</a:t>
-            </a:r>
-          </a:p>
-          <a:p>
-            <a:pPr marL="0" indent="0">
-              <a:buNone/>
-            </a:pPr>
-            <a:r>
-              <a:rPr lang="en-GB" sz="1400" dirty="0"/>
-              <a:t> 	</a:t>
-            </a:r>
-            <a:endParaRPr lang="en-GB" sz="1400" b="1" dirty="0"/>
-          </a:p>
-          <a:p>
-            <a:pPr marL="0" indent="0">
-              <a:buNone/>
-            </a:pPr>
-            <a:r>
-              <a:rPr lang="en-GB" sz="1400" b="1" dirty="0" err="1"/>
-              <a:t>Toepassingen</a:t>
-            </a:r>
-            <a:endParaRPr lang="en-GB" sz="1400" b="1" dirty="0"/>
-          </a:p>
-          <a:p>
-            <a:pPr>
-              <a:buFont typeface="Arial" panose="020B0604020202020204" pitchFamily="34" charset="0"/>
-              <a:buChar char="•"/>
-            </a:pPr>
-            <a:r>
-              <a:rPr lang="en-GB" sz="1400" b="1" dirty="0"/>
-              <a:t>Data-analyse &amp; </a:t>
-            </a:r>
-            <a:r>
-              <a:rPr lang="en-GB" sz="1400" b="1" dirty="0" err="1"/>
-              <a:t>wetenschappelijk</a:t>
-            </a:r>
-            <a:r>
-              <a:rPr lang="en-GB" sz="1400" b="1" dirty="0"/>
-              <a:t> </a:t>
-            </a:r>
-            <a:r>
-              <a:rPr lang="en-GB" sz="1400" b="1" dirty="0" err="1"/>
-              <a:t>onderzoek</a:t>
-            </a:r>
-            <a:r>
-              <a:rPr lang="en-GB" sz="1400" dirty="0"/>
-              <a:t> (NumPy, Pandas, SciPy).</a:t>
-            </a:r>
-          </a:p>
-          <a:p>
-            <a:pPr>
-              <a:buFont typeface="Arial" panose="020B0604020202020204" pitchFamily="34" charset="0"/>
-              <a:buChar char="•"/>
-            </a:pPr>
-            <a:r>
-              <a:rPr lang="en-GB" sz="1400" b="1" dirty="0"/>
-              <a:t>Geodata / GIS</a:t>
-            </a:r>
-            <a:r>
-              <a:rPr lang="en-GB" sz="1400" dirty="0"/>
-              <a:t> (</a:t>
-            </a:r>
-            <a:r>
-              <a:rPr lang="en-GB" sz="1400" dirty="0" err="1"/>
-              <a:t>GeoPandas</a:t>
-            </a:r>
-            <a:r>
-              <a:rPr lang="en-GB" sz="1400" dirty="0"/>
-              <a:t>, </a:t>
-            </a:r>
-            <a:r>
-              <a:rPr lang="en-GB" sz="1400" dirty="0" err="1"/>
-              <a:t>Rasterio</a:t>
-            </a:r>
-            <a:r>
-              <a:rPr lang="en-GB" sz="1400" dirty="0"/>
-              <a:t>, GDAL).</a:t>
-            </a:r>
-          </a:p>
-          <a:p>
-            <a:pPr>
-              <a:buFont typeface="Arial" panose="020B0604020202020204" pitchFamily="34" charset="0"/>
-              <a:buChar char="•"/>
-            </a:pPr>
-            <a:r>
-              <a:rPr lang="en-GB" sz="1400" b="1" dirty="0" err="1"/>
-              <a:t>Webontwikkeling</a:t>
-            </a:r>
-            <a:r>
-              <a:rPr lang="en-GB" sz="1400" dirty="0"/>
-              <a:t> (Django, Flask, </a:t>
-            </a:r>
-            <a:r>
-              <a:rPr lang="en-GB" sz="1400" dirty="0" err="1"/>
-              <a:t>FastAPI</a:t>
-            </a:r>
-            <a:r>
-              <a:rPr lang="en-GB" sz="1400" dirty="0"/>
-              <a:t>).</a:t>
-            </a:r>
-          </a:p>
-          <a:p>
-            <a:pPr>
-              <a:buFont typeface="Arial" panose="020B0604020202020204" pitchFamily="34" charset="0"/>
-              <a:buChar char="•"/>
-            </a:pPr>
-            <a:r>
-              <a:rPr lang="en-GB" sz="1400" b="1" dirty="0" err="1"/>
-              <a:t>Automatisering</a:t>
-            </a:r>
-            <a:r>
-              <a:rPr lang="en-GB" sz="1400" dirty="0"/>
-              <a:t> (</a:t>
-            </a:r>
-            <a:r>
-              <a:rPr lang="en-GB" sz="1400" dirty="0" err="1"/>
-              <a:t>scripten</a:t>
-            </a:r>
-            <a:r>
-              <a:rPr lang="en-GB" sz="1400" dirty="0"/>
-              <a:t> van taken, </a:t>
-            </a:r>
-            <a:r>
-              <a:rPr lang="en-GB" sz="1400" dirty="0" err="1"/>
-              <a:t>bestanden</a:t>
-            </a:r>
-            <a:r>
-              <a:rPr lang="en-GB" sz="1400" dirty="0"/>
-              <a:t> </a:t>
-            </a:r>
-            <a:r>
-              <a:rPr lang="en-GB" sz="1400" dirty="0" err="1"/>
-              <a:t>verwerken</a:t>
-            </a:r>
-            <a:r>
-              <a:rPr lang="en-GB" sz="1400" dirty="0"/>
-              <a:t>, API’s </a:t>
-            </a:r>
-            <a:r>
-              <a:rPr lang="en-GB" sz="1400" dirty="0" err="1"/>
-              <a:t>aanroepen</a:t>
-            </a:r>
-            <a:r>
-              <a:rPr lang="en-GB" sz="1400" dirty="0"/>
-              <a:t>).</a:t>
-            </a:r>
-          </a:p>
-          <a:p>
-            <a:pPr>
-              <a:buFont typeface="Arial" panose="020B0604020202020204" pitchFamily="34" charset="0"/>
-              <a:buChar char="•"/>
-            </a:pPr>
-            <a:r>
-              <a:rPr lang="en-GB" sz="1400" b="1" dirty="0"/>
-              <a:t>Machine learning &amp; AI</a:t>
-            </a:r>
-            <a:r>
-              <a:rPr lang="en-GB" sz="1400" dirty="0"/>
-              <a:t> (scikit-learn, TensorFlow, </a:t>
-            </a:r>
-            <a:r>
-              <a:rPr lang="en-GB" sz="1400" dirty="0" err="1"/>
-              <a:t>PyTorch</a:t>
-            </a:r>
-            <a:r>
-              <a:rPr lang="en-GB" sz="1400" dirty="0"/>
-              <a:t>).</a:t>
-            </a:r>
-          </a:p>
-        </p:txBody>
-      </p:sp>
-      <p:sp>
-        <p:nvSpPr>
-          <p:cNvPr id="5" name="Footer Placeholder 4">
-            <a:extLst>
-              <a:ext uri="{FF2B5EF4-FFF2-40B4-BE49-F238E27FC236}">
-                <a16:creationId xmlns:a16="http://schemas.microsoft.com/office/drawing/2014/main" id="{272BA62D-BE91-7D9E-5F5B-ABE3A3E58D96}"/>
-              </a:ext>
-            </a:extLst>
-          </p:cNvPr>
-          <p:cNvSpPr>
-            <a:spLocks noGrp="1"/>
-          </p:cNvSpPr>
-          <p:nvPr>
-            <p:ph type="ftr" sz="quarter" idx="11"/>
-          </p:nvPr>
-        </p:nvSpPr>
-        <p:spPr>
-          <a:xfrm>
-            <a:off x="689099" y="4893641"/>
-            <a:ext cx="6192000" cy="180000"/>
-          </a:xfrm>
-        </p:spPr>
-        <p:txBody>
-          <a:bodyPr/>
-          <a:lstStyle/>
-          <a:p>
-            <a:r>
-              <a:rPr lang="nl-NL" dirty="0"/>
-              <a:t>Python training – sessie 1</a:t>
-            </a:r>
-          </a:p>
-        </p:txBody>
-      </p:sp>
-      <p:sp>
-        <p:nvSpPr>
-          <p:cNvPr id="6" name="Slide Number Placeholder 5">
-            <a:extLst>
-              <a:ext uri="{FF2B5EF4-FFF2-40B4-BE49-F238E27FC236}">
-                <a16:creationId xmlns:a16="http://schemas.microsoft.com/office/drawing/2014/main" id="{16136216-B7B4-566A-796D-6959DF3F67E4}"/>
-              </a:ext>
-            </a:extLst>
-          </p:cNvPr>
-          <p:cNvSpPr>
-            <a:spLocks noGrp="1"/>
-          </p:cNvSpPr>
-          <p:nvPr>
-            <p:ph type="sldNum" sz="quarter" idx="12"/>
-          </p:nvPr>
-        </p:nvSpPr>
-        <p:spPr>
-          <a:xfrm>
-            <a:off x="8500916" y="4893641"/>
-            <a:ext cx="288000" cy="180000"/>
-          </a:xfrm>
-        </p:spPr>
-        <p:txBody>
-          <a:bodyPr/>
-          <a:lstStyle/>
-          <a:p>
-            <a:pPr algn="l"/>
-            <a:r>
-              <a:rPr lang="nl-NL"/>
-              <a:t>| </a:t>
-            </a:r>
-            <a:fld id="{6C885DEC-5AE5-4403-A92E-278225061E43}" type="slidenum">
-              <a:rPr lang="nl-NL" smtClean="0"/>
-              <a:pPr algn="l"/>
-              <a:t>5</a:t>
-            </a:fld>
-            <a:endParaRPr lang="nl-NL" dirty="0"/>
-          </a:p>
-        </p:txBody>
-      </p:sp>
-    </p:spTree>
-    <p:extLst>
-      <p:ext uri="{BB962C8B-B14F-4D97-AF65-F5344CB8AC3E}">
-        <p14:creationId xmlns:p14="http://schemas.microsoft.com/office/powerpoint/2010/main" val="1275345575"/>
-      </p:ext>
-    </p:extLst>
-  </p:cSld>
-  <p:clrMapOvr>
-    <a:masterClrMapping/>
-  </p:clrMapOvr>
-</p:sld>
-</file>
-
-<file path=ppt/slides/slide50.xml><?xml version="1.0" encoding="utf-8"?>
+<file path=ppt/slides/slide53.xml><?xml version="1.0" encoding="utf-8"?>
 <p:sld xmlns:a="http://schemas.openxmlformats.org/drawingml/2006/main" xmlns:r="http://schemas.openxmlformats.org/officeDocument/2006/relationships" xmlns:p="http://schemas.openxmlformats.org/presentationml/2006/main">
   <p:cSld>
     <p:spTree>
@@ -29045,7 +30729,7 @@
             <a:fld id="{6C885DEC-5AE5-4403-A92E-278225061E43}" type="slidenum">
               <a:rPr lang="nl-NL" smtClean="0"/>
               <a:pPr algn="l"/>
-              <a:t>50</a:t>
+              <a:t>53</a:t>
             </a:fld>
             <a:endParaRPr lang="nl-NL" dirty="0"/>
           </a:p>
@@ -29216,7 +30900,7 @@
 </p:sld>
 </file>
 
-<file path=ppt/slides/slide51.xml><?xml version="1.0" encoding="utf-8"?>
+<file path=ppt/slides/slide54.xml><?xml version="1.0" encoding="utf-8"?>
 <p:sld xmlns:a="http://schemas.openxmlformats.org/drawingml/2006/main" xmlns:r="http://schemas.openxmlformats.org/officeDocument/2006/relationships" xmlns:p="http://schemas.openxmlformats.org/presentationml/2006/main">
   <p:cSld>
     <p:spTree>
@@ -29373,7 +31057,7 @@
             <a:fld id="{6C885DEC-5AE5-4403-A92E-278225061E43}" type="slidenum">
               <a:rPr lang="nl-NL" smtClean="0"/>
               <a:pPr algn="l"/>
-              <a:t>51</a:t>
+              <a:t>54</a:t>
             </a:fld>
             <a:endParaRPr lang="nl-NL" dirty="0"/>
           </a:p>
@@ -29392,7 +31076,7 @@
 </p:sld>
 </file>
 
-<file path=ppt/slides/slide52.xml><?xml version="1.0" encoding="utf-8"?>
+<file path=ppt/slides/slide55.xml><?xml version="1.0" encoding="utf-8"?>
 <p:sld xmlns:a="http://schemas.openxmlformats.org/drawingml/2006/main" xmlns:r="http://schemas.openxmlformats.org/officeDocument/2006/relationships" xmlns:p="http://schemas.openxmlformats.org/presentationml/2006/main">
   <p:cSld>
     <p:spTree>
@@ -29928,7 +31612,7 @@
             <a:fld id="{6C885DEC-5AE5-4403-A92E-278225061E43}" type="slidenum">
               <a:rPr lang="nl-NL" smtClean="0"/>
               <a:pPr algn="l"/>
-              <a:t>52</a:t>
+              <a:t>55</a:t>
             </a:fld>
             <a:endParaRPr lang="nl-NL" dirty="0"/>
           </a:p>
@@ -30010,7 +31694,7 @@
 </p:sld>
 </file>
 
-<file path=ppt/slides/slide53.xml><?xml version="1.0" encoding="utf-8"?>
+<file path=ppt/slides/slide56.xml><?xml version="1.0" encoding="utf-8"?>
 <p:sld xmlns:a="http://schemas.openxmlformats.org/drawingml/2006/main" xmlns:r="http://schemas.openxmlformats.org/officeDocument/2006/relationships" xmlns:p="http://schemas.openxmlformats.org/presentationml/2006/main">
   <p:cSld>
     <p:spTree>
@@ -30060,419 +31744,527 @@
           <a:lstStyle/>
           <a:p>
             <a:r>
-              <a:rPr lang="en-GB" sz="1600" b="1" dirty="0"/>
+              <a:rPr lang="en-GB" sz="1400" b="1" dirty="0"/>
               <a:t>Def</a:t>
             </a:r>
-            <a:endParaRPr lang="en-GB" sz="1600" dirty="0"/>
+            <a:endParaRPr lang="en-GB" sz="1400" dirty="0"/>
           </a:p>
           <a:p>
             <a:pPr lvl="1"/>
             <a:r>
-              <a:rPr lang="en-GB" sz="1600" dirty="0"/>
+              <a:rPr lang="en-GB" sz="1400" dirty="0"/>
               <a:t>Met het </a:t>
             </a:r>
             <a:r>
-              <a:rPr lang="en-GB" sz="1600" dirty="0" err="1"/>
+              <a:rPr lang="en-GB" sz="1400" dirty="0" err="1"/>
               <a:t>sleutelwoord</a:t>
             </a:r>
             <a:r>
-              <a:rPr lang="en-GB" sz="1600" dirty="0"/>
+              <a:rPr lang="en-GB" sz="1400" dirty="0"/>
               <a:t> def begin je </a:t>
             </a:r>
             <a:r>
-              <a:rPr lang="en-GB" sz="1600" dirty="0" err="1"/>
+              <a:rPr lang="en-GB" sz="1400" dirty="0" err="1"/>
               <a:t>een</a:t>
             </a:r>
             <a:r>
-              <a:rPr lang="en-GB" sz="1600" dirty="0"/>
+              <a:rPr lang="en-GB" sz="1400" dirty="0"/>
               <a:t> </a:t>
             </a:r>
             <a:r>
-              <a:rPr lang="en-GB" sz="1600" dirty="0" err="1"/>
+              <a:rPr lang="en-GB" sz="1400" dirty="0" err="1"/>
               <a:t>functie</a:t>
             </a:r>
             <a:r>
-              <a:rPr lang="en-GB" sz="1600" dirty="0"/>
+              <a:rPr lang="en-GB" sz="1400" dirty="0"/>
               <a:t>.</a:t>
             </a:r>
           </a:p>
           <a:p>
             <a:pPr lvl="1"/>
             <a:r>
-              <a:rPr lang="en-GB" sz="1600" dirty="0" err="1"/>
+              <a:rPr lang="en-GB" sz="1400" dirty="0" err="1"/>
               <a:t>Daarna</a:t>
             </a:r>
             <a:r>
-              <a:rPr lang="en-GB" sz="1600" dirty="0"/>
+              <a:rPr lang="en-GB" sz="1400" dirty="0"/>
               <a:t> </a:t>
             </a:r>
             <a:r>
-              <a:rPr lang="en-GB" sz="1600" dirty="0" err="1"/>
+              <a:rPr lang="en-GB" sz="1400" dirty="0" err="1"/>
               <a:t>geef</a:t>
             </a:r>
             <a:r>
-              <a:rPr lang="en-GB" sz="1600" dirty="0"/>
+              <a:rPr lang="en-GB" sz="1400" dirty="0"/>
               <a:t> je de </a:t>
             </a:r>
             <a:r>
-              <a:rPr lang="en-GB" sz="1600" dirty="0" err="1"/>
+              <a:rPr lang="en-GB" sz="1400" dirty="0" err="1"/>
               <a:t>functie</a:t>
             </a:r>
             <a:r>
-              <a:rPr lang="en-GB" sz="1600" dirty="0"/>
+              <a:rPr lang="en-GB" sz="1400" dirty="0"/>
               <a:t> </a:t>
             </a:r>
             <a:r>
-              <a:rPr lang="en-GB" sz="1600" dirty="0" err="1"/>
+              <a:rPr lang="en-GB" sz="1400" dirty="0" err="1"/>
               <a:t>een</a:t>
             </a:r>
             <a:r>
-              <a:rPr lang="en-GB" sz="1600" dirty="0"/>
+              <a:rPr lang="en-GB" sz="1400" dirty="0"/>
               <a:t> </a:t>
             </a:r>
             <a:r>
-              <a:rPr lang="en-GB" sz="1600" b="1" dirty="0"/>
+              <a:rPr lang="en-GB" sz="1400" b="1" dirty="0"/>
               <a:t>naam</a:t>
             </a:r>
             <a:r>
-              <a:rPr lang="en-GB" sz="1600" dirty="0"/>
+              <a:rPr lang="en-GB" sz="1400" dirty="0"/>
               <a:t> </a:t>
             </a:r>
             <a:r>
-              <a:rPr lang="en-GB" sz="1600" dirty="0" err="1"/>
+              <a:rPr lang="en-GB" sz="1400" dirty="0" err="1"/>
               <a:t>en</a:t>
             </a:r>
             <a:r>
-              <a:rPr lang="en-GB" sz="1600" dirty="0"/>
+              <a:rPr lang="en-GB" sz="1400" dirty="0"/>
               <a:t> </a:t>
             </a:r>
             <a:r>
-              <a:rPr lang="en-GB" sz="1600" dirty="0" err="1"/>
+              <a:rPr lang="en-GB" sz="1400" dirty="0" err="1"/>
               <a:t>eventueel</a:t>
             </a:r>
             <a:r>
-              <a:rPr lang="en-GB" sz="1600" dirty="0"/>
+              <a:rPr lang="en-GB" sz="1400" dirty="0"/>
               <a:t> </a:t>
             </a:r>
             <a:r>
-              <a:rPr lang="en-GB" sz="1600" b="1" dirty="0"/>
+              <a:rPr lang="en-GB" sz="1400" b="1" dirty="0"/>
               <a:t>parameters</a:t>
             </a:r>
             <a:r>
-              <a:rPr lang="en-GB" sz="1600" dirty="0"/>
+              <a:rPr lang="en-GB" sz="1400" dirty="0"/>
               <a:t> (</a:t>
             </a:r>
             <a:r>
-              <a:rPr lang="en-GB" sz="1600" dirty="0" err="1"/>
+              <a:rPr lang="en-GB" sz="1400" dirty="0" err="1"/>
               <a:t>invoer</a:t>
             </a:r>
             <a:r>
-              <a:rPr lang="en-GB" sz="1600" dirty="0"/>
+              <a:rPr lang="en-GB" sz="1400" dirty="0"/>
               <a:t>).</a:t>
             </a:r>
           </a:p>
           <a:p>
             <a:r>
-              <a:rPr lang="en-GB" sz="1600" b="1" dirty="0"/>
+              <a:rPr lang="en-GB" sz="1400" b="1" dirty="0"/>
               <a:t>parameters</a:t>
             </a:r>
-            <a:endParaRPr lang="en-GB" sz="1600" dirty="0"/>
+            <a:endParaRPr lang="en-GB" sz="1400" dirty="0"/>
           </a:p>
           <a:p>
             <a:pPr lvl="1"/>
             <a:r>
-              <a:rPr lang="en-GB" sz="1600" dirty="0" err="1"/>
+              <a:rPr lang="en-GB" sz="1400" dirty="0" err="1"/>
               <a:t>Waarden</a:t>
             </a:r>
             <a:r>
-              <a:rPr lang="en-GB" sz="1600" dirty="0"/>
+              <a:rPr lang="en-GB" sz="1400" dirty="0"/>
               <a:t> die je </a:t>
             </a:r>
             <a:r>
-              <a:rPr lang="en-GB" sz="1600" dirty="0" err="1"/>
+              <a:rPr lang="en-GB" sz="1400" dirty="0" err="1"/>
               <a:t>aan</a:t>
             </a:r>
             <a:r>
-              <a:rPr lang="en-GB" sz="1600" dirty="0"/>
+              <a:rPr lang="en-GB" sz="1400" dirty="0"/>
               <a:t> </a:t>
             </a:r>
             <a:r>
-              <a:rPr lang="en-GB" sz="1600" dirty="0" err="1"/>
+              <a:rPr lang="en-GB" sz="1400" dirty="0" err="1"/>
               <a:t>een</a:t>
             </a:r>
             <a:r>
-              <a:rPr lang="en-GB" sz="1600" dirty="0"/>
+              <a:rPr lang="en-GB" sz="1400" dirty="0"/>
               <a:t> </a:t>
             </a:r>
             <a:r>
-              <a:rPr lang="en-GB" sz="1600" dirty="0" err="1"/>
+              <a:rPr lang="en-GB" sz="1400" dirty="0" err="1"/>
               <a:t>functie</a:t>
             </a:r>
             <a:r>
-              <a:rPr lang="en-GB" sz="1600" dirty="0"/>
+              <a:rPr lang="en-GB" sz="1400" dirty="0"/>
               <a:t> </a:t>
             </a:r>
             <a:r>
-              <a:rPr lang="en-GB" sz="1600" dirty="0" err="1"/>
+              <a:rPr lang="en-GB" sz="1400" dirty="0" err="1"/>
               <a:t>meegeeft</a:t>
             </a:r>
             <a:r>
-              <a:rPr lang="en-GB" sz="1600" dirty="0"/>
+              <a:rPr lang="en-GB" sz="1400" dirty="0"/>
               <a:t>.</a:t>
             </a:r>
           </a:p>
           <a:p>
             <a:pPr lvl="1"/>
             <a:r>
-              <a:rPr lang="en-GB" sz="1600" dirty="0" err="1"/>
+              <a:rPr lang="en-GB" sz="1400" dirty="0" err="1"/>
               <a:t>Bijvoorbeeld</a:t>
             </a:r>
             <a:r>
-              <a:rPr lang="en-GB" sz="1600" dirty="0"/>
+              <a:rPr lang="en-GB" sz="1400" dirty="0"/>
               <a:t>: def </a:t>
             </a:r>
             <a:r>
-              <a:rPr lang="en-GB" sz="1600" dirty="0" err="1"/>
+              <a:rPr lang="en-GB" sz="1400" dirty="0" err="1"/>
               <a:t>oppervlakte</a:t>
             </a:r>
             <a:r>
-              <a:rPr lang="en-GB" sz="1600" dirty="0"/>
+              <a:rPr lang="en-GB" sz="1400" dirty="0"/>
               <a:t>(</a:t>
             </a:r>
             <a:r>
-              <a:rPr lang="en-GB" sz="1600" dirty="0" err="1"/>
+              <a:rPr lang="en-GB" sz="1400" dirty="0" err="1"/>
               <a:t>lengte</a:t>
             </a:r>
             <a:r>
-              <a:rPr lang="en-GB" sz="1600" dirty="0"/>
+              <a:rPr lang="en-GB" sz="1400" dirty="0"/>
               <a:t>, </a:t>
             </a:r>
             <a:r>
-              <a:rPr lang="en-GB" sz="1600" dirty="0" err="1"/>
+              <a:rPr lang="en-GB" sz="1400" dirty="0" err="1"/>
               <a:t>breedte</a:t>
             </a:r>
             <a:r>
-              <a:rPr lang="en-GB" sz="1600" dirty="0"/>
+              <a:rPr lang="en-GB" sz="1400" dirty="0"/>
               <a:t>):</a:t>
             </a:r>
           </a:p>
           <a:p>
             <a:r>
-              <a:rPr lang="en-GB" sz="1600" b="1" dirty="0"/>
+              <a:rPr lang="en-GB" sz="1400" b="1" dirty="0"/>
               <a:t>return</a:t>
             </a:r>
-            <a:endParaRPr lang="en-GB" sz="1600" dirty="0"/>
+            <a:endParaRPr lang="en-GB" sz="1400" dirty="0"/>
           </a:p>
           <a:p>
             <a:pPr lvl="1"/>
             <a:r>
-              <a:rPr lang="en-GB" sz="1600" dirty="0"/>
+              <a:rPr lang="en-GB" sz="1400" dirty="0"/>
               <a:t>Met return </a:t>
             </a:r>
             <a:r>
-              <a:rPr lang="en-GB" sz="1600" dirty="0" err="1"/>
+              <a:rPr lang="en-GB" sz="1400" dirty="0" err="1"/>
               <a:t>geef</a:t>
             </a:r>
             <a:r>
-              <a:rPr lang="en-GB" sz="1600" dirty="0"/>
+              <a:rPr lang="en-GB" sz="1400" dirty="0"/>
               <a:t> je </a:t>
             </a:r>
             <a:r>
-              <a:rPr lang="en-GB" sz="1600" dirty="0" err="1"/>
+              <a:rPr lang="en-GB" sz="1400" dirty="0" err="1"/>
               <a:t>een</a:t>
             </a:r>
             <a:r>
-              <a:rPr lang="en-GB" sz="1600" dirty="0"/>
+              <a:rPr lang="en-GB" sz="1400" dirty="0"/>
               <a:t> </a:t>
             </a:r>
             <a:r>
-              <a:rPr lang="en-GB" sz="1600" b="1" dirty="0" err="1"/>
+              <a:rPr lang="en-GB" sz="1400" b="1" dirty="0" err="1"/>
               <a:t>uitkomst</a:t>
             </a:r>
             <a:r>
-              <a:rPr lang="en-GB" sz="1600" dirty="0"/>
+              <a:rPr lang="en-GB" sz="1400" dirty="0"/>
               <a:t> </a:t>
             </a:r>
             <a:r>
-              <a:rPr lang="en-GB" sz="1600" dirty="0" err="1"/>
+              <a:rPr lang="en-GB" sz="1400" dirty="0" err="1"/>
               <a:t>terug</a:t>
             </a:r>
             <a:r>
-              <a:rPr lang="en-GB" sz="1600" dirty="0"/>
+              <a:rPr lang="en-GB" sz="1400" dirty="0"/>
               <a:t> </a:t>
             </a:r>
             <a:r>
-              <a:rPr lang="en-GB" sz="1600" dirty="0" err="1"/>
+              <a:rPr lang="en-GB" sz="1400" dirty="0" err="1"/>
               <a:t>aan</a:t>
             </a:r>
             <a:r>
-              <a:rPr lang="en-GB" sz="1600" dirty="0"/>
+              <a:rPr lang="en-GB" sz="1400" dirty="0"/>
               <a:t> de </a:t>
             </a:r>
             <a:r>
-              <a:rPr lang="en-GB" sz="1600" dirty="0" err="1"/>
+              <a:rPr lang="en-GB" sz="1400" dirty="0" err="1"/>
               <a:t>plek</a:t>
             </a:r>
             <a:r>
-              <a:rPr lang="en-GB" sz="1600" dirty="0"/>
+              <a:rPr lang="en-GB" sz="1400" dirty="0"/>
               <a:t> </a:t>
             </a:r>
             <a:r>
-              <a:rPr lang="en-GB" sz="1600" dirty="0" err="1"/>
+              <a:rPr lang="en-GB" sz="1400" dirty="0" err="1"/>
               <a:t>waar</a:t>
             </a:r>
             <a:r>
-              <a:rPr lang="en-GB" sz="1600" dirty="0"/>
+              <a:rPr lang="en-GB" sz="1400" dirty="0"/>
               <a:t> de </a:t>
             </a:r>
             <a:r>
-              <a:rPr lang="en-GB" sz="1600" dirty="0" err="1"/>
+              <a:rPr lang="en-GB" sz="1400" dirty="0" err="1"/>
               <a:t>functie</a:t>
             </a:r>
             <a:r>
-              <a:rPr lang="en-GB" sz="1600" dirty="0"/>
+              <a:rPr lang="en-GB" sz="1400" dirty="0"/>
               <a:t> is </a:t>
             </a:r>
             <a:r>
-              <a:rPr lang="en-GB" sz="1600" dirty="0" err="1"/>
+              <a:rPr lang="en-GB" sz="1400" dirty="0" err="1"/>
               <a:t>aangeroepen</a:t>
             </a:r>
             <a:r>
-              <a:rPr lang="en-GB" sz="1600" dirty="0"/>
+              <a:rPr lang="en-GB" sz="1400" dirty="0"/>
               <a:t>.</a:t>
             </a:r>
           </a:p>
           <a:p>
             <a:pPr lvl="1"/>
             <a:r>
-              <a:rPr lang="en-GB" sz="1600" dirty="0"/>
+              <a:rPr lang="en-GB" sz="1400" dirty="0"/>
               <a:t>Als je </a:t>
             </a:r>
             <a:r>
-              <a:rPr lang="en-GB" sz="1600" dirty="0" err="1"/>
+              <a:rPr lang="en-GB" sz="1400" dirty="0" err="1"/>
               <a:t>geen</a:t>
             </a:r>
             <a:r>
-              <a:rPr lang="en-GB" sz="1600" dirty="0"/>
+              <a:rPr lang="en-GB" sz="1400" dirty="0"/>
               <a:t> return </a:t>
             </a:r>
             <a:r>
-              <a:rPr lang="en-GB" sz="1600" dirty="0" err="1"/>
+              <a:rPr lang="en-GB" sz="1400" dirty="0" err="1"/>
               <a:t>schrijft</a:t>
             </a:r>
             <a:r>
-              <a:rPr lang="en-GB" sz="1600" dirty="0"/>
+              <a:rPr lang="en-GB" sz="1400" dirty="0"/>
               <a:t>, </a:t>
             </a:r>
             <a:r>
-              <a:rPr lang="en-GB" sz="1600" dirty="0" err="1"/>
+              <a:rPr lang="en-GB" sz="1400" dirty="0" err="1"/>
               <a:t>geeft</a:t>
             </a:r>
             <a:r>
-              <a:rPr lang="en-GB" sz="1600" dirty="0"/>
+              <a:rPr lang="en-GB" sz="1400" dirty="0"/>
               <a:t> de </a:t>
             </a:r>
             <a:r>
-              <a:rPr lang="en-GB" sz="1600" dirty="0" err="1"/>
+              <a:rPr lang="en-GB" sz="1400" dirty="0" err="1"/>
               <a:t>functie</a:t>
             </a:r>
             <a:r>
-              <a:rPr lang="en-GB" sz="1600" dirty="0"/>
+              <a:rPr lang="en-GB" sz="1400" dirty="0"/>
               <a:t> </a:t>
             </a:r>
             <a:r>
-              <a:rPr lang="en-GB" sz="1600" dirty="0" err="1"/>
+              <a:rPr lang="en-GB" sz="1400" dirty="0" err="1"/>
               <a:t>standaard</a:t>
             </a:r>
             <a:r>
-              <a:rPr lang="en-GB" sz="1600" dirty="0"/>
+              <a:rPr lang="en-GB" sz="1400" dirty="0"/>
               <a:t> None </a:t>
             </a:r>
             <a:r>
-              <a:rPr lang="en-GB" sz="1600" dirty="0" err="1"/>
+              <a:rPr lang="en-GB" sz="1400" dirty="0" err="1"/>
               <a:t>terug</a:t>
             </a:r>
             <a:r>
-              <a:rPr lang="en-GB" sz="1600" dirty="0"/>
+              <a:rPr lang="en-GB" sz="1400" dirty="0"/>
               <a:t>.</a:t>
             </a:r>
           </a:p>
           <a:p>
             <a:r>
-              <a:rPr lang="en-GB" sz="1600" b="1" dirty="0" err="1"/>
+              <a:rPr lang="en-GB" sz="1400" b="1" dirty="0" err="1"/>
               <a:t>aanroepen</a:t>
             </a:r>
-            <a:endParaRPr lang="en-GB" sz="1600" dirty="0"/>
+            <a:endParaRPr lang="en-GB" sz="1400" dirty="0"/>
           </a:p>
           <a:p>
             <a:pPr lvl="1"/>
             <a:r>
-              <a:rPr lang="en-GB" sz="1600" dirty="0" err="1"/>
+              <a:rPr lang="en-GB" sz="1400" dirty="0" err="1"/>
               <a:t>Een</a:t>
             </a:r>
             <a:r>
-              <a:rPr lang="en-GB" sz="1600" dirty="0"/>
+              <a:rPr lang="en-GB" sz="1400" dirty="0"/>
               <a:t> </a:t>
             </a:r>
             <a:r>
-              <a:rPr lang="en-GB" sz="1600" dirty="0" err="1"/>
+              <a:rPr lang="en-GB" sz="1400" dirty="0" err="1"/>
               <a:t>functie</a:t>
             </a:r>
             <a:r>
-              <a:rPr lang="en-GB" sz="1600" dirty="0"/>
+              <a:rPr lang="en-GB" sz="1400" dirty="0"/>
               <a:t> “</a:t>
             </a:r>
             <a:r>
-              <a:rPr lang="en-GB" sz="1600" dirty="0" err="1"/>
+              <a:rPr lang="en-GB" sz="1400" dirty="0" err="1"/>
               <a:t>uitvoeren</a:t>
             </a:r>
             <a:r>
-              <a:rPr lang="en-GB" sz="1600" dirty="0"/>
+              <a:rPr lang="en-GB" sz="1400" dirty="0"/>
               <a:t>” doe je door de naam </a:t>
             </a:r>
             <a:r>
-              <a:rPr lang="en-GB" sz="1600" dirty="0" err="1"/>
+              <a:rPr lang="en-GB" sz="1400" dirty="0" err="1"/>
               <a:t>te</a:t>
             </a:r>
             <a:r>
-              <a:rPr lang="en-GB" sz="1600" dirty="0"/>
+              <a:rPr lang="en-GB" sz="1400" dirty="0"/>
               <a:t> </a:t>
             </a:r>
             <a:r>
-              <a:rPr lang="en-GB" sz="1600" dirty="0" err="1"/>
+              <a:rPr lang="en-GB" sz="1400" dirty="0" err="1"/>
               <a:t>typen</a:t>
             </a:r>
             <a:r>
-              <a:rPr lang="en-GB" sz="1600" dirty="0"/>
+              <a:rPr lang="en-GB" sz="1400" dirty="0"/>
               <a:t> met </a:t>
             </a:r>
             <a:r>
-              <a:rPr lang="en-GB" sz="1600" dirty="0" err="1"/>
+              <a:rPr lang="en-GB" sz="1400" dirty="0" err="1"/>
               <a:t>haakjes</a:t>
             </a:r>
             <a:r>
-              <a:rPr lang="en-GB" sz="1600" dirty="0"/>
+              <a:rPr lang="en-GB" sz="1400" dirty="0"/>
               <a:t> </a:t>
             </a:r>
             <a:r>
-              <a:rPr lang="en-GB" sz="1600" dirty="0" err="1"/>
+              <a:rPr lang="en-GB" sz="1400" dirty="0" err="1"/>
               <a:t>erachter</a:t>
             </a:r>
             <a:r>
-              <a:rPr lang="en-GB" sz="1600" dirty="0"/>
+              <a:rPr lang="en-GB" sz="1400" dirty="0"/>
               <a:t>: </a:t>
             </a:r>
             <a:r>
-              <a:rPr lang="en-GB" sz="1600" dirty="0" err="1"/>
+              <a:rPr lang="en-GB" sz="1400" dirty="0" err="1"/>
               <a:t>functie_naam</a:t>
             </a:r>
             <a:r>
-              <a:rPr lang="en-GB" sz="1600" dirty="0"/>
+              <a:rPr lang="en-GB" sz="1400" dirty="0"/>
               <a:t>(...).</a:t>
             </a:r>
           </a:p>
           <a:p>
-            <a:endParaRPr lang="en-NL" sz="1600" dirty="0"/>
+            <a:pPr lvl="1"/>
+            <a:r>
+              <a:rPr lang="en-GB" sz="1400" dirty="0"/>
+              <a:t>Op de </a:t>
+            </a:r>
+            <a:r>
+              <a:rPr lang="en-GB" sz="1400" dirty="0" err="1"/>
+              <a:t>plek</a:t>
+            </a:r>
+            <a:r>
+              <a:rPr lang="en-GB" sz="1400" dirty="0"/>
+              <a:t> </a:t>
+            </a:r>
+            <a:r>
+              <a:rPr lang="en-GB" sz="1400" dirty="0" err="1"/>
+              <a:t>waar</a:t>
+            </a:r>
+            <a:r>
+              <a:rPr lang="en-GB" sz="1400" dirty="0"/>
+              <a:t> je </a:t>
+            </a:r>
+            <a:r>
+              <a:rPr lang="en-GB" sz="1400" dirty="0" err="1"/>
+              <a:t>een</a:t>
+            </a:r>
+            <a:r>
+              <a:rPr lang="en-GB" sz="1400" dirty="0"/>
+              <a:t> </a:t>
+            </a:r>
+            <a:r>
+              <a:rPr lang="en-GB" sz="1400" dirty="0" err="1"/>
+              <a:t>waarde</a:t>
+            </a:r>
+            <a:r>
+              <a:rPr lang="en-GB" sz="1400" dirty="0"/>
+              <a:t> </a:t>
+            </a:r>
+            <a:r>
+              <a:rPr lang="en-GB" sz="1400" dirty="0" err="1"/>
+              <a:t>plaatst</a:t>
+            </a:r>
+            <a:r>
+              <a:rPr lang="en-GB" sz="1400" dirty="0"/>
+              <a:t> </a:t>
+            </a:r>
+            <a:r>
+              <a:rPr lang="en-GB" sz="1400" dirty="0" err="1"/>
+              <a:t>herkent</a:t>
+            </a:r>
+            <a:r>
+              <a:rPr lang="en-GB" sz="1400" dirty="0"/>
+              <a:t> de </a:t>
+            </a:r>
+            <a:r>
+              <a:rPr lang="en-GB" sz="1400" dirty="0" err="1"/>
+              <a:t>functie</a:t>
+            </a:r>
+            <a:r>
+              <a:rPr lang="en-GB" sz="1400" dirty="0"/>
+              <a:t> de input. Door </a:t>
+            </a:r>
+            <a:r>
+              <a:rPr lang="en-GB" sz="1400" dirty="0" err="1"/>
+              <a:t>oppervlakte</a:t>
+            </a:r>
+            <a:r>
+              <a:rPr lang="en-GB" sz="1400" dirty="0"/>
+              <a:t>(</a:t>
+            </a:r>
+            <a:r>
+              <a:rPr lang="en-GB" sz="1400" dirty="0" err="1"/>
+              <a:t>breedte</a:t>
+            </a:r>
+            <a:r>
+              <a:rPr lang="en-GB" sz="1400" dirty="0"/>
+              <a:t> = “x”, </a:t>
+            </a:r>
+            <a:r>
+              <a:rPr lang="en-GB" sz="1400" dirty="0" err="1"/>
+              <a:t>lengte</a:t>
+            </a:r>
+            <a:r>
+              <a:rPr lang="en-GB" sz="1400" dirty="0"/>
+              <a:t> = “y”), </a:t>
+            </a:r>
+            <a:r>
+              <a:rPr lang="en-GB" sz="1400" dirty="0" err="1"/>
+              <a:t>kun</a:t>
+            </a:r>
+            <a:r>
+              <a:rPr lang="en-GB" sz="1400" dirty="0"/>
+              <a:t> je de </a:t>
+            </a:r>
+            <a:r>
+              <a:rPr lang="en-GB" sz="1400" dirty="0" err="1"/>
+              <a:t>volgorde</a:t>
+            </a:r>
+            <a:r>
+              <a:rPr lang="en-GB" sz="1400" dirty="0"/>
+              <a:t> </a:t>
+            </a:r>
+            <a:r>
+              <a:rPr lang="en-GB" sz="1400" dirty="0" err="1"/>
+              <a:t>aanpassen</a:t>
+            </a:r>
+            <a:endParaRPr lang="en-GB" sz="1400" dirty="0"/>
+          </a:p>
+          <a:p>
+            <a:endParaRPr lang="en-NL" sz="1400" dirty="0"/>
           </a:p>
         </p:txBody>
       </p:sp>
@@ -30562,7 +32354,7 @@
             <a:fld id="{6C885DEC-5AE5-4403-A92E-278225061E43}" type="slidenum">
               <a:rPr lang="nl-NL" smtClean="0"/>
               <a:pPr algn="l"/>
-              <a:t>53</a:t>
+              <a:t>56</a:t>
             </a:fld>
             <a:endParaRPr lang="nl-NL" dirty="0"/>
           </a:p>
@@ -30795,7 +32587,7 @@
 </p:sld>
 </file>
 
-<file path=ppt/slides/slide54.xml><?xml version="1.0" encoding="utf-8"?>
+<file path=ppt/slides/slide57.xml><?xml version="1.0" encoding="utf-8"?>
 <p:sld xmlns:a="http://schemas.openxmlformats.org/drawingml/2006/main" xmlns:r="http://schemas.openxmlformats.org/officeDocument/2006/relationships" xmlns:p="http://schemas.openxmlformats.org/presentationml/2006/main">
   <p:cSld>
     <p:spTree>
@@ -30904,7 +32696,7 @@
             <a:fld id="{6C885DEC-5AE5-4403-A92E-278225061E43}" type="slidenum">
               <a:rPr lang="nl-NL" smtClean="0"/>
               <a:pPr algn="l"/>
-              <a:t>54</a:t>
+              <a:t>57</a:t>
             </a:fld>
             <a:endParaRPr lang="nl-NL" dirty="0"/>
           </a:p>
@@ -31046,7 +32838,7 @@
 </p:sld>
 </file>
 
-<file path=ppt/slides/slide55.xml><?xml version="1.0" encoding="utf-8"?>
+<file path=ppt/slides/slide58.xml><?xml version="1.0" encoding="utf-8"?>
 <p:sld xmlns:a="http://schemas.openxmlformats.org/drawingml/2006/main" xmlns:r="http://schemas.openxmlformats.org/officeDocument/2006/relationships" xmlns:p="http://schemas.openxmlformats.org/presentationml/2006/main">
   <p:cSld>
     <p:spTree>
@@ -31155,7 +32947,7 @@
             <a:fld id="{6C885DEC-5AE5-4403-A92E-278225061E43}" type="slidenum">
               <a:rPr lang="nl-NL" smtClean="0"/>
               <a:pPr algn="l"/>
-              <a:t>55</a:t>
+              <a:t>58</a:t>
             </a:fld>
             <a:endParaRPr lang="nl-NL" dirty="0"/>
           </a:p>
@@ -31361,7 +33153,7 @@
 </p:sld>
 </file>
 
-<file path=ppt/slides/slide56.xml><?xml version="1.0" encoding="utf-8"?>
+<file path=ppt/slides/slide59.xml><?xml version="1.0" encoding="utf-8"?>
 <p:sld xmlns:a="http://schemas.openxmlformats.org/drawingml/2006/main" xmlns:r="http://schemas.openxmlformats.org/officeDocument/2006/relationships" xmlns:p="http://schemas.openxmlformats.org/presentationml/2006/main">
   <p:cSld>
     <p:spTree>
@@ -31518,7 +33310,7 @@
             <a:fld id="{6C885DEC-5AE5-4403-A92E-278225061E43}" type="slidenum">
               <a:rPr lang="nl-NL" smtClean="0"/>
               <a:pPr algn="l"/>
-              <a:t>56</a:t>
+              <a:t>59</a:t>
             </a:fld>
             <a:endParaRPr lang="nl-NL" dirty="0"/>
           </a:p>
@@ -31528,179 +33320,6 @@
     <p:extLst>
       <p:ext uri="{BB962C8B-B14F-4D97-AF65-F5344CB8AC3E}">
         <p14:creationId xmlns:p14="http://schemas.microsoft.com/office/powerpoint/2010/main" val="1342661963"/>
-      </p:ext>
-    </p:extLst>
-  </p:cSld>
-  <p:clrMapOvr>
-    <a:masterClrMapping/>
-  </p:clrMapOvr>
-</p:sld>
-</file>
-
-<file path=ppt/slides/slide57.xml><?xml version="1.0" encoding="utf-8"?>
-<p:sld xmlns:a="http://schemas.openxmlformats.org/drawingml/2006/main" xmlns:r="http://schemas.openxmlformats.org/officeDocument/2006/relationships" xmlns:p="http://schemas.openxmlformats.org/presentationml/2006/main">
-  <p:cSld>
-    <p:spTree>
-      <p:nvGrpSpPr>
-        <p:cNvPr id="1" name=""/>
-        <p:cNvGrpSpPr/>
-        <p:nvPr/>
-      </p:nvGrpSpPr>
-      <p:grpSpPr>
-        <a:xfrm>
-          <a:off x="0" y="0"/>
-          <a:ext cx="0" cy="0"/>
-          <a:chOff x="0" y="0"/>
-          <a:chExt cx="0" cy="0"/>
-        </a:xfrm>
-      </p:grpSpPr>
-      <p:sp>
-        <p:nvSpPr>
-          <p:cNvPr id="2" name="Title 1">
-            <a:extLst>
-              <a:ext uri="{FF2B5EF4-FFF2-40B4-BE49-F238E27FC236}">
-                <a16:creationId xmlns:a16="http://schemas.microsoft.com/office/drawing/2014/main" id="{8CE0272C-5925-E390-A87E-3BF6523A40C8}"/>
-              </a:ext>
-            </a:extLst>
-          </p:cNvPr>
-          <p:cNvSpPr>
-            <a:spLocks noGrp="1"/>
-          </p:cNvSpPr>
-          <p:nvPr>
-            <p:ph type="title"/>
-          </p:nvPr>
-        </p:nvSpPr>
-        <p:spPr/>
-        <p:txBody>
-          <a:bodyPr/>
-          <a:lstStyle/>
-          <a:p>
-            <a:endParaRPr lang="en-NL"/>
-          </a:p>
-        </p:txBody>
-      </p:sp>
-      <p:sp>
-        <p:nvSpPr>
-          <p:cNvPr id="3" name="Content Placeholder 2">
-            <a:extLst>
-              <a:ext uri="{FF2B5EF4-FFF2-40B4-BE49-F238E27FC236}">
-                <a16:creationId xmlns:a16="http://schemas.microsoft.com/office/drawing/2014/main" id="{57FE708A-3F39-6324-9A60-D04ECAD630AF}"/>
-              </a:ext>
-            </a:extLst>
-          </p:cNvPr>
-          <p:cNvSpPr>
-            <a:spLocks noGrp="1"/>
-          </p:cNvSpPr>
-          <p:nvPr>
-            <p:ph idx="1"/>
-          </p:nvPr>
-        </p:nvSpPr>
-        <p:spPr/>
-        <p:txBody>
-          <a:bodyPr/>
-          <a:lstStyle/>
-          <a:p>
-            <a:endParaRPr lang="en-NL"/>
-          </a:p>
-        </p:txBody>
-      </p:sp>
-      <p:sp>
-        <p:nvSpPr>
-          <p:cNvPr id="4" name="Date Placeholder 3">
-            <a:extLst>
-              <a:ext uri="{FF2B5EF4-FFF2-40B4-BE49-F238E27FC236}">
-                <a16:creationId xmlns:a16="http://schemas.microsoft.com/office/drawing/2014/main" id="{A245E9FA-AF1A-E268-E142-47B8407F34CE}"/>
-              </a:ext>
-            </a:extLst>
-          </p:cNvPr>
-          <p:cNvSpPr>
-            <a:spLocks noGrp="1"/>
-          </p:cNvSpPr>
-          <p:nvPr>
-            <p:ph type="dt" sz="half" idx="10"/>
-          </p:nvPr>
-        </p:nvSpPr>
-        <p:spPr/>
-        <p:txBody>
-          <a:bodyPr/>
-          <a:lstStyle/>
-          <a:p>
-            <a:fld id="{9839CB03-DCF2-B749-ACCB-57353B868F10}" type="datetime1">
-              <a:rPr lang="nl-NL" smtClean="0"/>
-              <a:t>30-09-2025</a:t>
-            </a:fld>
-            <a:endParaRPr lang="nl-NL" dirty="0"/>
-          </a:p>
-        </p:txBody>
-      </p:sp>
-      <p:sp>
-        <p:nvSpPr>
-          <p:cNvPr id="5" name="Footer Placeholder 4">
-            <a:extLst>
-              <a:ext uri="{FF2B5EF4-FFF2-40B4-BE49-F238E27FC236}">
-                <a16:creationId xmlns:a16="http://schemas.microsoft.com/office/drawing/2014/main" id="{C66EC1BC-D2EC-E838-B964-44B7751E0F7C}"/>
-              </a:ext>
-            </a:extLst>
-          </p:cNvPr>
-          <p:cNvSpPr>
-            <a:spLocks noGrp="1"/>
-          </p:cNvSpPr>
-          <p:nvPr>
-            <p:ph type="ftr" sz="quarter" idx="11"/>
-          </p:nvPr>
-        </p:nvSpPr>
-        <p:spPr/>
-        <p:txBody>
-          <a:bodyPr/>
-          <a:lstStyle/>
-          <a:p>
-            <a:r>
-              <a:rPr lang="nl-NL"/>
-              <a:t>Python training – sessie 1</a:t>
-            </a:r>
-            <a:endParaRPr lang="nl-NL" dirty="0"/>
-          </a:p>
-        </p:txBody>
-      </p:sp>
-      <p:sp>
-        <p:nvSpPr>
-          <p:cNvPr id="6" name="Slide Number Placeholder 5">
-            <a:extLst>
-              <a:ext uri="{FF2B5EF4-FFF2-40B4-BE49-F238E27FC236}">
-                <a16:creationId xmlns:a16="http://schemas.microsoft.com/office/drawing/2014/main" id="{072DA6D7-951F-35D0-9091-6F24FEFE5FE2}"/>
-              </a:ext>
-            </a:extLst>
-          </p:cNvPr>
-          <p:cNvSpPr>
-            <a:spLocks noGrp="1"/>
-          </p:cNvSpPr>
-          <p:nvPr>
-            <p:ph type="sldNum" sz="quarter" idx="12"/>
-          </p:nvPr>
-        </p:nvSpPr>
-        <p:spPr/>
-        <p:txBody>
-          <a:bodyPr/>
-          <a:lstStyle/>
-          <a:p>
-            <a:pPr algn="l"/>
-            <a:r>
-              <a:rPr lang="nl-NL"/>
-              <a:t>| </a:t>
-            </a:r>
-            <a:fld id="{6C885DEC-5AE5-4403-A92E-278225061E43}" type="slidenum">
-              <a:rPr lang="nl-NL" smtClean="0"/>
-              <a:pPr algn="l"/>
-              <a:t>57</a:t>
-            </a:fld>
-            <a:endParaRPr lang="nl-NL" dirty="0"/>
-          </a:p>
-        </p:txBody>
-      </p:sp>
-    </p:spTree>
-    <p:extLst>
-      <p:ext uri="{BB962C8B-B14F-4D97-AF65-F5344CB8AC3E}">
-        <p14:creationId xmlns:p14="http://schemas.microsoft.com/office/powerpoint/2010/main" val="2764988865"/>
       </p:ext>
     </p:extLst>
   </p:cSld>
@@ -32392,6 +34011,371 @@
     <p:extLst>
       <p:ext uri="{BB962C8B-B14F-4D97-AF65-F5344CB8AC3E}">
         <p14:creationId xmlns:p14="http://schemas.microsoft.com/office/powerpoint/2010/main" val="47082833"/>
+      </p:ext>
+    </p:extLst>
+  </p:cSld>
+  <p:clrMapOvr>
+    <a:masterClrMapping/>
+  </p:clrMapOvr>
+</p:sld>
+</file>
+
+<file path=ppt/slides/slide60.xml><?xml version="1.0" encoding="utf-8"?>
+<p:sld xmlns:a="http://schemas.openxmlformats.org/drawingml/2006/main" xmlns:r="http://schemas.openxmlformats.org/officeDocument/2006/relationships" xmlns:p="http://schemas.openxmlformats.org/presentationml/2006/main">
+  <p:cSld>
+    <p:spTree>
+      <p:nvGrpSpPr>
+        <p:cNvPr id="1" name="">
+          <a:extLst>
+            <a:ext uri="{FF2B5EF4-FFF2-40B4-BE49-F238E27FC236}">
+              <a16:creationId xmlns:a16="http://schemas.microsoft.com/office/drawing/2014/main" id="{81C3D1F3-3482-3CAD-2C7E-D8DB5F5EF538}"/>
+            </a:ext>
+          </a:extLst>
+        </p:cNvPr>
+        <p:cNvGrpSpPr/>
+        <p:nvPr/>
+      </p:nvGrpSpPr>
+      <p:grpSpPr>
+        <a:xfrm>
+          <a:off x="0" y="0"/>
+          <a:ext cx="0" cy="0"/>
+          <a:chOff x="0" y="0"/>
+          <a:chExt cx="0" cy="0"/>
+        </a:xfrm>
+      </p:grpSpPr>
+      <p:sp>
+        <p:nvSpPr>
+          <p:cNvPr id="4" name="Date Placeholder 3">
+            <a:extLst>
+              <a:ext uri="{FF2B5EF4-FFF2-40B4-BE49-F238E27FC236}">
+                <a16:creationId xmlns:a16="http://schemas.microsoft.com/office/drawing/2014/main" id="{5CC7DA1C-358C-9907-B0A7-EEE03ED4FCF1}"/>
+              </a:ext>
+            </a:extLst>
+          </p:cNvPr>
+          <p:cNvSpPr>
+            <a:spLocks noGrp="1"/>
+          </p:cNvSpPr>
+          <p:nvPr>
+            <p:ph type="dt" sz="half" idx="10"/>
+          </p:nvPr>
+        </p:nvSpPr>
+        <p:spPr/>
+        <p:txBody>
+          <a:bodyPr/>
+          <a:lstStyle/>
+          <a:p>
+            <a:fld id="{9839CB03-DCF2-B749-ACCB-57353B868F10}" type="datetime1">
+              <a:rPr lang="nl-NL" smtClean="0"/>
+              <a:t>30-09-2025</a:t>
+            </a:fld>
+            <a:endParaRPr lang="nl-NL" dirty="0"/>
+          </a:p>
+        </p:txBody>
+      </p:sp>
+      <p:sp>
+        <p:nvSpPr>
+          <p:cNvPr id="5" name="Footer Placeholder 4">
+            <a:extLst>
+              <a:ext uri="{FF2B5EF4-FFF2-40B4-BE49-F238E27FC236}">
+                <a16:creationId xmlns:a16="http://schemas.microsoft.com/office/drawing/2014/main" id="{84E84917-930B-BD27-161E-634E10894CCF}"/>
+              </a:ext>
+            </a:extLst>
+          </p:cNvPr>
+          <p:cNvSpPr>
+            <a:spLocks noGrp="1"/>
+          </p:cNvSpPr>
+          <p:nvPr>
+            <p:ph type="ftr" sz="quarter" idx="11"/>
+          </p:nvPr>
+        </p:nvSpPr>
+        <p:spPr/>
+        <p:txBody>
+          <a:bodyPr/>
+          <a:lstStyle/>
+          <a:p>
+            <a:r>
+              <a:rPr lang="nl-NL" dirty="0"/>
+              <a:t>Python training – sessie 1</a:t>
+            </a:r>
+          </a:p>
+        </p:txBody>
+      </p:sp>
+      <p:sp>
+        <p:nvSpPr>
+          <p:cNvPr id="6" name="Slide Number Placeholder 5">
+            <a:extLst>
+              <a:ext uri="{FF2B5EF4-FFF2-40B4-BE49-F238E27FC236}">
+                <a16:creationId xmlns:a16="http://schemas.microsoft.com/office/drawing/2014/main" id="{89CB158E-C14E-27F1-4832-35D87342E2AA}"/>
+              </a:ext>
+            </a:extLst>
+          </p:cNvPr>
+          <p:cNvSpPr>
+            <a:spLocks noGrp="1"/>
+          </p:cNvSpPr>
+          <p:nvPr>
+            <p:ph type="sldNum" sz="quarter" idx="12"/>
+          </p:nvPr>
+        </p:nvSpPr>
+        <p:spPr/>
+        <p:txBody>
+          <a:bodyPr/>
+          <a:lstStyle/>
+          <a:p>
+            <a:pPr algn="l"/>
+            <a:r>
+              <a:rPr lang="nl-NL"/>
+              <a:t>| </a:t>
+            </a:r>
+            <a:fld id="{6C885DEC-5AE5-4403-A92E-278225061E43}" type="slidenum">
+              <a:rPr lang="nl-NL" smtClean="0"/>
+              <a:pPr algn="l"/>
+              <a:t>60</a:t>
+            </a:fld>
+            <a:endParaRPr lang="nl-NL" dirty="0"/>
+          </a:p>
+        </p:txBody>
+      </p:sp>
+      <p:sp>
+        <p:nvSpPr>
+          <p:cNvPr id="7" name="Title 1">
+            <a:extLst>
+              <a:ext uri="{FF2B5EF4-FFF2-40B4-BE49-F238E27FC236}">
+                <a16:creationId xmlns:a16="http://schemas.microsoft.com/office/drawing/2014/main" id="{ACFA60B9-8FDB-FD75-B98F-60483E4819D7}"/>
+              </a:ext>
+            </a:extLst>
+          </p:cNvPr>
+          <p:cNvSpPr>
+            <a:spLocks noGrp="1"/>
+          </p:cNvSpPr>
+          <p:nvPr>
+            <p:ph type="title"/>
+          </p:nvPr>
+        </p:nvSpPr>
+        <p:spPr>
+          <a:xfrm>
+            <a:off x="662276" y="555526"/>
+            <a:ext cx="8100000" cy="972000"/>
+          </a:xfrm>
+        </p:spPr>
+        <p:txBody>
+          <a:bodyPr/>
+          <a:lstStyle/>
+          <a:p>
+            <a:r>
+              <a:rPr lang="nl-NL" dirty="0" err="1"/>
+              <a:t>Pandas</a:t>
+            </a:r>
+            <a:endParaRPr lang="en-NL" dirty="0"/>
+          </a:p>
+        </p:txBody>
+      </p:sp>
+      <p:sp>
+        <p:nvSpPr>
+          <p:cNvPr id="8" name="Content Placeholder 2">
+            <a:extLst>
+              <a:ext uri="{FF2B5EF4-FFF2-40B4-BE49-F238E27FC236}">
+                <a16:creationId xmlns:a16="http://schemas.microsoft.com/office/drawing/2014/main" id="{BF7BECA8-298A-44FC-CFD1-24A746A8FE52}"/>
+              </a:ext>
+            </a:extLst>
+          </p:cNvPr>
+          <p:cNvSpPr>
+            <a:spLocks noGrp="1"/>
+          </p:cNvSpPr>
+          <p:nvPr>
+            <p:ph idx="1"/>
+          </p:nvPr>
+        </p:nvSpPr>
+        <p:spPr>
+          <a:xfrm>
+            <a:off x="666441" y="1139820"/>
+            <a:ext cx="5349884" cy="2090381"/>
+          </a:xfrm>
+        </p:spPr>
+        <p:txBody>
+          <a:bodyPr/>
+          <a:lstStyle/>
+          <a:p>
+            <a:endParaRPr lang="en-NL" sz="1600" dirty="0"/>
+          </a:p>
+        </p:txBody>
+      </p:sp>
+    </p:spTree>
+    <p:extLst>
+      <p:ext uri="{BB962C8B-B14F-4D97-AF65-F5344CB8AC3E}">
+        <p14:creationId xmlns:p14="http://schemas.microsoft.com/office/powerpoint/2010/main" val="1323645650"/>
+      </p:ext>
+    </p:extLst>
+  </p:cSld>
+  <p:clrMapOvr>
+    <a:masterClrMapping/>
+  </p:clrMapOvr>
+</p:sld>
+</file>
+
+<file path=ppt/slides/slide61.xml><?xml version="1.0" encoding="utf-8"?>
+<p:sld xmlns:a="http://schemas.openxmlformats.org/drawingml/2006/main" xmlns:r="http://schemas.openxmlformats.org/officeDocument/2006/relationships" xmlns:p="http://schemas.openxmlformats.org/presentationml/2006/main">
+  <p:cSld>
+    <p:spTree>
+      <p:nvGrpSpPr>
+        <p:cNvPr id="1" name=""/>
+        <p:cNvGrpSpPr/>
+        <p:nvPr/>
+      </p:nvGrpSpPr>
+      <p:grpSpPr>
+        <a:xfrm>
+          <a:off x="0" y="0"/>
+          <a:ext cx="0" cy="0"/>
+          <a:chOff x="0" y="0"/>
+          <a:chExt cx="0" cy="0"/>
+        </a:xfrm>
+      </p:grpSpPr>
+      <p:sp>
+        <p:nvSpPr>
+          <p:cNvPr id="2" name="Title 1">
+            <a:extLst>
+              <a:ext uri="{FF2B5EF4-FFF2-40B4-BE49-F238E27FC236}">
+                <a16:creationId xmlns:a16="http://schemas.microsoft.com/office/drawing/2014/main" id="{8CE0272C-5925-E390-A87E-3BF6523A40C8}"/>
+              </a:ext>
+            </a:extLst>
+          </p:cNvPr>
+          <p:cNvSpPr>
+            <a:spLocks noGrp="1"/>
+          </p:cNvSpPr>
+          <p:nvPr>
+            <p:ph type="title"/>
+          </p:nvPr>
+        </p:nvSpPr>
+        <p:spPr/>
+        <p:txBody>
+          <a:bodyPr/>
+          <a:lstStyle/>
+          <a:p>
+            <a:endParaRPr lang="en-NL" dirty="0"/>
+          </a:p>
+        </p:txBody>
+      </p:sp>
+      <p:sp>
+        <p:nvSpPr>
+          <p:cNvPr id="3" name="Content Placeholder 2">
+            <a:extLst>
+              <a:ext uri="{FF2B5EF4-FFF2-40B4-BE49-F238E27FC236}">
+                <a16:creationId xmlns:a16="http://schemas.microsoft.com/office/drawing/2014/main" id="{57FE708A-3F39-6324-9A60-D04ECAD630AF}"/>
+              </a:ext>
+            </a:extLst>
+          </p:cNvPr>
+          <p:cNvSpPr>
+            <a:spLocks noGrp="1"/>
+          </p:cNvSpPr>
+          <p:nvPr>
+            <p:ph idx="1"/>
+          </p:nvPr>
+        </p:nvSpPr>
+        <p:spPr/>
+        <p:txBody>
+          <a:bodyPr/>
+          <a:lstStyle/>
+          <a:p>
+            <a:endParaRPr lang="en-NL"/>
+          </a:p>
+        </p:txBody>
+      </p:sp>
+      <p:sp>
+        <p:nvSpPr>
+          <p:cNvPr id="4" name="Date Placeholder 3">
+            <a:extLst>
+              <a:ext uri="{FF2B5EF4-FFF2-40B4-BE49-F238E27FC236}">
+                <a16:creationId xmlns:a16="http://schemas.microsoft.com/office/drawing/2014/main" id="{A245E9FA-AF1A-E268-E142-47B8407F34CE}"/>
+              </a:ext>
+            </a:extLst>
+          </p:cNvPr>
+          <p:cNvSpPr>
+            <a:spLocks noGrp="1"/>
+          </p:cNvSpPr>
+          <p:nvPr>
+            <p:ph type="dt" sz="half" idx="10"/>
+          </p:nvPr>
+        </p:nvSpPr>
+        <p:spPr/>
+        <p:txBody>
+          <a:bodyPr/>
+          <a:lstStyle/>
+          <a:p>
+            <a:fld id="{9839CB03-DCF2-B749-ACCB-57353B868F10}" type="datetime1">
+              <a:rPr lang="nl-NL" smtClean="0"/>
+              <a:t>30-09-2025</a:t>
+            </a:fld>
+            <a:endParaRPr lang="nl-NL" dirty="0"/>
+          </a:p>
+        </p:txBody>
+      </p:sp>
+      <p:sp>
+        <p:nvSpPr>
+          <p:cNvPr id="5" name="Footer Placeholder 4">
+            <a:extLst>
+              <a:ext uri="{FF2B5EF4-FFF2-40B4-BE49-F238E27FC236}">
+                <a16:creationId xmlns:a16="http://schemas.microsoft.com/office/drawing/2014/main" id="{C66EC1BC-D2EC-E838-B964-44B7751E0F7C}"/>
+              </a:ext>
+            </a:extLst>
+          </p:cNvPr>
+          <p:cNvSpPr>
+            <a:spLocks noGrp="1"/>
+          </p:cNvSpPr>
+          <p:nvPr>
+            <p:ph type="ftr" sz="quarter" idx="11"/>
+          </p:nvPr>
+        </p:nvSpPr>
+        <p:spPr/>
+        <p:txBody>
+          <a:bodyPr/>
+          <a:lstStyle/>
+          <a:p>
+            <a:r>
+              <a:rPr lang="nl-NL"/>
+              <a:t>Python training – sessie 1</a:t>
+            </a:r>
+            <a:endParaRPr lang="nl-NL" dirty="0"/>
+          </a:p>
+        </p:txBody>
+      </p:sp>
+      <p:sp>
+        <p:nvSpPr>
+          <p:cNvPr id="6" name="Slide Number Placeholder 5">
+            <a:extLst>
+              <a:ext uri="{FF2B5EF4-FFF2-40B4-BE49-F238E27FC236}">
+                <a16:creationId xmlns:a16="http://schemas.microsoft.com/office/drawing/2014/main" id="{072DA6D7-951F-35D0-9091-6F24FEFE5FE2}"/>
+              </a:ext>
+            </a:extLst>
+          </p:cNvPr>
+          <p:cNvSpPr>
+            <a:spLocks noGrp="1"/>
+          </p:cNvSpPr>
+          <p:nvPr>
+            <p:ph type="sldNum" sz="quarter" idx="12"/>
+          </p:nvPr>
+        </p:nvSpPr>
+        <p:spPr/>
+        <p:txBody>
+          <a:bodyPr/>
+          <a:lstStyle/>
+          <a:p>
+            <a:pPr algn="l"/>
+            <a:r>
+              <a:rPr lang="nl-NL"/>
+              <a:t>| </a:t>
+            </a:r>
+            <a:fld id="{6C885DEC-5AE5-4403-A92E-278225061E43}" type="slidenum">
+              <a:rPr lang="nl-NL" smtClean="0"/>
+              <a:pPr algn="l"/>
+              <a:t>61</a:t>
+            </a:fld>
+            <a:endParaRPr lang="nl-NL" dirty="0"/>
+          </a:p>
+        </p:txBody>
+      </p:sp>
+    </p:spTree>
+    <p:extLst>
+      <p:ext uri="{BB962C8B-B14F-4D97-AF65-F5344CB8AC3E}">
+        <p14:creationId xmlns:p14="http://schemas.microsoft.com/office/powerpoint/2010/main" val="2764988865"/>
       </p:ext>
     </p:extLst>
   </p:cSld>
